--- a/presentations/2018-01 Tutorials/Jan2018_FHIR for Clinicians.pptx
+++ b/presentations/2018-01 Tutorials/Jan2018_FHIR for Clinicians.pptx
@@ -27604,7 +27604,31 @@
             <a:pPr lvl="1"/>
             <a:r>
               <a:rPr lang="en-US" dirty="0" smtClean="0"/>
-              <a:t>Able to participate knowledgeably in FHIR projects</a:t>
+              <a:t>Know where to </a:t>
+            </a:r>
+            <a:r>
+              <a:rPr lang="en-US" smtClean="0"/>
+              <a:t>find information, </a:t>
+            </a:r>
+            <a:r>
+              <a:rPr lang="en-US" dirty="0" smtClean="0"/>
+              <a:t>and how </a:t>
+            </a:r>
+            <a:r>
+              <a:rPr lang="en-US" smtClean="0"/>
+              <a:t>to understand it</a:t>
+            </a:r>
+            <a:endParaRPr lang="en-US" smtClean="0"/>
+          </a:p>
+          <a:p>
+            <a:pPr lvl="1"/>
+            <a:r>
+              <a:rPr lang="en-US" dirty="0" smtClean="0"/>
+              <a:t>Able </a:t>
+            </a:r>
+            <a:r>
+              <a:rPr lang="en-US" dirty="0" smtClean="0"/>
+              <a:t>to participate knowledgeably in FHIR projects</a:t>
             </a:r>
           </a:p>
           <a:p>

--- a/presentations/2018-01 Tutorials/Jan2018_FHIR for Clinicians.pptx
+++ b/presentations/2018-01 Tutorials/Jan2018_FHIR for Clinicians.pptx
@@ -9,12 +9,12 @@
   </p:notesMasterIdLst>
   <p:sldIdLst>
     <p:sldId id="258" r:id="rId2"/>
-    <p:sldId id="259" r:id="rId3"/>
-    <p:sldId id="352" r:id="rId4"/>
-    <p:sldId id="260" r:id="rId5"/>
-    <p:sldId id="261" r:id="rId6"/>
-    <p:sldId id="262" r:id="rId7"/>
-    <p:sldId id="263" r:id="rId8"/>
+    <p:sldId id="355" r:id="rId3"/>
+    <p:sldId id="356" r:id="rId4"/>
+    <p:sldId id="263" r:id="rId5"/>
+    <p:sldId id="260" r:id="rId6"/>
+    <p:sldId id="261" r:id="rId7"/>
+    <p:sldId id="262" r:id="rId8"/>
     <p:sldId id="264" r:id="rId9"/>
     <p:sldId id="265" r:id="rId10"/>
     <p:sldId id="271" r:id="rId11"/>
@@ -30,41 +30,41 @@
     <p:sldId id="276" r:id="rId21"/>
     <p:sldId id="327" r:id="rId22"/>
     <p:sldId id="279" r:id="rId23"/>
-    <p:sldId id="332" r:id="rId24"/>
-    <p:sldId id="333" r:id="rId25"/>
-    <p:sldId id="281" r:id="rId26"/>
-    <p:sldId id="282" r:id="rId27"/>
-    <p:sldId id="283" r:id="rId28"/>
-    <p:sldId id="349" r:id="rId29"/>
-    <p:sldId id="285" r:id="rId30"/>
-    <p:sldId id="286" r:id="rId31"/>
-    <p:sldId id="287" r:id="rId32"/>
-    <p:sldId id="288" r:id="rId33"/>
-    <p:sldId id="342" r:id="rId34"/>
-    <p:sldId id="343" r:id="rId35"/>
-    <p:sldId id="291" r:id="rId36"/>
-    <p:sldId id="292" r:id="rId37"/>
-    <p:sldId id="293" r:id="rId38"/>
-    <p:sldId id="329" r:id="rId39"/>
-    <p:sldId id="330" r:id="rId40"/>
-    <p:sldId id="331" r:id="rId41"/>
-    <p:sldId id="298" r:id="rId42"/>
-    <p:sldId id="350" r:id="rId43"/>
-    <p:sldId id="300" r:id="rId44"/>
-    <p:sldId id="340" r:id="rId45"/>
-    <p:sldId id="301" r:id="rId46"/>
-    <p:sldId id="353" r:id="rId47"/>
-    <p:sldId id="302" r:id="rId48"/>
-    <p:sldId id="345" r:id="rId49"/>
-    <p:sldId id="328" r:id="rId50"/>
-    <p:sldId id="334" r:id="rId51"/>
-    <p:sldId id="335" r:id="rId52"/>
-    <p:sldId id="336" r:id="rId53"/>
-    <p:sldId id="337" r:id="rId54"/>
-    <p:sldId id="338" r:id="rId55"/>
-    <p:sldId id="341" r:id="rId56"/>
-    <p:sldId id="346" r:id="rId57"/>
-    <p:sldId id="351" r:id="rId58"/>
+    <p:sldId id="333" r:id="rId24"/>
+    <p:sldId id="281" r:id="rId25"/>
+    <p:sldId id="282" r:id="rId26"/>
+    <p:sldId id="283" r:id="rId27"/>
+    <p:sldId id="349" r:id="rId28"/>
+    <p:sldId id="285" r:id="rId29"/>
+    <p:sldId id="286" r:id="rId30"/>
+    <p:sldId id="287" r:id="rId31"/>
+    <p:sldId id="288" r:id="rId32"/>
+    <p:sldId id="342" r:id="rId33"/>
+    <p:sldId id="343" r:id="rId34"/>
+    <p:sldId id="292" r:id="rId35"/>
+    <p:sldId id="293" r:id="rId36"/>
+    <p:sldId id="329" r:id="rId37"/>
+    <p:sldId id="330" r:id="rId38"/>
+    <p:sldId id="331" r:id="rId39"/>
+    <p:sldId id="298" r:id="rId40"/>
+    <p:sldId id="350" r:id="rId41"/>
+    <p:sldId id="300" r:id="rId42"/>
+    <p:sldId id="340" r:id="rId43"/>
+    <p:sldId id="301" r:id="rId44"/>
+    <p:sldId id="353" r:id="rId45"/>
+    <p:sldId id="302" r:id="rId46"/>
+    <p:sldId id="345" r:id="rId47"/>
+    <p:sldId id="328" r:id="rId48"/>
+    <p:sldId id="334" r:id="rId49"/>
+    <p:sldId id="335" r:id="rId50"/>
+    <p:sldId id="336" r:id="rId51"/>
+    <p:sldId id="337" r:id="rId52"/>
+    <p:sldId id="338" r:id="rId53"/>
+    <p:sldId id="341" r:id="rId54"/>
+    <p:sldId id="346" r:id="rId55"/>
+    <p:sldId id="351" r:id="rId56"/>
+    <p:sldId id="358" r:id="rId57"/>
+    <p:sldId id="357" r:id="rId58"/>
     <p:sldId id="347" r:id="rId59"/>
     <p:sldId id="348" r:id="rId60"/>
   </p:sldIdLst>
@@ -1980,7 +1980,7 @@
     </p:spTree>
     <p:extLst>
       <p:ext uri="{BB962C8B-B14F-4D97-AF65-F5344CB8AC3E}">
-        <p14:creationId xmlns:p14="http://schemas.microsoft.com/office/powerpoint/2010/main" val="598655103"/>
+        <p14:creationId xmlns:p14="http://schemas.microsoft.com/office/powerpoint/2010/main" val="234589751"/>
       </p:ext>
     </p:extLst>
   </p:cSld>
@@ -2041,7 +2041,7 @@
     </p:spTree>
     <p:extLst>
       <p:ext uri="{BB962C8B-B14F-4D97-AF65-F5344CB8AC3E}">
-        <p14:creationId xmlns:p14="http://schemas.microsoft.com/office/powerpoint/2010/main" val="234589751"/>
+        <p14:creationId xmlns:p14="http://schemas.microsoft.com/office/powerpoint/2010/main" val="2077896847"/>
       </p:ext>
     </p:extLst>
   </p:cSld>
@@ -2102,7 +2102,7 @@
     </p:spTree>
     <p:extLst>
       <p:ext uri="{BB962C8B-B14F-4D97-AF65-F5344CB8AC3E}">
-        <p14:creationId xmlns:p14="http://schemas.microsoft.com/office/powerpoint/2010/main" val="2077896847"/>
+        <p14:creationId xmlns:p14="http://schemas.microsoft.com/office/powerpoint/2010/main" val="1456467294"/>
       </p:ext>
     </p:extLst>
   </p:cSld>
@@ -2224,7 +2224,7 @@
     </p:spTree>
     <p:extLst>
       <p:ext uri="{BB962C8B-B14F-4D97-AF65-F5344CB8AC3E}">
-        <p14:creationId xmlns:p14="http://schemas.microsoft.com/office/powerpoint/2010/main" val="1456467294"/>
+        <p14:creationId xmlns:p14="http://schemas.microsoft.com/office/powerpoint/2010/main" val="347050493"/>
       </p:ext>
     </p:extLst>
   </p:cSld>
@@ -2285,7 +2285,7 @@
     </p:spTree>
     <p:extLst>
       <p:ext uri="{BB962C8B-B14F-4D97-AF65-F5344CB8AC3E}">
-        <p14:creationId xmlns:p14="http://schemas.microsoft.com/office/powerpoint/2010/main" val="347050493"/>
+        <p14:creationId xmlns:p14="http://schemas.microsoft.com/office/powerpoint/2010/main" val="550115068"/>
       </p:ext>
     </p:extLst>
   </p:cSld>
@@ -2346,7 +2346,7 @@
     </p:spTree>
     <p:extLst>
       <p:ext uri="{BB962C8B-B14F-4D97-AF65-F5344CB8AC3E}">
-        <p14:creationId xmlns:p14="http://schemas.microsoft.com/office/powerpoint/2010/main" val="550115068"/>
+        <p14:creationId xmlns:p14="http://schemas.microsoft.com/office/powerpoint/2010/main" val="834823136"/>
       </p:ext>
     </p:extLst>
   </p:cSld>
@@ -2400,6 +2400,47 @@
           <a:bodyPr/>
           <a:lstStyle/>
           <a:p>
+            <a:r>
+              <a:rPr lang="en-US" dirty="0" smtClean="0"/>
+              <a:t>77532 </a:t>
+            </a:r>
+            <a:r>
+              <a:rPr lang="mr-IN" dirty="0" smtClean="0"/>
+              <a:t>–</a:t>
+            </a:r>
+            <a:r>
+              <a:rPr lang="en-US" dirty="0" smtClean="0"/>
+              <a:t> eve </a:t>
+            </a:r>
+            <a:r>
+              <a:rPr lang="en-US" dirty="0" err="1" smtClean="0"/>
+              <a:t>betterhalf</a:t>
+            </a:r>
+            <a:r>
+              <a:rPr lang="en-US" dirty="0" smtClean="0"/>
+              <a:t> </a:t>
+            </a:r>
+            <a:r>
+              <a:rPr lang="mr-IN" dirty="0" smtClean="0"/>
+              <a:t>–</a:t>
+            </a:r>
+            <a:r>
+              <a:rPr lang="en-US" dirty="0" smtClean="0"/>
+              <a:t> documents</a:t>
+            </a:r>
+          </a:p>
+          <a:p>
+            <a:r>
+              <a:rPr lang="en-US" dirty="0" smtClean="0"/>
+              <a:t>Georgia </a:t>
+            </a:r>
+            <a:r>
+              <a:rPr lang="en-US" smtClean="0"/>
+              <a:t>taylor</a:t>
+            </a:r>
+            <a:endParaRPr lang="en-US" dirty="0" smtClean="0"/>
+          </a:p>
+          <a:p>
             <a:endParaRPr lang="en-US" dirty="0"/>
           </a:p>
         </p:txBody>
@@ -2407,7 +2448,7 @@
     </p:spTree>
     <p:extLst>
       <p:ext uri="{BB962C8B-B14F-4D97-AF65-F5344CB8AC3E}">
-        <p14:creationId xmlns:p14="http://schemas.microsoft.com/office/powerpoint/2010/main" val="834823136"/>
+        <p14:creationId xmlns:p14="http://schemas.microsoft.com/office/powerpoint/2010/main" val="580484632"/>
       </p:ext>
     </p:extLst>
   </p:cSld>
@@ -2461,47 +2502,6 @@
           <a:bodyPr/>
           <a:lstStyle/>
           <a:p>
-            <a:r>
-              <a:rPr lang="en-US" dirty="0" smtClean="0"/>
-              <a:t>77532 </a:t>
-            </a:r>
-            <a:r>
-              <a:rPr lang="mr-IN" dirty="0" smtClean="0"/>
-              <a:t>–</a:t>
-            </a:r>
-            <a:r>
-              <a:rPr lang="en-US" dirty="0" smtClean="0"/>
-              <a:t> eve </a:t>
-            </a:r>
-            <a:r>
-              <a:rPr lang="en-US" dirty="0" err="1" smtClean="0"/>
-              <a:t>betterhalf</a:t>
-            </a:r>
-            <a:r>
-              <a:rPr lang="en-US" dirty="0" smtClean="0"/>
-              <a:t> </a:t>
-            </a:r>
-            <a:r>
-              <a:rPr lang="mr-IN" dirty="0" smtClean="0"/>
-              <a:t>–</a:t>
-            </a:r>
-            <a:r>
-              <a:rPr lang="en-US" dirty="0" smtClean="0"/>
-              <a:t> documents</a:t>
-            </a:r>
-          </a:p>
-          <a:p>
-            <a:r>
-              <a:rPr lang="en-US" dirty="0" smtClean="0"/>
-              <a:t>Georgia </a:t>
-            </a:r>
-            <a:r>
-              <a:rPr lang="en-US" smtClean="0"/>
-              <a:t>taylor</a:t>
-            </a:r>
-            <a:endParaRPr lang="en-US" dirty="0" smtClean="0"/>
-          </a:p>
-          <a:p>
             <a:endParaRPr lang="en-US" dirty="0"/>
           </a:p>
         </p:txBody>
@@ -2509,7 +2509,7 @@
     </p:spTree>
     <p:extLst>
       <p:ext uri="{BB962C8B-B14F-4D97-AF65-F5344CB8AC3E}">
-        <p14:creationId xmlns:p14="http://schemas.microsoft.com/office/powerpoint/2010/main" val="580484632"/>
+        <p14:creationId xmlns:p14="http://schemas.microsoft.com/office/powerpoint/2010/main" val="986012061"/>
       </p:ext>
     </p:extLst>
   </p:cSld>
@@ -2570,7 +2570,7 @@
     </p:spTree>
     <p:extLst>
       <p:ext uri="{BB962C8B-B14F-4D97-AF65-F5344CB8AC3E}">
-        <p14:creationId xmlns:p14="http://schemas.microsoft.com/office/powerpoint/2010/main" val="986012061"/>
+        <p14:creationId xmlns:p14="http://schemas.microsoft.com/office/powerpoint/2010/main" val="712875486"/>
       </p:ext>
     </p:extLst>
   </p:cSld>
@@ -2631,7 +2631,7 @@
     </p:spTree>
     <p:extLst>
       <p:ext uri="{BB962C8B-B14F-4D97-AF65-F5344CB8AC3E}">
-        <p14:creationId xmlns:p14="http://schemas.microsoft.com/office/powerpoint/2010/main" val="712875486"/>
+        <p14:creationId xmlns:p14="http://schemas.microsoft.com/office/powerpoint/2010/main" val="1259337474"/>
       </p:ext>
     </p:extLst>
   </p:cSld>
@@ -2685,6 +2685,47 @@
           <a:bodyPr/>
           <a:lstStyle/>
           <a:p>
+            <a:r>
+              <a:rPr lang="en-US" dirty="0" smtClean="0"/>
+              <a:t>77532 </a:t>
+            </a:r>
+            <a:r>
+              <a:rPr lang="mr-IN" dirty="0" smtClean="0"/>
+              <a:t>–</a:t>
+            </a:r>
+            <a:r>
+              <a:rPr lang="en-US" dirty="0" smtClean="0"/>
+              <a:t> eve </a:t>
+            </a:r>
+            <a:r>
+              <a:rPr lang="en-US" dirty="0" err="1" smtClean="0"/>
+              <a:t>betterhalf</a:t>
+            </a:r>
+            <a:r>
+              <a:rPr lang="en-US" dirty="0" smtClean="0"/>
+              <a:t> </a:t>
+            </a:r>
+            <a:r>
+              <a:rPr lang="mr-IN" dirty="0" smtClean="0"/>
+              <a:t>–</a:t>
+            </a:r>
+            <a:r>
+              <a:rPr lang="en-US" dirty="0" smtClean="0"/>
+              <a:t> documents</a:t>
+            </a:r>
+          </a:p>
+          <a:p>
+            <a:r>
+              <a:rPr lang="en-US" dirty="0" smtClean="0"/>
+              <a:t>Georgia </a:t>
+            </a:r>
+            <a:r>
+              <a:rPr lang="en-US" smtClean="0"/>
+              <a:t>taylor</a:t>
+            </a:r>
+            <a:endParaRPr lang="en-US" dirty="0" smtClean="0"/>
+          </a:p>
+          <a:p>
             <a:endParaRPr lang="en-US" dirty="0"/>
           </a:p>
         </p:txBody>
@@ -2692,7 +2733,7 @@
     </p:spTree>
     <p:extLst>
       <p:ext uri="{BB962C8B-B14F-4D97-AF65-F5344CB8AC3E}">
-        <p14:creationId xmlns:p14="http://schemas.microsoft.com/office/powerpoint/2010/main" val="1259337474"/>
+        <p14:creationId xmlns:p14="http://schemas.microsoft.com/office/powerpoint/2010/main" val="1701206231"/>
       </p:ext>
     </p:extLst>
   </p:cSld>
@@ -2794,7 +2835,7 @@
     </p:spTree>
     <p:extLst>
       <p:ext uri="{BB962C8B-B14F-4D97-AF65-F5344CB8AC3E}">
-        <p14:creationId xmlns:p14="http://schemas.microsoft.com/office/powerpoint/2010/main" val="1701206231"/>
+        <p14:creationId xmlns:p14="http://schemas.microsoft.com/office/powerpoint/2010/main" val="2104881210"/>
       </p:ext>
     </p:extLst>
   </p:cSld>
@@ -2848,47 +2889,6 @@
           <a:bodyPr/>
           <a:lstStyle/>
           <a:p>
-            <a:r>
-              <a:rPr lang="en-US" dirty="0" smtClean="0"/>
-              <a:t>77532 </a:t>
-            </a:r>
-            <a:r>
-              <a:rPr lang="mr-IN" dirty="0" smtClean="0"/>
-              <a:t>–</a:t>
-            </a:r>
-            <a:r>
-              <a:rPr lang="en-US" dirty="0" smtClean="0"/>
-              <a:t> eve </a:t>
-            </a:r>
-            <a:r>
-              <a:rPr lang="en-US" dirty="0" err="1" smtClean="0"/>
-              <a:t>betterhalf</a:t>
-            </a:r>
-            <a:r>
-              <a:rPr lang="en-US" dirty="0" smtClean="0"/>
-              <a:t> </a:t>
-            </a:r>
-            <a:r>
-              <a:rPr lang="mr-IN" dirty="0" smtClean="0"/>
-              <a:t>–</a:t>
-            </a:r>
-            <a:r>
-              <a:rPr lang="en-US" dirty="0" smtClean="0"/>
-              <a:t> documents</a:t>
-            </a:r>
-          </a:p>
-          <a:p>
-            <a:r>
-              <a:rPr lang="en-US" dirty="0" smtClean="0"/>
-              <a:t>Georgia </a:t>
-            </a:r>
-            <a:r>
-              <a:rPr lang="en-US" smtClean="0"/>
-              <a:t>taylor</a:t>
-            </a:r>
-            <a:endParaRPr lang="en-US" dirty="0" smtClean="0"/>
-          </a:p>
-          <a:p>
             <a:endParaRPr lang="en-US" dirty="0"/>
           </a:p>
         </p:txBody>
@@ -2896,7 +2896,7 @@
     </p:spTree>
     <p:extLst>
       <p:ext uri="{BB962C8B-B14F-4D97-AF65-F5344CB8AC3E}">
-        <p14:creationId xmlns:p14="http://schemas.microsoft.com/office/powerpoint/2010/main" val="2104881210"/>
+        <p14:creationId xmlns:p14="http://schemas.microsoft.com/office/powerpoint/2010/main" val="792495102"/>
       </p:ext>
     </p:extLst>
   </p:cSld>
@@ -3030,7 +3030,7 @@
     </p:spTree>
     <p:extLst>
       <p:ext uri="{BB962C8B-B14F-4D97-AF65-F5344CB8AC3E}">
-        <p14:creationId xmlns:p14="http://schemas.microsoft.com/office/powerpoint/2010/main" val="792495102"/>
+        <p14:creationId xmlns:p14="http://schemas.microsoft.com/office/powerpoint/2010/main" val="544165505"/>
       </p:ext>
     </p:extLst>
   </p:cSld>
@@ -3091,7 +3091,7 @@
     </p:spTree>
     <p:extLst>
       <p:ext uri="{BB962C8B-B14F-4D97-AF65-F5344CB8AC3E}">
-        <p14:creationId xmlns:p14="http://schemas.microsoft.com/office/powerpoint/2010/main" val="544165505"/>
+        <p14:creationId xmlns:p14="http://schemas.microsoft.com/office/powerpoint/2010/main" val="1957450823"/>
       </p:ext>
     </p:extLst>
   </p:cSld>
@@ -3145,14 +3145,40 @@
           <a:bodyPr/>
           <a:lstStyle/>
           <a:p>
-            <a:endParaRPr lang="en-US" dirty="0"/>
+            <a:pPr marL="538163" marR="0" lvl="0" indent="-277813" algn="l" defTabSz="457156" rtl="0" eaLnBrk="1" fontAlgn="auto" latinLnBrk="0" hangingPunct="1">
+              <a:lnSpc>
+                <a:spcPct val="150000"/>
+              </a:lnSpc>
+              <a:spcBef>
+                <a:spcPts val="0"/>
+              </a:spcBef>
+              <a:spcAft>
+                <a:spcPts val="0"/>
+              </a:spcAft>
+              <a:buClr>
+                <a:schemeClr val="accent4"/>
+              </a:buClr>
+              <a:buSzTx/>
+              <a:buFont typeface="LucidaGrande" charset="0"/>
+              <a:buNone/>
+              <a:tabLst/>
+              <a:defRPr/>
+            </a:pPr>
+            <a:endParaRPr lang="en-US" sz="1000" dirty="0">
+              <a:solidFill>
+                <a:schemeClr val="accent4"/>
+              </a:solidFill>
+              <a:latin typeface="Arial" charset="0"/>
+              <a:ea typeface="Arial" charset="0"/>
+              <a:cs typeface="Arial" charset="0"/>
+            </a:endParaRPr>
           </a:p>
         </p:txBody>
       </p:sp>
     </p:spTree>
     <p:extLst>
       <p:ext uri="{BB962C8B-B14F-4D97-AF65-F5344CB8AC3E}">
-        <p14:creationId xmlns:p14="http://schemas.microsoft.com/office/powerpoint/2010/main" val="1957450823"/>
+        <p14:creationId xmlns:p14="http://schemas.microsoft.com/office/powerpoint/2010/main" val="1409695030"/>
       </p:ext>
     </p:extLst>
   </p:cSld>
@@ -3206,40 +3232,14 @@
           <a:bodyPr/>
           <a:lstStyle/>
           <a:p>
-            <a:pPr marL="538163" marR="0" lvl="0" indent="-277813" algn="l" defTabSz="457156" rtl="0" eaLnBrk="1" fontAlgn="auto" latinLnBrk="0" hangingPunct="1">
-              <a:lnSpc>
-                <a:spcPct val="150000"/>
-              </a:lnSpc>
-              <a:spcBef>
-                <a:spcPts val="0"/>
-              </a:spcBef>
-              <a:spcAft>
-                <a:spcPts val="0"/>
-              </a:spcAft>
-              <a:buClr>
-                <a:schemeClr val="accent4"/>
-              </a:buClr>
-              <a:buSzTx/>
-              <a:buFont typeface="LucidaGrande" charset="0"/>
-              <a:buNone/>
-              <a:tabLst/>
-              <a:defRPr/>
-            </a:pPr>
-            <a:endParaRPr lang="en-US" sz="1000" dirty="0">
-              <a:solidFill>
-                <a:schemeClr val="accent4"/>
-              </a:solidFill>
-              <a:latin typeface="Arial" charset="0"/>
-              <a:ea typeface="Arial" charset="0"/>
-              <a:cs typeface="Arial" charset="0"/>
-            </a:endParaRPr>
+            <a:endParaRPr lang="en-US" dirty="0"/>
           </a:p>
         </p:txBody>
       </p:sp>
     </p:spTree>
     <p:extLst>
       <p:ext uri="{BB962C8B-B14F-4D97-AF65-F5344CB8AC3E}">
-        <p14:creationId xmlns:p14="http://schemas.microsoft.com/office/powerpoint/2010/main" val="1409695030"/>
+        <p14:creationId xmlns:p14="http://schemas.microsoft.com/office/powerpoint/2010/main" val="435111068"/>
       </p:ext>
     </p:extLst>
   </p:cSld>
@@ -3293,6 +3293,47 @@
           <a:bodyPr/>
           <a:lstStyle/>
           <a:p>
+            <a:r>
+              <a:rPr lang="en-US" dirty="0" smtClean="0"/>
+              <a:t>77532 </a:t>
+            </a:r>
+            <a:r>
+              <a:rPr lang="mr-IN" dirty="0" smtClean="0"/>
+              <a:t>–</a:t>
+            </a:r>
+            <a:r>
+              <a:rPr lang="en-US" dirty="0" smtClean="0"/>
+              <a:t> eve </a:t>
+            </a:r>
+            <a:r>
+              <a:rPr lang="en-US" dirty="0" err="1" smtClean="0"/>
+              <a:t>betterhalf</a:t>
+            </a:r>
+            <a:r>
+              <a:rPr lang="en-US" dirty="0" smtClean="0"/>
+              <a:t> </a:t>
+            </a:r>
+            <a:r>
+              <a:rPr lang="mr-IN" dirty="0" smtClean="0"/>
+              <a:t>–</a:t>
+            </a:r>
+            <a:r>
+              <a:rPr lang="en-US" dirty="0" smtClean="0"/>
+              <a:t> documents</a:t>
+            </a:r>
+          </a:p>
+          <a:p>
+            <a:r>
+              <a:rPr lang="en-US" dirty="0" smtClean="0"/>
+              <a:t>Georgia </a:t>
+            </a:r>
+            <a:r>
+              <a:rPr lang="en-US" smtClean="0"/>
+              <a:t>taylor</a:t>
+            </a:r>
+            <a:endParaRPr lang="en-US" dirty="0" smtClean="0"/>
+          </a:p>
+          <a:p>
             <a:endParaRPr lang="en-US" dirty="0"/>
           </a:p>
         </p:txBody>
@@ -3300,7 +3341,7 @@
     </p:spTree>
     <p:extLst>
       <p:ext uri="{BB962C8B-B14F-4D97-AF65-F5344CB8AC3E}">
-        <p14:creationId xmlns:p14="http://schemas.microsoft.com/office/powerpoint/2010/main" val="435111068"/>
+        <p14:creationId xmlns:p14="http://schemas.microsoft.com/office/powerpoint/2010/main" val="1405542672"/>
       </p:ext>
     </p:extLst>
   </p:cSld>
@@ -3354,47 +3395,6 @@
           <a:bodyPr/>
           <a:lstStyle/>
           <a:p>
-            <a:r>
-              <a:rPr lang="en-US" dirty="0" smtClean="0"/>
-              <a:t>77532 </a:t>
-            </a:r>
-            <a:r>
-              <a:rPr lang="mr-IN" dirty="0" smtClean="0"/>
-              <a:t>–</a:t>
-            </a:r>
-            <a:r>
-              <a:rPr lang="en-US" dirty="0" smtClean="0"/>
-              <a:t> eve </a:t>
-            </a:r>
-            <a:r>
-              <a:rPr lang="en-US" dirty="0" err="1" smtClean="0"/>
-              <a:t>betterhalf</a:t>
-            </a:r>
-            <a:r>
-              <a:rPr lang="en-US" dirty="0" smtClean="0"/>
-              <a:t> </a:t>
-            </a:r>
-            <a:r>
-              <a:rPr lang="mr-IN" dirty="0" smtClean="0"/>
-              <a:t>–</a:t>
-            </a:r>
-            <a:r>
-              <a:rPr lang="en-US" dirty="0" smtClean="0"/>
-              <a:t> documents</a:t>
-            </a:r>
-          </a:p>
-          <a:p>
-            <a:r>
-              <a:rPr lang="en-US" dirty="0" smtClean="0"/>
-              <a:t>Georgia </a:t>
-            </a:r>
-            <a:r>
-              <a:rPr lang="en-US" smtClean="0"/>
-              <a:t>taylor</a:t>
-            </a:r>
-            <a:endParaRPr lang="en-US" dirty="0" smtClean="0"/>
-          </a:p>
-          <a:p>
             <a:endParaRPr lang="en-US" dirty="0"/>
           </a:p>
         </p:txBody>
@@ -3402,7 +3402,7 @@
     </p:spTree>
     <p:extLst>
       <p:ext uri="{BB962C8B-B14F-4D97-AF65-F5344CB8AC3E}">
-        <p14:creationId xmlns:p14="http://schemas.microsoft.com/office/powerpoint/2010/main" val="1405542672"/>
+        <p14:creationId xmlns:p14="http://schemas.microsoft.com/office/powerpoint/2010/main" val="1031483391"/>
       </p:ext>
     </p:extLst>
   </p:cSld>
@@ -3456,6 +3456,47 @@
           <a:bodyPr/>
           <a:lstStyle/>
           <a:p>
+            <a:r>
+              <a:rPr lang="en-US" dirty="0" smtClean="0"/>
+              <a:t>77532 </a:t>
+            </a:r>
+            <a:r>
+              <a:rPr lang="mr-IN" dirty="0" smtClean="0"/>
+              <a:t>–</a:t>
+            </a:r>
+            <a:r>
+              <a:rPr lang="en-US" dirty="0" smtClean="0"/>
+              <a:t> eve </a:t>
+            </a:r>
+            <a:r>
+              <a:rPr lang="en-US" dirty="0" err="1" smtClean="0"/>
+              <a:t>betterhalf</a:t>
+            </a:r>
+            <a:r>
+              <a:rPr lang="en-US" dirty="0" smtClean="0"/>
+              <a:t> </a:t>
+            </a:r>
+            <a:r>
+              <a:rPr lang="mr-IN" dirty="0" smtClean="0"/>
+              <a:t>–</a:t>
+            </a:r>
+            <a:r>
+              <a:rPr lang="en-US" dirty="0" smtClean="0"/>
+              <a:t> documents</a:t>
+            </a:r>
+          </a:p>
+          <a:p>
+            <a:r>
+              <a:rPr lang="en-US" dirty="0" smtClean="0"/>
+              <a:t>Georgia </a:t>
+            </a:r>
+            <a:r>
+              <a:rPr lang="en-US" smtClean="0"/>
+              <a:t>taylor</a:t>
+            </a:r>
+            <a:endParaRPr lang="en-US" dirty="0" smtClean="0"/>
+          </a:p>
+          <a:p>
             <a:endParaRPr lang="en-US" dirty="0"/>
           </a:p>
         </p:txBody>
@@ -3463,7 +3504,7 @@
     </p:spTree>
     <p:extLst>
       <p:ext uri="{BB962C8B-B14F-4D97-AF65-F5344CB8AC3E}">
-        <p14:creationId xmlns:p14="http://schemas.microsoft.com/office/powerpoint/2010/main" val="1031483391"/>
+        <p14:creationId xmlns:p14="http://schemas.microsoft.com/office/powerpoint/2010/main" val="975694632"/>
       </p:ext>
     </p:extLst>
   </p:cSld>
@@ -3517,108 +3558,6 @@
           <a:bodyPr/>
           <a:lstStyle/>
           <a:p>
-            <a:r>
-              <a:rPr lang="en-US" dirty="0" smtClean="0"/>
-              <a:t>77532 </a:t>
-            </a:r>
-            <a:r>
-              <a:rPr lang="mr-IN" dirty="0" smtClean="0"/>
-              <a:t>–</a:t>
-            </a:r>
-            <a:r>
-              <a:rPr lang="en-US" dirty="0" smtClean="0"/>
-              <a:t> eve </a:t>
-            </a:r>
-            <a:r>
-              <a:rPr lang="en-US" dirty="0" err="1" smtClean="0"/>
-              <a:t>betterhalf</a:t>
-            </a:r>
-            <a:r>
-              <a:rPr lang="en-US" dirty="0" smtClean="0"/>
-              <a:t> </a:t>
-            </a:r>
-            <a:r>
-              <a:rPr lang="mr-IN" dirty="0" smtClean="0"/>
-              <a:t>–</a:t>
-            </a:r>
-            <a:r>
-              <a:rPr lang="en-US" dirty="0" smtClean="0"/>
-              <a:t> documents</a:t>
-            </a:r>
-          </a:p>
-          <a:p>
-            <a:r>
-              <a:rPr lang="en-US" dirty="0" smtClean="0"/>
-              <a:t>Georgia </a:t>
-            </a:r>
-            <a:r>
-              <a:rPr lang="en-US" smtClean="0"/>
-              <a:t>taylor</a:t>
-            </a:r>
-            <a:endParaRPr lang="en-US" dirty="0" smtClean="0"/>
-          </a:p>
-          <a:p>
-            <a:endParaRPr lang="en-US" dirty="0"/>
-          </a:p>
-        </p:txBody>
-      </p:sp>
-    </p:spTree>
-    <p:extLst>
-      <p:ext uri="{BB962C8B-B14F-4D97-AF65-F5344CB8AC3E}">
-        <p14:creationId xmlns:p14="http://schemas.microsoft.com/office/powerpoint/2010/main" val="975694632"/>
-      </p:ext>
-    </p:extLst>
-  </p:cSld>
-  <p:clrMapOvr>
-    <a:masterClrMapping/>
-  </p:clrMapOvr>
-</p:notes>
-</file>
-
-<file path=ppt/notesSlides/notesSlide48.xml><?xml version="1.0" encoding="utf-8"?>
-<p:notes xmlns:a="http://schemas.openxmlformats.org/drawingml/2006/main" xmlns:r="http://schemas.openxmlformats.org/officeDocument/2006/relationships" xmlns:p="http://schemas.openxmlformats.org/presentationml/2006/main">
-  <p:cSld>
-    <p:spTree>
-      <p:nvGrpSpPr>
-        <p:cNvPr id="1" name=""/>
-        <p:cNvGrpSpPr/>
-        <p:nvPr/>
-      </p:nvGrpSpPr>
-      <p:grpSpPr>
-        <a:xfrm>
-          <a:off x="0" y="0"/>
-          <a:ext cx="0" cy="0"/>
-          <a:chOff x="0" y="0"/>
-          <a:chExt cx="0" cy="0"/>
-        </a:xfrm>
-      </p:grpSpPr>
-      <p:sp>
-        <p:nvSpPr>
-          <p:cNvPr id="2" name="Slide Image Placeholder 1"/>
-          <p:cNvSpPr>
-            <a:spLocks noGrp="1" noRot="1" noChangeAspect="1"/>
-          </p:cNvSpPr>
-          <p:nvPr>
-            <p:ph type="sldImg"/>
-          </p:nvPr>
-        </p:nvSpPr>
-        <p:spPr/>
-      </p:sp>
-      <p:sp>
-        <p:nvSpPr>
-          <p:cNvPr id="3" name="Notes Placeholder 2"/>
-          <p:cNvSpPr>
-            <a:spLocks noGrp="1"/>
-          </p:cNvSpPr>
-          <p:nvPr>
-            <p:ph type="body" idx="1"/>
-          </p:nvPr>
-        </p:nvSpPr>
-        <p:spPr/>
-        <p:txBody>
-          <a:bodyPr/>
-          <a:lstStyle/>
-          <a:p>
             <a:endParaRPr lang="en-US" dirty="0"/>
           </a:p>
         </p:txBody>
@@ -3636,7 +3575,7 @@
 </p:notes>
 </file>
 
-<file path=ppt/notesSlides/notesSlide49.xml><?xml version="1.0" encoding="utf-8"?>
+<file path=ppt/notesSlides/notesSlide48.xml><?xml version="1.0" encoding="utf-8"?>
 <p:notes xmlns:a="http://schemas.openxmlformats.org/drawingml/2006/main" xmlns:r="http://schemas.openxmlformats.org/officeDocument/2006/relationships" xmlns:p="http://schemas.openxmlformats.org/presentationml/2006/main">
   <p:cSld>
     <p:spTree>
@@ -7114,7 +7053,7 @@
           <p:cNvPr id="11" name="Picture 13" descr="HL7 International Logo">
             <a:extLst>
               <a:ext uri="{FF2B5EF4-FFF2-40B4-BE49-F238E27FC236}">
-                <a16:creationId xmlns="" xmlns:a16="http://schemas.microsoft.com/office/drawing/2014/main" id="{06ED5822-C3D1-42F9-B3C2-715012863A7C}"/>
+                <a16:creationId xmlns:a16="http://schemas.microsoft.com/office/drawing/2014/main" xmlns="" id="{06ED5822-C3D1-42F9-B3C2-715012863A7C}"/>
               </a:ext>
             </a:extLst>
           </p:cNvPr>
@@ -7644,7 +7583,15 @@
             </a:br>
             <a:r>
               <a:rPr lang="en-AU" sz="4400" dirty="0"/>
-              <a:t>for clinicians and Decision Makers</a:t>
+              <a:t>for </a:t>
+            </a:r>
+            <a:r>
+              <a:rPr lang="en-AU" sz="4400" dirty="0" smtClean="0"/>
+              <a:t>Clinicians </a:t>
+            </a:r>
+            <a:r>
+              <a:rPr lang="en-AU" sz="4400" dirty="0"/>
+              <a:t>and Decision Makers</a:t>
             </a:r>
             <a:endParaRPr lang="en-AU" dirty="0"/>
           </a:p>
@@ -8485,7 +8432,7 @@
         <p:spPr>
           <a:xfrm>
             <a:off x="990600" y="1752600"/>
-            <a:ext cx="8064496" cy="4798750"/>
+            <a:ext cx="8064496" cy="4829527"/>
           </a:xfrm>
           <a:prstGeom prst="rect">
             <a:avLst/>
@@ -8730,10 +8677,26 @@
                   <a:schemeClr val="accent4"/>
                 </a:solidFill>
               </a:rPr>
-              <a:t>Strong endorsement and support from vendors, providers and regulatory community (e.g. UK - </a:t>
-            </a:r>
-            <a:r>
-              <a:rPr lang="en-US" sz="2000" dirty="0" err="1">
+              <a:t>Strong endorsement and support from vendors, providers and regulatory community (e.g. US - Project </a:t>
+            </a:r>
+            <a:r>
+              <a:rPr lang="en-US" sz="2000" dirty="0" smtClean="0">
+                <a:solidFill>
+                  <a:schemeClr val="accent4"/>
+                </a:solidFill>
+              </a:rPr>
+              <a:t>Argonaut, UK </a:t>
+            </a:r>
+            <a:r>
+              <a:rPr lang="en-US" sz="2000" dirty="0">
+                <a:solidFill>
+                  <a:schemeClr val="accent4"/>
+                </a:solidFill>
+              </a:rPr>
+              <a:t>- </a:t>
+            </a:r>
+            <a:r>
+              <a:rPr lang="en-US" sz="2000" dirty="0" err="1" smtClean="0">
                 <a:solidFill>
                   <a:schemeClr val="accent4"/>
                 </a:solidFill>
@@ -8741,13 +8704,18 @@
               <a:t>INTEROpen.org</a:t>
             </a:r>
             <a:r>
-              <a:rPr lang="en-US" sz="2000" dirty="0">
-                <a:solidFill>
-                  <a:schemeClr val="accent4"/>
-                </a:solidFill>
-              </a:rPr>
-              <a:t>, US - Project Argonaut)</a:t>
-            </a:r>
+              <a:rPr lang="en-US" sz="2000" dirty="0" smtClean="0">
+                <a:solidFill>
+                  <a:schemeClr val="accent4"/>
+                </a:solidFill>
+              </a:rPr>
+              <a:t>)</a:t>
+            </a:r>
+            <a:endParaRPr lang="en-US" sz="2000" dirty="0">
+              <a:solidFill>
+                <a:schemeClr val="accent4"/>
+              </a:solidFill>
+            </a:endParaRPr>
           </a:p>
           <a:p>
             <a:pPr marL="285750" indent="-285750">
@@ -9247,7 +9215,7 @@
           <a:noFill/>
           <a:ln w="9525">
             <a:solidFill>
-              <a:schemeClr val="accent5"/>
+              <a:srgbClr val="00B050"/>
             </a:solidFill>
             <a:prstDash val="solid"/>
           </a:ln>
@@ -12666,10 +12634,9 @@
           <a:lstStyle/>
           <a:p>
             <a:r>
-              <a:rPr lang="en-US" dirty="0" smtClean="0"/>
-              <a:t>About me</a:t>
-            </a:r>
-            <a:endParaRPr lang="en-US" dirty="0"/>
+              <a:rPr lang="en-US" noProof="0" dirty="0"/>
+              <a:t>Who am I?</a:t>
+            </a:r>
           </a:p>
         </p:txBody>
       </p:sp>
@@ -12688,6 +12655,42 @@
           <a:bodyPr/>
           <a:lstStyle/>
           <a:p>
+            <a:r>
+              <a:rPr lang="en-US" b="1" noProof="0" dirty="0"/>
+              <a:t>Name:</a:t>
+            </a:r>
+            <a:r>
+              <a:rPr lang="en-US" noProof="0" dirty="0"/>
+              <a:t> </a:t>
+            </a:r>
+            <a:r>
+              <a:rPr lang="en-US" noProof="0" dirty="0" smtClean="0"/>
+              <a:t>David Hay</a:t>
+            </a:r>
+            <a:endParaRPr lang="en-US" noProof="0" dirty="0"/>
+          </a:p>
+          <a:p>
+            <a:r>
+              <a:rPr lang="en-US" b="1" noProof="0" dirty="0"/>
+              <a:t>Company:</a:t>
+            </a:r>
+            <a:r>
+              <a:rPr lang="en-US" noProof="0" dirty="0"/>
+              <a:t> </a:t>
+            </a:r>
+            <a:r>
+              <a:rPr lang="en-US" noProof="0" dirty="0" smtClean="0"/>
+              <a:t>Orion Health</a:t>
+            </a:r>
+            <a:endParaRPr lang="en-US" noProof="0" dirty="0"/>
+          </a:p>
+          <a:p>
+            <a:r>
+              <a:rPr lang="en-US" b="1" noProof="0" dirty="0"/>
+              <a:t>Background:</a:t>
+            </a:r>
+          </a:p>
+          <a:p>
             <a:pPr marL="285750" indent="-285750">
               <a:lnSpc>
                 <a:spcPct val="150000"/>
@@ -12699,7 +12702,7 @@
               <a:buChar char="‣"/>
             </a:pPr>
             <a:r>
-              <a:rPr lang="en-US" sz="2800" dirty="0">
+              <a:rPr lang="en-US" sz="1800" dirty="0">
                 <a:solidFill>
                   <a:schemeClr val="accent4"/>
                 </a:solidFill>
@@ -12722,7 +12725,7 @@
               <a:buChar char="‣"/>
             </a:pPr>
             <a:r>
-              <a:rPr lang="en-US" sz="2800" dirty="0">
+              <a:rPr lang="en-US" sz="1800" dirty="0">
                 <a:solidFill>
                   <a:schemeClr val="accent4"/>
                 </a:solidFill>
@@ -12745,7 +12748,7 @@
               <a:buChar char="‣"/>
             </a:pPr>
             <a:r>
-              <a:rPr lang="en-US" sz="2800" dirty="0">
+              <a:rPr lang="en-US" sz="1800" dirty="0">
                 <a:solidFill>
                   <a:schemeClr val="accent4"/>
                 </a:solidFill>
@@ -12768,7 +12771,7 @@
               <a:buChar char="‣"/>
             </a:pPr>
             <a:r>
-              <a:rPr lang="en-US" sz="2800" dirty="0">
+              <a:rPr lang="en-US" sz="1800" dirty="0">
                 <a:solidFill>
                   <a:schemeClr val="accent4"/>
                 </a:solidFill>
@@ -12791,7 +12794,7 @@
               <a:buChar char="‣"/>
             </a:pPr>
             <a:r>
-              <a:rPr lang="en-US" sz="2800" dirty="0">
+              <a:rPr lang="en-US" sz="1800" dirty="0">
                 <a:solidFill>
                   <a:schemeClr val="accent4"/>
                 </a:solidFill>
@@ -12802,7 +12805,7 @@
               <a:t>Blog: </a:t>
             </a:r>
             <a:r>
-              <a:rPr lang="en-US" sz="2800" dirty="0" err="1">
+              <a:rPr lang="en-US" sz="1800" dirty="0" err="1">
                 <a:solidFill>
                   <a:schemeClr val="accent4"/>
                 </a:solidFill>
@@ -12812,7 +12815,7 @@
               </a:rPr>
               <a:t>fhirblog.com</a:t>
             </a:r>
-            <a:endParaRPr lang="en-US" sz="2800" dirty="0">
+            <a:endParaRPr lang="en-US" sz="1800" dirty="0">
               <a:solidFill>
                 <a:schemeClr val="accent4"/>
               </a:solidFill>
@@ -12833,7 +12836,7 @@
               <a:buChar char="‣"/>
             </a:pPr>
             <a:r>
-              <a:rPr lang="en-US" sz="2800" dirty="0">
+              <a:rPr lang="en-US" sz="1800" dirty="0">
                 <a:solidFill>
                   <a:schemeClr val="accent4"/>
                 </a:solidFill>
@@ -12844,7 +12847,7 @@
               <a:t>Tooling: </a:t>
             </a:r>
             <a:r>
-              <a:rPr lang="en-US" sz="2800" dirty="0" err="1">
+              <a:rPr lang="en-US" sz="1800" dirty="0" err="1" smtClean="0">
                 <a:solidFill>
                   <a:schemeClr val="accent4"/>
                 </a:solidFill>
@@ -12863,53 +12866,49 @@
               <a:cs typeface="Arial" charset="0"/>
             </a:endParaRPr>
           </a:p>
-          <a:p>
-            <a:endParaRPr lang="en-US" sz="2800" dirty="0"/>
-          </a:p>
         </p:txBody>
       </p:sp>
-      <p:sp>
-        <p:nvSpPr>
-          <p:cNvPr id="4" name="Slide Number Placeholder 3"/>
-          <p:cNvSpPr>
-            <a:spLocks noGrp="1"/>
-          </p:cNvSpPr>
-          <p:nvPr>
-            <p:ph type="sldNum" sz="quarter" idx="4294967295"/>
-          </p:nvPr>
-        </p:nvSpPr>
+      <p:pic>
+        <p:nvPicPr>
+          <p:cNvPr id="5" name="Picture 4"/>
+          <p:cNvPicPr>
+            <a:picLocks noChangeAspect="1"/>
+          </p:cNvPicPr>
+          <p:nvPr/>
+        </p:nvPicPr>
+        <p:blipFill>
+          <a:blip r:embed="rId2">
+            <a:extLst>
+              <a:ext uri="{28A0092B-C50C-407E-A947-70E740481C1C}">
+                <a14:useLocalDpi xmlns:a14="http://schemas.microsoft.com/office/drawing/2010/main" val="0"/>
+              </a:ext>
+            </a:extLst>
+          </a:blip>
+          <a:stretch>
+            <a:fillRect/>
+          </a:stretch>
+        </p:blipFill>
         <p:spPr>
           <a:xfrm>
-            <a:off x="1703512" y="6304236"/>
-            <a:ext cx="720080" cy="221109"/>
+            <a:off x="9296400" y="1752600"/>
+            <a:ext cx="2019534" cy="2743200"/>
           </a:xfrm>
           <a:prstGeom prst="rect">
             <a:avLst/>
           </a:prstGeom>
         </p:spPr>
-        <p:txBody>
-          <a:bodyPr/>
-          <a:lstStyle/>
-          <a:p>
-            <a:fld id="{5CC3E5C4-3E2B-40F1-9F2B-C46CEB0C88DF}" type="slidenum">
-              <a:rPr lang="en-CA" smtClean="0"/>
-              <a:pPr/>
-              <a:t>2</a:t>
-            </a:fld>
-            <a:endParaRPr lang="en-CA" dirty="0"/>
-          </a:p>
-        </p:txBody>
-      </p:sp>
+      </p:pic>
     </p:spTree>
     <p:extLst>
       <p:ext uri="{BB962C8B-B14F-4D97-AF65-F5344CB8AC3E}">
-        <p14:creationId xmlns:p14="http://schemas.microsoft.com/office/powerpoint/2010/main" val="1290751271"/>
+        <p14:creationId xmlns:p14="http://schemas.microsoft.com/office/powerpoint/2010/main" val="1529756929"/>
       </p:ext>
     </p:extLst>
   </p:cSld>
   <p:clrMapOvr>
     <a:masterClrMapping/>
   </p:clrMapOvr>
+  <p:transition/>
   <p:timing>
     <p:tnLst>
       <p:par>
@@ -15380,104 +15379,6 @@
 </file>
 
 <file path=ppt/slides/slide23.xml><?xml version="1.0" encoding="utf-8"?>
-<p:sld xmlns:a="http://schemas.openxmlformats.org/drawingml/2006/main" xmlns:r="http://schemas.openxmlformats.org/officeDocument/2006/relationships" xmlns:p="http://schemas.openxmlformats.org/presentationml/2006/main" show="0">
-  <p:cSld>
-    <p:spTree>
-      <p:nvGrpSpPr>
-        <p:cNvPr id="1" name=""/>
-        <p:cNvGrpSpPr/>
-        <p:nvPr/>
-      </p:nvGrpSpPr>
-      <p:grpSpPr>
-        <a:xfrm>
-          <a:off x="0" y="0"/>
-          <a:ext cx="0" cy="0"/>
-          <a:chOff x="0" y="0"/>
-          <a:chExt cx="0" cy="0"/>
-        </a:xfrm>
-      </p:grpSpPr>
-      <p:sp>
-        <p:nvSpPr>
-          <p:cNvPr id="2" name="Title 1"/>
-          <p:cNvSpPr>
-            <a:spLocks noGrp="1"/>
-          </p:cNvSpPr>
-          <p:nvPr>
-            <p:ph type="title"/>
-          </p:nvPr>
-        </p:nvSpPr>
-        <p:spPr/>
-        <p:txBody>
-          <a:bodyPr/>
-          <a:lstStyle/>
-          <a:p>
-            <a:r>
-              <a:rPr lang="en-US" dirty="0" smtClean="0"/>
-              <a:t>As linked resources</a:t>
-            </a:r>
-            <a:endParaRPr lang="en-US" dirty="0"/>
-          </a:p>
-        </p:txBody>
-      </p:sp>
-      <p:pic>
-        <p:nvPicPr>
-          <p:cNvPr id="4" name="Picture 3"/>
-          <p:cNvPicPr>
-            <a:picLocks noChangeAspect="1"/>
-          </p:cNvPicPr>
-          <p:nvPr/>
-        </p:nvPicPr>
-        <p:blipFill>
-          <a:blip r:embed="rId2">
-            <a:extLst>
-              <a:ext uri="{28A0092B-C50C-407E-A947-70E740481C1C}">
-                <a14:useLocalDpi xmlns:a14="http://schemas.microsoft.com/office/drawing/2010/main" val="0"/>
-              </a:ext>
-            </a:extLst>
-          </a:blip>
-          <a:stretch>
-            <a:fillRect/>
-          </a:stretch>
-        </p:blipFill>
-        <p:spPr>
-          <a:xfrm>
-            <a:off x="838200" y="1600200"/>
-            <a:ext cx="10058400" cy="4876574"/>
-          </a:xfrm>
-          <a:prstGeom prst="rect">
-            <a:avLst/>
-          </a:prstGeom>
-        </p:spPr>
-      </p:pic>
-    </p:spTree>
-    <p:extLst>
-      <p:ext uri="{BB962C8B-B14F-4D97-AF65-F5344CB8AC3E}">
-        <p14:creationId xmlns:p14="http://schemas.microsoft.com/office/powerpoint/2010/main" val="1141663482"/>
-      </p:ext>
-    </p:extLst>
-  </p:cSld>
-  <p:clrMapOvr>
-    <a:masterClrMapping/>
-  </p:clrMapOvr>
-  <mc:AlternateContent xmlns:mc="http://schemas.openxmlformats.org/markup-compatibility/2006">
-    <mc:Choice xmlns:p14="http://schemas.microsoft.com/office/powerpoint/2010/main" Requires="p14">
-      <p:transition spd="slow" p14:dur="2000"/>
-    </mc:Choice>
-    <mc:Fallback>
-      <p:transition spd="slow"/>
-    </mc:Fallback>
-  </mc:AlternateContent>
-  <p:timing>
-    <p:tnLst>
-      <p:par>
-        <p:cTn id="1" dur="indefinite" restart="never" nodeType="tmRoot"/>
-      </p:par>
-    </p:tnLst>
-  </p:timing>
-</p:sld>
-</file>
-
-<file path=ppt/slides/slide24.xml><?xml version="1.0" encoding="utf-8"?>
 <p:sld xmlns:a="http://schemas.openxmlformats.org/drawingml/2006/main" xmlns:r="http://schemas.openxmlformats.org/officeDocument/2006/relationships" xmlns:p="http://schemas.openxmlformats.org/presentationml/2006/main">
   <p:cSld>
     <p:spTree>
@@ -15770,7 +15671,7 @@
 </p:sld>
 </file>
 
-<file path=ppt/slides/slide25.xml><?xml version="1.0" encoding="utf-8"?>
+<file path=ppt/slides/slide24.xml><?xml version="1.0" encoding="utf-8"?>
 <p:sld xmlns:a="http://schemas.openxmlformats.org/drawingml/2006/main" xmlns:r="http://schemas.openxmlformats.org/officeDocument/2006/relationships" xmlns:p="http://schemas.openxmlformats.org/presentationml/2006/main">
   <p:cSld>
     <p:spTree>
@@ -16136,7 +16037,7 @@
 </p:sld>
 </file>
 
-<file path=ppt/slides/slide26.xml><?xml version="1.0" encoding="utf-8"?>
+<file path=ppt/slides/slide25.xml><?xml version="1.0" encoding="utf-8"?>
 <p:sld xmlns:a="http://schemas.openxmlformats.org/drawingml/2006/main" xmlns:r="http://schemas.openxmlformats.org/officeDocument/2006/relationships" xmlns:p="http://schemas.openxmlformats.org/presentationml/2006/main">
   <p:cSld>
     <p:spTree>
@@ -16753,7 +16654,7 @@
 </p:sld>
 </file>
 
-<file path=ppt/slides/slide27.xml><?xml version="1.0" encoding="utf-8"?>
+<file path=ppt/slides/slide26.xml><?xml version="1.0" encoding="utf-8"?>
 <p:sld xmlns:a="http://schemas.openxmlformats.org/drawingml/2006/main" xmlns:r="http://schemas.openxmlformats.org/officeDocument/2006/relationships" xmlns:p="http://schemas.openxmlformats.org/presentationml/2006/main">
   <p:cSld>
     <p:spTree>
@@ -16791,12 +16692,12 @@
           <a:lstStyle/>
           <a:p>
             <a:r>
-              <a:rPr lang="en-US" dirty="0" smtClean="0">
+              <a:rPr lang="en-US" smtClean="0">
                 <a:latin typeface="Arial" charset="0"/>
                 <a:ea typeface="Arial" charset="0"/>
                 <a:cs typeface="Arial" charset="0"/>
               </a:rPr>
-              <a:t>References Graph</a:t>
+              <a:t>Scenario Builder</a:t>
             </a:r>
             <a:endParaRPr lang="en-US" dirty="0">
               <a:solidFill>
@@ -17030,7 +16931,7 @@
 </p:sld>
 </file>
 
-<file path=ppt/slides/slide28.xml><?xml version="1.0" encoding="utf-8"?>
+<file path=ppt/slides/slide27.xml><?xml version="1.0" encoding="utf-8"?>
 <p:sld xmlns:a="http://schemas.openxmlformats.org/drawingml/2006/main" xmlns:r="http://schemas.openxmlformats.org/officeDocument/2006/relationships" xmlns:p="http://schemas.openxmlformats.org/presentationml/2006/main">
   <p:cSld>
     <p:spTree>
@@ -17221,7 +17122,7 @@
 </p:sld>
 </file>
 
-<file path=ppt/slides/slide29.xml><?xml version="1.0" encoding="utf-8"?>
+<file path=ppt/slides/slide28.xml><?xml version="1.0" encoding="utf-8"?>
 <p:sld xmlns:a="http://schemas.openxmlformats.org/drawingml/2006/main" xmlns:r="http://schemas.openxmlformats.org/officeDocument/2006/relationships" xmlns:p="http://schemas.openxmlformats.org/presentationml/2006/main">
   <p:cSld>
     <p:spTree>
@@ -17540,6 +17441,298 @@
 </p:sld>
 </file>
 
+<file path=ppt/slides/slide29.xml><?xml version="1.0" encoding="utf-8"?>
+<p:sld xmlns:a="http://schemas.openxmlformats.org/drawingml/2006/main" xmlns:r="http://schemas.openxmlformats.org/officeDocument/2006/relationships" xmlns:p="http://schemas.openxmlformats.org/presentationml/2006/main">
+  <p:cSld>
+    <p:spTree>
+      <p:nvGrpSpPr>
+        <p:cNvPr id="1" name=""/>
+        <p:cNvGrpSpPr/>
+        <p:nvPr/>
+      </p:nvGrpSpPr>
+      <p:grpSpPr>
+        <a:xfrm>
+          <a:off x="0" y="0"/>
+          <a:ext cx="0" cy="0"/>
+          <a:chOff x="0" y="0"/>
+          <a:chExt cx="0" cy="0"/>
+        </a:xfrm>
+      </p:grpSpPr>
+      <p:sp>
+        <p:nvSpPr>
+          <p:cNvPr id="2" name="Title 1"/>
+          <p:cNvSpPr>
+            <a:spLocks noGrp="1"/>
+          </p:cNvSpPr>
+          <p:nvPr>
+            <p:ph type="title"/>
+          </p:nvPr>
+        </p:nvSpPr>
+        <p:spPr/>
+        <p:txBody>
+          <a:bodyPr/>
+          <a:lstStyle/>
+          <a:p>
+            <a:r>
+              <a:rPr lang="en-US" dirty="0">
+                <a:latin typeface="Arial" charset="0"/>
+                <a:ea typeface="Arial" charset="0"/>
+                <a:cs typeface="Arial" charset="0"/>
+              </a:rPr>
+              <a:t>Why have structured / coded data</a:t>
+            </a:r>
+            <a:endParaRPr lang="en-US" dirty="0">
+              <a:solidFill>
+                <a:schemeClr val="accent2"/>
+              </a:solidFill>
+              <a:latin typeface="Arial" charset="0"/>
+              <a:ea typeface="Arial" charset="0"/>
+              <a:cs typeface="Arial" charset="0"/>
+            </a:endParaRPr>
+          </a:p>
+        </p:txBody>
+      </p:sp>
+      <p:sp>
+        <p:nvSpPr>
+          <p:cNvPr id="6" name="TextBox 5"/>
+          <p:cNvSpPr txBox="1"/>
+          <p:nvPr/>
+        </p:nvSpPr>
+        <p:spPr>
+          <a:xfrm>
+            <a:off x="2048759" y="1828800"/>
+            <a:ext cx="5127896" cy="4247317"/>
+          </a:xfrm>
+          <a:prstGeom prst="rect">
+            <a:avLst/>
+          </a:prstGeom>
+          <a:noFill/>
+        </p:spPr>
+        <p:txBody>
+          <a:bodyPr wrap="square" rtlCol="0">
+            <a:spAutoFit/>
+          </a:bodyPr>
+          <a:lstStyle/>
+          <a:p>
+            <a:pPr marL="285750" indent="-285750">
+              <a:lnSpc>
+                <a:spcPct val="150000"/>
+              </a:lnSpc>
+              <a:buClr>
+                <a:schemeClr val="accent2"/>
+              </a:buClr>
+              <a:buFont typeface="LucidaGrande" charset="0"/>
+              <a:buChar char="▸"/>
+            </a:pPr>
+            <a:r>
+              <a:rPr lang="en-US" sz="2000" dirty="0">
+                <a:solidFill>
+                  <a:schemeClr val="accent4"/>
+                </a:solidFill>
+                <a:ea typeface="Arial" charset="0"/>
+                <a:cs typeface="Arial" charset="0"/>
+              </a:rPr>
+              <a:t>Structured vs Coded</a:t>
+            </a:r>
+          </a:p>
+          <a:p>
+            <a:pPr marL="285750" indent="-285750">
+              <a:lnSpc>
+                <a:spcPct val="150000"/>
+              </a:lnSpc>
+              <a:buClr>
+                <a:schemeClr val="accent2"/>
+              </a:buClr>
+              <a:buFont typeface="LucidaGrande" charset="0"/>
+              <a:buChar char="▸"/>
+            </a:pPr>
+            <a:r>
+              <a:rPr lang="en-US" sz="2000" dirty="0">
+                <a:solidFill>
+                  <a:schemeClr val="accent4"/>
+                </a:solidFill>
+                <a:ea typeface="Arial" charset="0"/>
+                <a:cs typeface="Arial" charset="0"/>
+              </a:rPr>
+              <a:t>Value:</a:t>
+            </a:r>
+          </a:p>
+          <a:p>
+            <a:pPr marL="742906" lvl="1" indent="-285750">
+              <a:lnSpc>
+                <a:spcPct val="150000"/>
+              </a:lnSpc>
+              <a:buClr>
+                <a:schemeClr val="accent2"/>
+              </a:buClr>
+              <a:buFont typeface="LucidaGrande" charset="0"/>
+              <a:buChar char="▸"/>
+            </a:pPr>
+            <a:r>
+              <a:rPr lang="en-US" sz="2000" dirty="0">
+                <a:solidFill>
+                  <a:schemeClr val="accent4"/>
+                </a:solidFill>
+                <a:ea typeface="Arial" charset="0"/>
+                <a:cs typeface="Arial" charset="0"/>
+              </a:rPr>
+              <a:t>Greatly improves quality of exchange</a:t>
+            </a:r>
+          </a:p>
+          <a:p>
+            <a:pPr marL="1200062" lvl="2" indent="-285750">
+              <a:lnSpc>
+                <a:spcPct val="150000"/>
+              </a:lnSpc>
+              <a:buClr>
+                <a:schemeClr val="accent2"/>
+              </a:buClr>
+              <a:buFont typeface="LucidaGrande" charset="0"/>
+              <a:buChar char="▸"/>
+            </a:pPr>
+            <a:r>
+              <a:rPr lang="en-US" sz="2000" dirty="0">
+                <a:solidFill>
+                  <a:schemeClr val="accent4"/>
+                </a:solidFill>
+                <a:ea typeface="Arial" charset="0"/>
+                <a:cs typeface="Arial" charset="0"/>
+              </a:rPr>
+              <a:t>‘semantic’ interoperability</a:t>
+            </a:r>
+          </a:p>
+          <a:p>
+            <a:pPr marL="742906" lvl="1" indent="-285750">
+              <a:lnSpc>
+                <a:spcPct val="150000"/>
+              </a:lnSpc>
+              <a:buClr>
+                <a:schemeClr val="accent2"/>
+              </a:buClr>
+              <a:buFont typeface="LucidaGrande" charset="0"/>
+              <a:buChar char="▸"/>
+            </a:pPr>
+            <a:r>
+              <a:rPr lang="en-US" sz="2000" dirty="0">
+                <a:solidFill>
+                  <a:schemeClr val="accent4"/>
+                </a:solidFill>
+                <a:ea typeface="Arial" charset="0"/>
+                <a:cs typeface="Arial" charset="0"/>
+              </a:rPr>
+              <a:t>Secondary uses</a:t>
+            </a:r>
+          </a:p>
+          <a:p>
+            <a:pPr marL="1200062" lvl="2" indent="-285750">
+              <a:lnSpc>
+                <a:spcPct val="150000"/>
+              </a:lnSpc>
+              <a:buClr>
+                <a:schemeClr val="accent2"/>
+              </a:buClr>
+              <a:buFont typeface="LucidaGrande" charset="0"/>
+              <a:buChar char="▸"/>
+            </a:pPr>
+            <a:r>
+              <a:rPr lang="en-US" sz="2000" dirty="0">
+                <a:solidFill>
+                  <a:schemeClr val="accent4"/>
+                </a:solidFill>
+                <a:ea typeface="Arial" charset="0"/>
+                <a:cs typeface="Arial" charset="0"/>
+              </a:rPr>
+              <a:t>Decision Support</a:t>
+            </a:r>
+          </a:p>
+          <a:p>
+            <a:pPr marL="1200062" lvl="2" indent="-285750">
+              <a:lnSpc>
+                <a:spcPct val="150000"/>
+              </a:lnSpc>
+              <a:buClr>
+                <a:schemeClr val="accent2"/>
+              </a:buClr>
+              <a:buFont typeface="LucidaGrande" charset="0"/>
+              <a:buChar char="▸"/>
+            </a:pPr>
+            <a:r>
+              <a:rPr lang="en-US" sz="2000" dirty="0">
+                <a:solidFill>
+                  <a:schemeClr val="accent4"/>
+                </a:solidFill>
+                <a:ea typeface="Arial" charset="0"/>
+                <a:cs typeface="Arial" charset="0"/>
+              </a:rPr>
+              <a:t>Analytics</a:t>
+            </a:r>
+          </a:p>
+          <a:p>
+            <a:pPr marL="1200062" lvl="2" indent="-285750">
+              <a:lnSpc>
+                <a:spcPct val="150000"/>
+              </a:lnSpc>
+              <a:buClr>
+                <a:schemeClr val="accent2"/>
+              </a:buClr>
+              <a:buFont typeface="LucidaGrande" charset="0"/>
+              <a:buChar char="▸"/>
+            </a:pPr>
+            <a:r>
+              <a:rPr lang="en-US" sz="2000" dirty="0">
+                <a:solidFill>
+                  <a:schemeClr val="accent4"/>
+                </a:solidFill>
+                <a:ea typeface="Arial" charset="0"/>
+                <a:cs typeface="Arial" charset="0"/>
+              </a:rPr>
+              <a:t>Population Health</a:t>
+            </a:r>
+          </a:p>
+          <a:p>
+            <a:pPr marL="1200062" lvl="2" indent="-285750">
+              <a:lnSpc>
+                <a:spcPct val="150000"/>
+              </a:lnSpc>
+              <a:buClr>
+                <a:schemeClr val="accent2"/>
+              </a:buClr>
+              <a:buFont typeface="LucidaGrande" charset="0"/>
+              <a:buChar char="▸"/>
+            </a:pPr>
+            <a:r>
+              <a:rPr lang="en-US" sz="2000" dirty="0">
+                <a:solidFill>
+                  <a:schemeClr val="accent4"/>
+                </a:solidFill>
+                <a:ea typeface="Arial" charset="0"/>
+                <a:cs typeface="Arial" charset="0"/>
+              </a:rPr>
+              <a:t>Reporting</a:t>
+            </a:r>
+          </a:p>
+        </p:txBody>
+      </p:sp>
+    </p:spTree>
+    <p:extLst>
+      <p:ext uri="{BB962C8B-B14F-4D97-AF65-F5344CB8AC3E}">
+        <p14:creationId xmlns:p14="http://schemas.microsoft.com/office/powerpoint/2010/main" val="1123223075"/>
+      </p:ext>
+    </p:extLst>
+  </p:cSld>
+  <p:clrMapOvr>
+    <a:masterClrMapping/>
+  </p:clrMapOvr>
+  <p:timing>
+    <p:tnLst>
+      <p:par>
+        <p:cTn id="1" dur="indefinite" restart="never" nodeType="tmRoot"/>
+      </p:par>
+    </p:tnLst>
+  </p:timing>
+</p:sld>
+</file>
+
 <file path=ppt/slides/slide3.xml><?xml version="1.0" encoding="utf-8"?>
 <p:sld xmlns:a="http://schemas.openxmlformats.org/drawingml/2006/main" xmlns:r="http://schemas.openxmlformats.org/officeDocument/2006/relationships" xmlns:p="http://schemas.openxmlformats.org/presentationml/2006/main">
   <p:cSld>
@@ -17573,16 +17766,16 @@
           <a:lstStyle/>
           <a:p>
             <a:r>
-              <a:rPr lang="en-US" dirty="0" smtClean="0"/>
-              <a:t>I assume that you:</a:t>
-            </a:r>
-            <a:endParaRPr lang="en-US" dirty="0"/>
+              <a:rPr lang="en-US" dirty="0"/>
+              <a:t>This presentation</a:t>
+            </a:r>
+            <a:endParaRPr lang="en-CA" dirty="0"/>
           </a:p>
         </p:txBody>
       </p:sp>
       <p:sp>
         <p:nvSpPr>
-          <p:cNvPr id="3" name="Content Placeholder 2"/>
+          <p:cNvPr id="4" name="Content Placeholder 3"/>
           <p:cNvSpPr>
             <a:spLocks noGrp="1"/>
           </p:cNvSpPr>
@@ -17596,345 +17789,111 @@
           <a:lstStyle/>
           <a:p>
             <a:r>
-              <a:rPr lang="en-US" dirty="0" smtClean="0"/>
-              <a:t>Have a clinical/management background</a:t>
-            </a:r>
-          </a:p>
-          <a:p>
-            <a:r>
-              <a:rPr lang="en-US" dirty="0" smtClean="0"/>
-              <a:t>Want to understand what FHIR is</a:t>
+              <a:rPr lang="en-US" sz="2800" dirty="0"/>
+              <a:t>Can be downloaded here:</a:t>
             </a:r>
           </a:p>
           <a:p>
             <a:pPr lvl="1"/>
             <a:r>
-              <a:rPr lang="en-US" dirty="0" smtClean="0"/>
-              <a:t>And where to use it</a:t>
-            </a:r>
-          </a:p>
-          <a:p>
-            <a:r>
-              <a:rPr lang="en-US" dirty="0" smtClean="0"/>
-              <a:t>Want to speak knowledgeably with Implementers</a:t>
-            </a:r>
-            <a:endParaRPr lang="en-US" dirty="0"/>
+              <a:rPr lang="en-US" sz="2400" dirty="0">
+                <a:hlinkClick r:id="rId2" invalidUrl="https://github.com/FHIR/documents/raw/master/presentations/2018-01 Tutorials/Jan2018_FHIR for Clinicians.pptx"/>
+              </a:rPr>
+              <a:t>https://</a:t>
+            </a:r>
+            <a:r>
+              <a:rPr lang="en-US" sz="2400" dirty="0" smtClean="0">
+                <a:hlinkClick r:id="rId3" invalidUrl="https://github.com/FHIR/documents/raw/master/presentations/2018-01 Tutorials/Jan2018_FHIR for Clinicians.pptx"/>
+              </a:rPr>
+              <a:t>github.com/FHIR/documents/raw/master/presentations/2018-01%20Tutorials/Jan2018_FHIR%20for%20Clinicians.pptx</a:t>
+            </a:r>
+            <a:endParaRPr lang="en-US" sz="2400" dirty="0" smtClean="0"/>
+          </a:p>
+          <a:p>
+            <a:pPr lvl="1"/>
+            <a:r>
+              <a:rPr lang="en-US" sz="2800" dirty="0" smtClean="0"/>
+              <a:t>Is licensed for use under the Creative Commons, specifically:</a:t>
+            </a:r>
+          </a:p>
+          <a:p>
+            <a:pPr lvl="1"/>
+            <a:r>
+              <a:rPr lang="en-CA" sz="2400" u="sng" dirty="0" smtClean="0">
+                <a:hlinkClick r:id="rId4"/>
+              </a:rPr>
+              <a:t>Creative </a:t>
+            </a:r>
+            <a:r>
+              <a:rPr lang="en-CA" sz="2400" u="sng" dirty="0">
+                <a:hlinkClick r:id="rId4"/>
+              </a:rPr>
+              <a:t>Commons Attribution 3.0 Unported License</a:t>
+            </a:r>
+            <a:endParaRPr lang="en-CA" sz="2400" u="sng" dirty="0"/>
+          </a:p>
+          <a:p>
+            <a:pPr lvl="1"/>
+            <a:r>
+              <a:rPr lang="en-US" sz="2400" dirty="0"/>
+              <a:t>(Do with it as you wish, so long as you give</a:t>
+            </a:r>
+            <a:br>
+              <a:rPr lang="en-US" sz="2400" dirty="0"/>
+            </a:br>
+            <a:r>
+              <a:rPr lang="en-US" sz="2400" dirty="0"/>
+              <a:t> credit)</a:t>
+            </a:r>
+            <a:endParaRPr lang="en-CA" sz="2400" dirty="0"/>
           </a:p>
         </p:txBody>
       </p:sp>
-      <p:sp>
-        <p:nvSpPr>
-          <p:cNvPr id="4" name="Slide Number Placeholder 3"/>
-          <p:cNvSpPr>
-            <a:spLocks noGrp="1"/>
-          </p:cNvSpPr>
-          <p:nvPr>
-            <p:ph type="sldNum" sz="quarter" idx="11"/>
-          </p:nvPr>
-        </p:nvSpPr>
-        <p:spPr/>
-        <p:txBody>
-          <a:bodyPr/>
-          <a:lstStyle/>
-          <a:p>
-            <a:fld id="{2CD36790-EF9F-4521-A783-189BE19EEE4B}" type="slidenum">
-              <a:rPr lang="en-US" smtClean="0"/>
-              <a:pPr/>
-              <a:t>3</a:t>
-            </a:fld>
-            <a:endParaRPr lang="en-US"/>
-          </a:p>
-        </p:txBody>
-      </p:sp>
-    </p:spTree>
-    <p:extLst>
-      <p:ext uri="{BB962C8B-B14F-4D97-AF65-F5344CB8AC3E}">
-        <p14:creationId xmlns:p14="http://schemas.microsoft.com/office/powerpoint/2010/main" val="1627381561"/>
-      </p:ext>
-    </p:extLst>
-  </p:cSld>
-  <p:clrMapOvr>
-    <a:masterClrMapping/>
-  </p:clrMapOvr>
-</p:sld>
-</file>
-
-<file path=ppt/slides/slide30.xml><?xml version="1.0" encoding="utf-8"?>
-<p:sld xmlns:a="http://schemas.openxmlformats.org/drawingml/2006/main" xmlns:r="http://schemas.openxmlformats.org/officeDocument/2006/relationships" xmlns:p="http://schemas.openxmlformats.org/presentationml/2006/main">
-  <p:cSld>
-    <p:spTree>
-      <p:nvGrpSpPr>
-        <p:cNvPr id="1" name=""/>
-        <p:cNvGrpSpPr/>
-        <p:nvPr/>
-      </p:nvGrpSpPr>
-      <p:grpSpPr>
-        <a:xfrm>
-          <a:off x="0" y="0"/>
-          <a:ext cx="0" cy="0"/>
-          <a:chOff x="0" y="0"/>
-          <a:chExt cx="0" cy="0"/>
-        </a:xfrm>
-      </p:grpSpPr>
-      <p:sp>
-        <p:nvSpPr>
-          <p:cNvPr id="2" name="Title 1"/>
-          <p:cNvSpPr>
-            <a:spLocks noGrp="1"/>
-          </p:cNvSpPr>
-          <p:nvPr>
-            <p:ph type="title"/>
-          </p:nvPr>
-        </p:nvSpPr>
-        <p:spPr/>
-        <p:txBody>
-          <a:bodyPr/>
-          <a:lstStyle/>
-          <a:p>
-            <a:r>
-              <a:rPr lang="en-US" dirty="0">
-                <a:latin typeface="Arial" charset="0"/>
-                <a:ea typeface="Arial" charset="0"/>
-                <a:cs typeface="Arial" charset="0"/>
-              </a:rPr>
-              <a:t>Why have structured / coded data</a:t>
-            </a:r>
-            <a:endParaRPr lang="en-US" dirty="0">
-              <a:solidFill>
-                <a:schemeClr val="accent2"/>
-              </a:solidFill>
-              <a:latin typeface="Arial" charset="0"/>
-              <a:ea typeface="Arial" charset="0"/>
-              <a:cs typeface="Arial" charset="0"/>
-            </a:endParaRPr>
-          </a:p>
-        </p:txBody>
-      </p:sp>
-      <p:sp>
-        <p:nvSpPr>
-          <p:cNvPr id="6" name="TextBox 5"/>
-          <p:cNvSpPr txBox="1"/>
+      <p:pic>
+        <p:nvPicPr>
+          <p:cNvPr id="5" name="Picture 4" descr="Creative Commons Licence"/>
+          <p:cNvPicPr>
+            <a:picLocks noChangeAspect="1" noChangeArrowheads="1"/>
+          </p:cNvPicPr>
           <p:nvPr/>
-        </p:nvSpPr>
-        <p:spPr>
+        </p:nvPicPr>
+        <p:blipFill>
+          <a:blip r:embed="rId5" cstate="print">
+            <a:extLst>
+              <a:ext uri="{28A0092B-C50C-407E-A947-70E740481C1C}">
+                <a14:useLocalDpi xmlns:a14="http://schemas.microsoft.com/office/drawing/2010/main" val="0"/>
+              </a:ext>
+            </a:extLst>
+          </a:blip>
+          <a:srcRect/>
+          <a:stretch>
+            <a:fillRect/>
+          </a:stretch>
+        </p:blipFill>
+        <p:spPr bwMode="auto">
           <a:xfrm>
-            <a:off x="2048759" y="2252649"/>
-            <a:ext cx="5127896" cy="3000821"/>
+            <a:off x="10439400" y="5953125"/>
+            <a:ext cx="838200" cy="295275"/>
           </a:xfrm>
           <a:prstGeom prst="rect">
             <a:avLst/>
           </a:prstGeom>
           <a:noFill/>
+          <a:extLst>
+            <a:ext uri="{909E8E84-426E-40DD-AFC4-6F175D3DCCD1}">
+              <a14:hiddenFill xmlns:a14="http://schemas.microsoft.com/office/drawing/2010/main">
+                <a:solidFill>
+                  <a:srgbClr val="FFFFFF"/>
+                </a:solidFill>
+              </a14:hiddenFill>
+            </a:ext>
+          </a:extLst>
         </p:spPr>
-        <p:txBody>
-          <a:bodyPr wrap="square" rtlCol="0">
-            <a:spAutoFit/>
-          </a:bodyPr>
-          <a:lstStyle/>
-          <a:p>
-            <a:pPr marL="285750" indent="-285750">
-              <a:lnSpc>
-                <a:spcPct val="150000"/>
-              </a:lnSpc>
-              <a:buClr>
-                <a:schemeClr val="accent2"/>
-              </a:buClr>
-              <a:buFont typeface="LucidaGrande" charset="0"/>
-              <a:buChar char="▸"/>
-            </a:pPr>
-            <a:r>
-              <a:rPr lang="en-US" sz="1400" dirty="0">
-                <a:solidFill>
-                  <a:schemeClr val="accent4"/>
-                </a:solidFill>
-                <a:ea typeface="Arial" charset="0"/>
-                <a:cs typeface="Arial" charset="0"/>
-              </a:rPr>
-              <a:t>Structured vs Coded</a:t>
-            </a:r>
-          </a:p>
-          <a:p>
-            <a:pPr marL="285750" indent="-285750">
-              <a:lnSpc>
-                <a:spcPct val="150000"/>
-              </a:lnSpc>
-              <a:buClr>
-                <a:schemeClr val="accent2"/>
-              </a:buClr>
-              <a:buFont typeface="LucidaGrande" charset="0"/>
-              <a:buChar char="▸"/>
-            </a:pPr>
-            <a:r>
-              <a:rPr lang="en-US" sz="1400" dirty="0">
-                <a:solidFill>
-                  <a:schemeClr val="accent4"/>
-                </a:solidFill>
-                <a:ea typeface="Arial" charset="0"/>
-                <a:cs typeface="Arial" charset="0"/>
-              </a:rPr>
-              <a:t>Value:</a:t>
-            </a:r>
-          </a:p>
-          <a:p>
-            <a:pPr marL="742906" lvl="1" indent="-285750">
-              <a:lnSpc>
-                <a:spcPct val="150000"/>
-              </a:lnSpc>
-              <a:buClr>
-                <a:schemeClr val="accent2"/>
-              </a:buClr>
-              <a:buFont typeface="LucidaGrande" charset="0"/>
-              <a:buChar char="▸"/>
-            </a:pPr>
-            <a:r>
-              <a:rPr lang="en-US" sz="1400" dirty="0">
-                <a:solidFill>
-                  <a:schemeClr val="accent4"/>
-                </a:solidFill>
-                <a:ea typeface="Arial" charset="0"/>
-                <a:cs typeface="Arial" charset="0"/>
-              </a:rPr>
-              <a:t>Greatly improves quality of exchange</a:t>
-            </a:r>
-          </a:p>
-          <a:p>
-            <a:pPr marL="1200062" lvl="2" indent="-285750">
-              <a:lnSpc>
-                <a:spcPct val="150000"/>
-              </a:lnSpc>
-              <a:buClr>
-                <a:schemeClr val="accent2"/>
-              </a:buClr>
-              <a:buFont typeface="LucidaGrande" charset="0"/>
-              <a:buChar char="▸"/>
-            </a:pPr>
-            <a:r>
-              <a:rPr lang="en-US" sz="1400" dirty="0">
-                <a:solidFill>
-                  <a:schemeClr val="accent4"/>
-                </a:solidFill>
-                <a:ea typeface="Arial" charset="0"/>
-                <a:cs typeface="Arial" charset="0"/>
-              </a:rPr>
-              <a:t>‘semantic’ interoperability</a:t>
-            </a:r>
-          </a:p>
-          <a:p>
-            <a:pPr marL="742906" lvl="1" indent="-285750">
-              <a:lnSpc>
-                <a:spcPct val="150000"/>
-              </a:lnSpc>
-              <a:buClr>
-                <a:schemeClr val="accent2"/>
-              </a:buClr>
-              <a:buFont typeface="LucidaGrande" charset="0"/>
-              <a:buChar char="▸"/>
-            </a:pPr>
-            <a:r>
-              <a:rPr lang="en-US" sz="1400" dirty="0">
-                <a:solidFill>
-                  <a:schemeClr val="accent4"/>
-                </a:solidFill>
-                <a:ea typeface="Arial" charset="0"/>
-                <a:cs typeface="Arial" charset="0"/>
-              </a:rPr>
-              <a:t>Secondary uses</a:t>
-            </a:r>
-          </a:p>
-          <a:p>
-            <a:pPr marL="1200062" lvl="2" indent="-285750">
-              <a:lnSpc>
-                <a:spcPct val="150000"/>
-              </a:lnSpc>
-              <a:buClr>
-                <a:schemeClr val="accent2"/>
-              </a:buClr>
-              <a:buFont typeface="LucidaGrande" charset="0"/>
-              <a:buChar char="▸"/>
-            </a:pPr>
-            <a:r>
-              <a:rPr lang="en-US" sz="1400" dirty="0">
-                <a:solidFill>
-                  <a:schemeClr val="accent4"/>
-                </a:solidFill>
-                <a:ea typeface="Arial" charset="0"/>
-                <a:cs typeface="Arial" charset="0"/>
-              </a:rPr>
-              <a:t>Decision Support</a:t>
-            </a:r>
-          </a:p>
-          <a:p>
-            <a:pPr marL="1200062" lvl="2" indent="-285750">
-              <a:lnSpc>
-                <a:spcPct val="150000"/>
-              </a:lnSpc>
-              <a:buClr>
-                <a:schemeClr val="accent2"/>
-              </a:buClr>
-              <a:buFont typeface="LucidaGrande" charset="0"/>
-              <a:buChar char="▸"/>
-            </a:pPr>
-            <a:r>
-              <a:rPr lang="en-US" sz="1400" dirty="0">
-                <a:solidFill>
-                  <a:schemeClr val="accent4"/>
-                </a:solidFill>
-                <a:ea typeface="Arial" charset="0"/>
-                <a:cs typeface="Arial" charset="0"/>
-              </a:rPr>
-              <a:t>Analytics</a:t>
-            </a:r>
-          </a:p>
-          <a:p>
-            <a:pPr marL="1200062" lvl="2" indent="-285750">
-              <a:lnSpc>
-                <a:spcPct val="150000"/>
-              </a:lnSpc>
-              <a:buClr>
-                <a:schemeClr val="accent2"/>
-              </a:buClr>
-              <a:buFont typeface="LucidaGrande" charset="0"/>
-              <a:buChar char="▸"/>
-            </a:pPr>
-            <a:r>
-              <a:rPr lang="en-US" sz="1400" dirty="0">
-                <a:solidFill>
-                  <a:schemeClr val="accent4"/>
-                </a:solidFill>
-                <a:ea typeface="Arial" charset="0"/>
-                <a:cs typeface="Arial" charset="0"/>
-              </a:rPr>
-              <a:t>Population Health</a:t>
-            </a:r>
-          </a:p>
-          <a:p>
-            <a:pPr marL="1200062" lvl="2" indent="-285750">
-              <a:lnSpc>
-                <a:spcPct val="150000"/>
-              </a:lnSpc>
-              <a:buClr>
-                <a:schemeClr val="accent2"/>
-              </a:buClr>
-              <a:buFont typeface="LucidaGrande" charset="0"/>
-              <a:buChar char="▸"/>
-            </a:pPr>
-            <a:r>
-              <a:rPr lang="en-US" sz="1400" dirty="0">
-                <a:solidFill>
-                  <a:schemeClr val="accent4"/>
-                </a:solidFill>
-                <a:ea typeface="Arial" charset="0"/>
-                <a:cs typeface="Arial" charset="0"/>
-              </a:rPr>
-              <a:t>Reporting</a:t>
-            </a:r>
-          </a:p>
-        </p:txBody>
-      </p:sp>
+      </p:pic>
     </p:spTree>
     <p:extLst>
       <p:ext uri="{BB962C8B-B14F-4D97-AF65-F5344CB8AC3E}">
-        <p14:creationId xmlns:p14="http://schemas.microsoft.com/office/powerpoint/2010/main" val="1123223075"/>
+        <p14:creationId xmlns:p14="http://schemas.microsoft.com/office/powerpoint/2010/main" val="950483819"/>
       </p:ext>
     </p:extLst>
   </p:cSld>
@@ -17951,7 +17910,7 @@
 </p:sld>
 </file>
 
-<file path=ppt/slides/slide31.xml><?xml version="1.0" encoding="utf-8"?>
+<file path=ppt/slides/slide30.xml><?xml version="1.0" encoding="utf-8"?>
 <p:sld xmlns:a="http://schemas.openxmlformats.org/drawingml/2006/main" xmlns:r="http://schemas.openxmlformats.org/officeDocument/2006/relationships" xmlns:p="http://schemas.openxmlformats.org/presentationml/2006/main">
   <p:cSld>
     <p:spTree>
@@ -18060,7 +18019,7 @@
 </p:sld>
 </file>
 
-<file path=ppt/slides/slide32.xml><?xml version="1.0" encoding="utf-8"?>
+<file path=ppt/slides/slide31.xml><?xml version="1.0" encoding="utf-8"?>
 <p:sld xmlns:a="http://schemas.openxmlformats.org/drawingml/2006/main" xmlns:r="http://schemas.openxmlformats.org/officeDocument/2006/relationships" xmlns:p="http://schemas.openxmlformats.org/presentationml/2006/main">
   <p:cSld>
     <p:spTree>
@@ -18119,8 +18078,8 @@
         </p:nvSpPr>
         <p:spPr>
           <a:xfrm>
-            <a:off x="4053765" y="2065768"/>
-            <a:ext cx="4537528" cy="1985159"/>
+            <a:off x="3048000" y="2057400"/>
+            <a:ext cx="4537528" cy="2862322"/>
           </a:xfrm>
           <a:prstGeom prst="rect">
             <a:avLst/>
@@ -18144,14 +18103,46 @@
               <a:buChar char="‣"/>
             </a:pPr>
             <a:r>
-              <a:rPr lang="en-US" sz="1400" dirty="0">
+              <a:rPr lang="en-US" sz="2000" dirty="0" smtClean="0">
                 <a:solidFill>
                   <a:schemeClr val="accent4"/>
                 </a:solidFill>
                 <a:ea typeface="Arial" charset="0"/>
                 <a:cs typeface="Arial" charset="0"/>
               </a:rPr>
-              <a:t>Datatypes in resource type definition</a:t>
+              <a:t>What are datatypes</a:t>
+            </a:r>
+          </a:p>
+          <a:p>
+            <a:pPr marL="285750" indent="-285750">
+              <a:lnSpc>
+                <a:spcPct val="150000"/>
+              </a:lnSpc>
+              <a:buClr>
+                <a:schemeClr val="accent2"/>
+              </a:buClr>
+              <a:buFont typeface="LucidaGrande" charset="0"/>
+              <a:buChar char="‣"/>
+            </a:pPr>
+            <a:r>
+              <a:rPr lang="en-US" sz="2000" dirty="0" smtClean="0">
+                <a:solidFill>
+                  <a:schemeClr val="accent4"/>
+                </a:solidFill>
+                <a:ea typeface="Arial" charset="0"/>
+                <a:cs typeface="Arial" charset="0"/>
+              </a:rPr>
+              <a:t>Datatypes </a:t>
+            </a:r>
+            <a:r>
+              <a:rPr lang="en-US" sz="2000" dirty="0">
+                <a:solidFill>
+                  <a:schemeClr val="accent4"/>
+                </a:solidFill>
+                <a:ea typeface="Arial" charset="0"/>
+                <a:cs typeface="Arial" charset="0"/>
+              </a:rPr>
+              <a:t>in resource type definition</a:t>
             </a:r>
           </a:p>
           <a:p>
@@ -18166,7 +18157,7 @@
               <a:buChar char="-"/>
             </a:pPr>
             <a:r>
-              <a:rPr lang="en-US" sz="1400" dirty="0">
+              <a:rPr lang="en-US" sz="2000" dirty="0">
                 <a:solidFill>
                   <a:schemeClr val="accent4"/>
                 </a:solidFill>
@@ -18188,7 +18179,7 @@
               <a:buChar char="-"/>
             </a:pPr>
             <a:r>
-              <a:rPr lang="en-US" sz="1400" dirty="0">
+              <a:rPr lang="en-US" sz="2000" dirty="0">
                 <a:solidFill>
                   <a:schemeClr val="accent4"/>
                 </a:solidFill>
@@ -18210,69 +18201,22 @@
               <a:buChar char="‣"/>
             </a:pPr>
             <a:r>
-              <a:rPr lang="en-US" sz="1400" dirty="0">
+              <a:rPr lang="en-US" sz="2000" dirty="0" smtClean="0">
                 <a:solidFill>
                   <a:schemeClr val="accent4"/>
                 </a:solidFill>
                 <a:ea typeface="Arial" charset="0"/>
                 <a:cs typeface="Arial" charset="0"/>
               </a:rPr>
-              <a:t>Identifiers</a:t>
-            </a:r>
-          </a:p>
-          <a:p>
-            <a:pPr marL="285750" indent="-285750">
-              <a:lnSpc>
-                <a:spcPct val="150000"/>
-              </a:lnSpc>
-              <a:buClr>
-                <a:schemeClr val="accent2"/>
-              </a:buClr>
-              <a:buFont typeface="LucidaGrande" charset="0"/>
-              <a:buChar char="‣"/>
-            </a:pPr>
-            <a:r>
-              <a:rPr lang="en-US" sz="1400" dirty="0">
-                <a:solidFill>
-                  <a:schemeClr val="accent4"/>
-                </a:solidFill>
-                <a:ea typeface="Arial" charset="0"/>
-                <a:cs typeface="Arial" charset="0"/>
-              </a:rPr>
-              <a:t>Review coded data</a:t>
-            </a:r>
-          </a:p>
-          <a:p>
-            <a:pPr marL="449263" indent="-182563">
-              <a:lnSpc>
-                <a:spcPct val="150000"/>
-              </a:lnSpc>
-              <a:buClr>
+              <a:t>Coded elements</a:t>
+            </a:r>
+            <a:endParaRPr lang="en-US" dirty="0">
+              <a:solidFill>
                 <a:schemeClr val="accent4"/>
-              </a:buClr>
-              <a:buFont typeface="LucidaGrande" charset="0"/>
-              <a:buChar char="-"/>
-            </a:pPr>
-            <a:r>
-              <a:rPr lang="en-US" sz="1200" dirty="0" err="1">
-                <a:solidFill>
-                  <a:schemeClr val="accent4"/>
-                </a:solidFill>
-                <a:ea typeface="Arial" charset="0"/>
-                <a:cs typeface="Arial" charset="0"/>
-              </a:rPr>
-              <a:t>ValueSet</a:t>
-            </a:r>
-            <a:r>
-              <a:rPr lang="en-US" sz="1200" dirty="0">
-                <a:solidFill>
-                  <a:schemeClr val="accent4"/>
-                </a:solidFill>
-                <a:ea typeface="Arial" charset="0"/>
-                <a:cs typeface="Arial" charset="0"/>
-              </a:rPr>
-              <a:t> binding</a:t>
-            </a:r>
+              </a:solidFill>
+              <a:ea typeface="Arial" charset="0"/>
+              <a:cs typeface="Arial" charset="0"/>
+            </a:endParaRPr>
           </a:p>
         </p:txBody>
       </p:sp>
@@ -18298,7 +18242,7 @@
         </p:blipFill>
         <p:spPr>
           <a:xfrm>
-            <a:off x="2019020" y="1981091"/>
+            <a:off x="762000" y="1828800"/>
             <a:ext cx="1465587" cy="1202148"/>
           </a:xfrm>
           <a:prstGeom prst="rect">
@@ -18326,7 +18270,7 @@
 </p:sld>
 </file>
 
-<file path=ppt/slides/slide33.xml><?xml version="1.0" encoding="utf-8"?>
+<file path=ppt/slides/slide32.xml><?xml version="1.0" encoding="utf-8"?>
 <p:sld xmlns:a="http://schemas.openxmlformats.org/drawingml/2006/main" xmlns:r="http://schemas.openxmlformats.org/officeDocument/2006/relationships" xmlns:p="http://schemas.openxmlformats.org/presentationml/2006/main">
   <p:cSld>
     <p:spTree>
@@ -21388,7 +21332,7 @@
 </p:sld>
 </file>
 
-<file path=ppt/slides/slide34.xml><?xml version="1.0" encoding="utf-8"?>
+<file path=ppt/slides/slide33.xml><?xml version="1.0" encoding="utf-8"?>
 <p:sld xmlns:a="http://schemas.openxmlformats.org/drawingml/2006/main" xmlns:r="http://schemas.openxmlformats.org/officeDocument/2006/relationships" xmlns:p="http://schemas.openxmlformats.org/presentationml/2006/main">
   <p:cSld>
     <p:spTree>
@@ -25329,311 +25273,7 @@
 </p:sld>
 </file>
 
-<file path=ppt/slides/slide35.xml><?xml version="1.0" encoding="utf-8"?>
-<p:sld xmlns:a="http://schemas.openxmlformats.org/drawingml/2006/main" xmlns:r="http://schemas.openxmlformats.org/officeDocument/2006/relationships" xmlns:p="http://schemas.openxmlformats.org/presentationml/2006/main" show="0">
-  <p:cSld>
-    <p:spTree>
-      <p:nvGrpSpPr>
-        <p:cNvPr id="1" name=""/>
-        <p:cNvGrpSpPr/>
-        <p:nvPr/>
-      </p:nvGrpSpPr>
-      <p:grpSpPr>
-        <a:xfrm>
-          <a:off x="0" y="0"/>
-          <a:ext cx="0" cy="0"/>
-          <a:chOff x="0" y="0"/>
-          <a:chExt cx="0" cy="0"/>
-        </a:xfrm>
-      </p:grpSpPr>
-      <p:sp>
-        <p:nvSpPr>
-          <p:cNvPr id="2" name="Title 1"/>
-          <p:cNvSpPr>
-            <a:spLocks noGrp="1"/>
-          </p:cNvSpPr>
-          <p:nvPr>
-            <p:ph type="title"/>
-          </p:nvPr>
-        </p:nvSpPr>
-        <p:spPr/>
-        <p:txBody>
-          <a:bodyPr/>
-          <a:lstStyle/>
-          <a:p>
-            <a:r>
-              <a:rPr lang="en-US" dirty="0" smtClean="0">
-                <a:latin typeface="Arial" charset="0"/>
-                <a:ea typeface="Arial" charset="0"/>
-                <a:cs typeface="Arial" charset="0"/>
-              </a:rPr>
-              <a:t>Identifiers</a:t>
-            </a:r>
-            <a:endParaRPr lang="en-US" dirty="0">
-              <a:solidFill>
-                <a:schemeClr val="accent2"/>
-              </a:solidFill>
-              <a:latin typeface="Arial" charset="0"/>
-              <a:ea typeface="Arial" charset="0"/>
-              <a:cs typeface="Arial" charset="0"/>
-            </a:endParaRPr>
-          </a:p>
-        </p:txBody>
-      </p:sp>
-      <p:sp>
-        <p:nvSpPr>
-          <p:cNvPr id="9" name="TextBox 8"/>
-          <p:cNvSpPr txBox="1"/>
-          <p:nvPr/>
-        </p:nvSpPr>
-        <p:spPr>
-          <a:xfrm>
-            <a:off x="1941602" y="1883260"/>
-            <a:ext cx="6417129" cy="2031325"/>
-          </a:xfrm>
-          <a:prstGeom prst="rect">
-            <a:avLst/>
-          </a:prstGeom>
-          <a:noFill/>
-        </p:spPr>
-        <p:txBody>
-          <a:bodyPr wrap="square" rtlCol="0">
-            <a:spAutoFit/>
-          </a:bodyPr>
-          <a:lstStyle/>
-          <a:p>
-            <a:pPr marL="285750" indent="-285750">
-              <a:lnSpc>
-                <a:spcPct val="150000"/>
-              </a:lnSpc>
-              <a:buClr>
-                <a:schemeClr val="accent2"/>
-              </a:buClr>
-              <a:buFont typeface="LucidaGrande" charset="0"/>
-              <a:buChar char="‣"/>
-            </a:pPr>
-            <a:r>
-              <a:rPr lang="en-US" sz="1400" dirty="0">
-                <a:solidFill>
-                  <a:schemeClr val="accent4"/>
-                </a:solidFill>
-                <a:ea typeface="Arial" charset="0"/>
-                <a:cs typeface="Arial" charset="0"/>
-              </a:rPr>
-              <a:t>Identifies an object (Person) within a given system</a:t>
-            </a:r>
-          </a:p>
-          <a:p>
-            <a:pPr marL="742906" lvl="1" indent="-285750">
-              <a:lnSpc>
-                <a:spcPct val="150000"/>
-              </a:lnSpc>
-              <a:buClr>
-                <a:schemeClr val="accent2"/>
-              </a:buClr>
-              <a:buFont typeface="LucidaGrande" charset="0"/>
-              <a:buChar char="‣"/>
-            </a:pPr>
-            <a:r>
-              <a:rPr lang="en-US" sz="1400" dirty="0" err="1">
-                <a:solidFill>
-                  <a:schemeClr val="accent4"/>
-                </a:solidFill>
-                <a:ea typeface="Arial" charset="0"/>
-                <a:cs typeface="Arial" charset="0"/>
-              </a:rPr>
-              <a:t>Eg</a:t>
-            </a:r>
-            <a:r>
-              <a:rPr lang="en-US" sz="1400" dirty="0">
-                <a:solidFill>
-                  <a:schemeClr val="accent4"/>
-                </a:solidFill>
-                <a:ea typeface="Arial" charset="0"/>
-                <a:cs typeface="Arial" charset="0"/>
-              </a:rPr>
-              <a:t> National Identifier (NHI), Drivers License, HPI</a:t>
-            </a:r>
-          </a:p>
-          <a:p>
-            <a:pPr marL="285750" indent="-285750">
-              <a:lnSpc>
-                <a:spcPct val="150000"/>
-              </a:lnSpc>
-              <a:buClr>
-                <a:schemeClr val="accent2"/>
-              </a:buClr>
-              <a:buFont typeface="LucidaGrande" charset="0"/>
-              <a:buChar char="‣"/>
-            </a:pPr>
-            <a:r>
-              <a:rPr lang="en-US" sz="1400" dirty="0">
-                <a:solidFill>
-                  <a:schemeClr val="accent4"/>
-                </a:solidFill>
-                <a:ea typeface="Arial" charset="0"/>
-                <a:cs typeface="Arial" charset="0"/>
-              </a:rPr>
-              <a:t>Main sub components:</a:t>
-            </a:r>
-          </a:p>
-          <a:p>
-            <a:pPr marL="742906" lvl="1" indent="-285750">
-              <a:lnSpc>
-                <a:spcPct val="150000"/>
-              </a:lnSpc>
-              <a:buClr>
-                <a:schemeClr val="accent2"/>
-              </a:buClr>
-              <a:buFont typeface="LucidaGrande" charset="0"/>
-              <a:buChar char="‣"/>
-            </a:pPr>
-            <a:r>
-              <a:rPr lang="en-US" sz="1400" dirty="0">
-                <a:solidFill>
-                  <a:schemeClr val="accent4"/>
-                </a:solidFill>
-                <a:ea typeface="Arial" charset="0"/>
-                <a:cs typeface="Arial" charset="0"/>
-              </a:rPr>
-              <a:t>System </a:t>
-            </a:r>
-            <a:r>
-              <a:rPr lang="mr-IN" sz="1400" dirty="0">
-                <a:solidFill>
-                  <a:schemeClr val="accent4"/>
-                </a:solidFill>
-                <a:ea typeface="Arial" charset="0"/>
-                <a:cs typeface="Arial" charset="0"/>
-              </a:rPr>
-              <a:t>–</a:t>
-            </a:r>
-            <a:r>
-              <a:rPr lang="en-US" sz="1400" dirty="0">
-                <a:solidFill>
-                  <a:schemeClr val="accent4"/>
-                </a:solidFill>
-                <a:ea typeface="Arial" charset="0"/>
-                <a:cs typeface="Arial" charset="0"/>
-              </a:rPr>
-              <a:t> what ‘sort’ of identifier</a:t>
-            </a:r>
-          </a:p>
-          <a:p>
-            <a:pPr marL="742906" lvl="1" indent="-285750">
-              <a:lnSpc>
-                <a:spcPct val="150000"/>
-              </a:lnSpc>
-              <a:buClr>
-                <a:schemeClr val="accent2"/>
-              </a:buClr>
-              <a:buFont typeface="LucidaGrande" charset="0"/>
-              <a:buChar char="‣"/>
-            </a:pPr>
-            <a:r>
-              <a:rPr lang="en-US" sz="1400" dirty="0">
-                <a:solidFill>
-                  <a:schemeClr val="accent4"/>
-                </a:solidFill>
-                <a:ea typeface="Arial" charset="0"/>
-                <a:cs typeface="Arial" charset="0"/>
-              </a:rPr>
-              <a:t>Value </a:t>
-            </a:r>
-            <a:r>
-              <a:rPr lang="mr-IN" sz="1400" dirty="0">
-                <a:solidFill>
-                  <a:schemeClr val="accent4"/>
-                </a:solidFill>
-                <a:ea typeface="Arial" charset="0"/>
-                <a:cs typeface="Arial" charset="0"/>
-              </a:rPr>
-              <a:t>–</a:t>
-            </a:r>
-            <a:r>
-              <a:rPr lang="en-US" sz="1400" dirty="0">
-                <a:solidFill>
-                  <a:schemeClr val="accent4"/>
-                </a:solidFill>
-                <a:ea typeface="Arial" charset="0"/>
-                <a:cs typeface="Arial" charset="0"/>
-              </a:rPr>
-              <a:t> unique within the system</a:t>
-            </a:r>
-          </a:p>
-          <a:p>
-            <a:pPr marL="285750" indent="-285750">
-              <a:lnSpc>
-                <a:spcPct val="150000"/>
-              </a:lnSpc>
-              <a:buClr>
-                <a:schemeClr val="accent2"/>
-              </a:buClr>
-              <a:buFont typeface="LucidaGrande" charset="0"/>
-              <a:buChar char="‣"/>
-            </a:pPr>
-            <a:r>
-              <a:rPr lang="en-US" sz="1400" dirty="0">
-                <a:solidFill>
-                  <a:schemeClr val="accent4"/>
-                </a:solidFill>
-                <a:ea typeface="Arial" charset="0"/>
-                <a:cs typeface="Arial" charset="0"/>
-              </a:rPr>
-              <a:t>Defined by </a:t>
-            </a:r>
-            <a:r>
-              <a:rPr lang="en-US" sz="1400" dirty="0" err="1">
-                <a:solidFill>
-                  <a:schemeClr val="accent4"/>
-                </a:solidFill>
-                <a:ea typeface="Arial" charset="0"/>
-                <a:cs typeface="Arial" charset="0"/>
-              </a:rPr>
-              <a:t>NamingSystem</a:t>
-            </a:r>
-            <a:r>
-              <a:rPr lang="en-US" sz="1400" dirty="0">
-                <a:solidFill>
-                  <a:schemeClr val="accent4"/>
-                </a:solidFill>
-                <a:ea typeface="Arial" charset="0"/>
-                <a:cs typeface="Arial" charset="0"/>
-              </a:rPr>
-              <a:t> resource</a:t>
-            </a:r>
-          </a:p>
-        </p:txBody>
-      </p:sp>
-    </p:spTree>
-    <p:extLst>
-      <p:ext uri="{BB962C8B-B14F-4D97-AF65-F5344CB8AC3E}">
-        <p14:creationId xmlns:p14="http://schemas.microsoft.com/office/powerpoint/2010/main" val="1373341637"/>
-      </p:ext>
-    </p:extLst>
-  </p:cSld>
-  <p:clrMapOvr>
-    <a:masterClrMapping/>
-  </p:clrMapOvr>
-  <mc:AlternateContent xmlns:mc="http://schemas.openxmlformats.org/markup-compatibility/2006">
-    <mc:Choice xmlns:p14="http://schemas.microsoft.com/office/powerpoint/2010/main" Requires="p14">
-      <p:transition spd="slow" p14:dur="2000"/>
-    </mc:Choice>
-    <mc:Fallback>
-      <p:transition spd="slow"/>
-    </mc:Fallback>
-  </mc:AlternateContent>
-  <p:timing>
-    <p:tnLst>
-      <p:par>
-        <p:cTn id="1" dur="indefinite" restart="never" nodeType="tmRoot"/>
-      </p:par>
-    </p:tnLst>
-  </p:timing>
-</p:sld>
-</file>
-
-<file path=ppt/slides/slide36.xml><?xml version="1.0" encoding="utf-8"?>
+<file path=ppt/slides/slide34.xml><?xml version="1.0" encoding="utf-8"?>
 <p:sld xmlns:a="http://schemas.openxmlformats.org/drawingml/2006/main" xmlns:r="http://schemas.openxmlformats.org/officeDocument/2006/relationships" xmlns:p="http://schemas.openxmlformats.org/presentationml/2006/main">
   <p:cSld>
     <p:spTree>
@@ -26159,7 +25799,7 @@
 </p:sld>
 </file>
 
-<file path=ppt/slides/slide37.xml><?xml version="1.0" encoding="utf-8"?>
+<file path=ppt/slides/slide35.xml><?xml version="1.0" encoding="utf-8"?>
 <p:sld xmlns:a="http://schemas.openxmlformats.org/drawingml/2006/main" xmlns:r="http://schemas.openxmlformats.org/officeDocument/2006/relationships" xmlns:p="http://schemas.openxmlformats.org/presentationml/2006/main">
   <p:cSld>
     <p:spTree>
@@ -26771,7 +26411,7 @@
 </p:sld>
 </file>
 
-<file path=ppt/slides/slide38.xml><?xml version="1.0" encoding="utf-8"?>
+<file path=ppt/slides/slide36.xml><?xml version="1.0" encoding="utf-8"?>
 <p:sld xmlns:a="http://schemas.openxmlformats.org/drawingml/2006/main" xmlns:r="http://schemas.openxmlformats.org/officeDocument/2006/relationships" xmlns:p="http://schemas.openxmlformats.org/presentationml/2006/main">
   <p:cSld>
     <p:spTree>
@@ -27133,7 +26773,7 @@
 </p:sld>
 </file>
 
-<file path=ppt/slides/slide39.xml><?xml version="1.0" encoding="utf-8"?>
+<file path=ppt/slides/slide37.xml><?xml version="1.0" encoding="utf-8"?>
 <p:sld xmlns:a="http://schemas.openxmlformats.org/drawingml/2006/main" xmlns:r="http://schemas.openxmlformats.org/officeDocument/2006/relationships" xmlns:p="http://schemas.openxmlformats.org/presentationml/2006/main">
   <p:cSld>
     <p:spTree>
@@ -27524,197 +27164,7 @@
 </p:sld>
 </file>
 
-<file path=ppt/slides/slide4.xml><?xml version="1.0" encoding="utf-8"?>
-<p:sld xmlns:a="http://schemas.openxmlformats.org/drawingml/2006/main" xmlns:r="http://schemas.openxmlformats.org/officeDocument/2006/relationships" xmlns:p="http://schemas.openxmlformats.org/presentationml/2006/main">
-  <p:cSld>
-    <p:spTree>
-      <p:nvGrpSpPr>
-        <p:cNvPr id="1" name=""/>
-        <p:cNvGrpSpPr/>
-        <p:nvPr/>
-      </p:nvGrpSpPr>
-      <p:grpSpPr>
-        <a:xfrm>
-          <a:off x="0" y="0"/>
-          <a:ext cx="0" cy="0"/>
-          <a:chOff x="0" y="0"/>
-          <a:chExt cx="0" cy="0"/>
-        </a:xfrm>
-      </p:grpSpPr>
-      <p:sp>
-        <p:nvSpPr>
-          <p:cNvPr id="2" name="Title 1"/>
-          <p:cNvSpPr>
-            <a:spLocks noGrp="1"/>
-          </p:cNvSpPr>
-          <p:nvPr>
-            <p:ph type="title"/>
-          </p:nvPr>
-        </p:nvSpPr>
-        <p:spPr/>
-        <p:txBody>
-          <a:bodyPr/>
-          <a:lstStyle/>
-          <a:p>
-            <a:r>
-              <a:rPr lang="en-US" dirty="0" smtClean="0"/>
-              <a:t>Outcomes</a:t>
-            </a:r>
-            <a:r>
-              <a:rPr lang="mr-IN" dirty="0" smtClean="0"/>
-              <a:t>…</a:t>
-            </a:r>
-            <a:endParaRPr lang="en-US" dirty="0"/>
-          </a:p>
-        </p:txBody>
-      </p:sp>
-      <p:sp>
-        <p:nvSpPr>
-          <p:cNvPr id="3" name="Content Placeholder 2"/>
-          <p:cNvSpPr>
-            <a:spLocks noGrp="1"/>
-          </p:cNvSpPr>
-          <p:nvPr>
-            <p:ph idx="1"/>
-          </p:nvPr>
-        </p:nvSpPr>
-        <p:spPr/>
-        <p:txBody>
-          <a:bodyPr/>
-          <a:lstStyle/>
-          <a:p>
-            <a:r>
-              <a:rPr lang="en-US" dirty="0" smtClean="0"/>
-              <a:t>Understand why FHIR happened</a:t>
-            </a:r>
-          </a:p>
-          <a:p>
-            <a:r>
-              <a:rPr lang="en-US" dirty="0" smtClean="0"/>
-              <a:t>Advantages and uses of FHIR</a:t>
-            </a:r>
-          </a:p>
-          <a:p>
-            <a:r>
-              <a:rPr lang="en-US" dirty="0" smtClean="0"/>
-              <a:t>Basics of FHIR</a:t>
-            </a:r>
-          </a:p>
-          <a:p>
-            <a:pPr lvl="1"/>
-            <a:r>
-              <a:rPr lang="en-US" dirty="0" smtClean="0"/>
-              <a:t>Know where to </a:t>
-            </a:r>
-            <a:r>
-              <a:rPr lang="en-US" smtClean="0"/>
-              <a:t>find information, </a:t>
-            </a:r>
-            <a:r>
-              <a:rPr lang="en-US" dirty="0" smtClean="0"/>
-              <a:t>and how </a:t>
-            </a:r>
-            <a:r>
-              <a:rPr lang="en-US" smtClean="0"/>
-              <a:t>to understand it</a:t>
-            </a:r>
-            <a:endParaRPr lang="en-US" smtClean="0"/>
-          </a:p>
-          <a:p>
-            <a:pPr lvl="1"/>
-            <a:r>
-              <a:rPr lang="en-US" dirty="0" smtClean="0"/>
-              <a:t>Able </a:t>
-            </a:r>
-            <a:r>
-              <a:rPr lang="en-US" dirty="0" smtClean="0"/>
-              <a:t>to participate knowledgeably in FHIR projects</a:t>
-            </a:r>
-          </a:p>
-          <a:p>
-            <a:r>
-              <a:rPr lang="en-US" dirty="0" smtClean="0"/>
-              <a:t>Understand </a:t>
-            </a:r>
-            <a:r>
-              <a:rPr lang="en-US" dirty="0" err="1" smtClean="0"/>
-              <a:t>clinFHIR</a:t>
-            </a:r>
-            <a:r>
-              <a:rPr lang="en-US" dirty="0" smtClean="0"/>
-              <a:t> </a:t>
-            </a:r>
-            <a:r>
-              <a:rPr lang="en-US" dirty="0" smtClean="0"/>
-              <a:t>as an educational </a:t>
-            </a:r>
-            <a:r>
-              <a:rPr lang="en-US" dirty="0" smtClean="0"/>
-              <a:t>tool</a:t>
-            </a:r>
-          </a:p>
-          <a:p>
-            <a:r>
-              <a:rPr lang="en-US" dirty="0" smtClean="0"/>
-              <a:t>Participate in Clinicians On FHIR (Friday)</a:t>
-            </a:r>
-            <a:endParaRPr lang="en-US" dirty="0"/>
-          </a:p>
-        </p:txBody>
-      </p:sp>
-      <p:sp>
-        <p:nvSpPr>
-          <p:cNvPr id="4" name="Slide Number Placeholder 3"/>
-          <p:cNvSpPr>
-            <a:spLocks noGrp="1"/>
-          </p:cNvSpPr>
-          <p:nvPr>
-            <p:ph type="sldNum" sz="quarter" idx="4294967295"/>
-          </p:nvPr>
-        </p:nvSpPr>
-        <p:spPr>
-          <a:xfrm>
-            <a:off x="1703512" y="6304236"/>
-            <a:ext cx="720080" cy="221109"/>
-          </a:xfrm>
-          <a:prstGeom prst="rect">
-            <a:avLst/>
-          </a:prstGeom>
-        </p:spPr>
-        <p:txBody>
-          <a:bodyPr/>
-          <a:lstStyle/>
-          <a:p>
-            <a:fld id="{5CC3E5C4-3E2B-40F1-9F2B-C46CEB0C88DF}" type="slidenum">
-              <a:rPr lang="en-CA" smtClean="0"/>
-              <a:pPr/>
-              <a:t>4</a:t>
-            </a:fld>
-            <a:endParaRPr lang="en-CA" dirty="0"/>
-          </a:p>
-        </p:txBody>
-      </p:sp>
-    </p:spTree>
-    <p:extLst>
-      <p:ext uri="{BB962C8B-B14F-4D97-AF65-F5344CB8AC3E}">
-        <p14:creationId xmlns:p14="http://schemas.microsoft.com/office/powerpoint/2010/main" val="1924293350"/>
-      </p:ext>
-    </p:extLst>
-  </p:cSld>
-  <p:clrMapOvr>
-    <a:masterClrMapping/>
-  </p:clrMapOvr>
-  <p:timing>
-    <p:tnLst>
-      <p:par>
-        <p:cTn id="1" dur="indefinite" restart="never" nodeType="tmRoot"/>
-      </p:par>
-    </p:tnLst>
-  </p:timing>
-</p:sld>
-</file>
-
-<file path=ppt/slides/slide40.xml><?xml version="1.0" encoding="utf-8"?>
+<file path=ppt/slides/slide38.xml><?xml version="1.0" encoding="utf-8"?>
 <p:sld xmlns:a="http://schemas.openxmlformats.org/drawingml/2006/main" xmlns:r="http://schemas.openxmlformats.org/officeDocument/2006/relationships" xmlns:p="http://schemas.openxmlformats.org/presentationml/2006/main">
   <p:cSld>
     <p:spTree>
@@ -28349,7 +27799,7 @@
 </p:sld>
 </file>
 
-<file path=ppt/slides/slide41.xml><?xml version="1.0" encoding="utf-8"?>
+<file path=ppt/slides/slide39.xml><?xml version="1.0" encoding="utf-8"?>
 <p:sld xmlns:a="http://schemas.openxmlformats.org/drawingml/2006/main" xmlns:r="http://schemas.openxmlformats.org/officeDocument/2006/relationships" xmlns:p="http://schemas.openxmlformats.org/presentationml/2006/main">
   <p:cSld>
     <p:spTree>
@@ -29663,7 +29113,121 @@
 </p:sld>
 </file>
 
-<file path=ppt/slides/slide42.xml><?xml version="1.0" encoding="utf-8"?>
+<file path=ppt/slides/slide4.xml><?xml version="1.0" encoding="utf-8"?>
+<p:sld xmlns:a="http://schemas.openxmlformats.org/drawingml/2006/main" xmlns:r="http://schemas.openxmlformats.org/officeDocument/2006/relationships" xmlns:p="http://schemas.openxmlformats.org/presentationml/2006/main">
+  <p:cSld>
+    <p:spTree>
+      <p:nvGrpSpPr>
+        <p:cNvPr id="1" name=""/>
+        <p:cNvGrpSpPr/>
+        <p:nvPr/>
+      </p:nvGrpSpPr>
+      <p:grpSpPr>
+        <a:xfrm>
+          <a:off x="0" y="0"/>
+          <a:ext cx="0" cy="0"/>
+          <a:chOff x="0" y="0"/>
+          <a:chExt cx="0" cy="0"/>
+        </a:xfrm>
+      </p:grpSpPr>
+      <p:sp>
+        <p:nvSpPr>
+          <p:cNvPr id="2" name="Title 1"/>
+          <p:cNvSpPr>
+            <a:spLocks noGrp="1"/>
+          </p:cNvSpPr>
+          <p:nvPr>
+            <p:ph type="title"/>
+          </p:nvPr>
+        </p:nvSpPr>
+        <p:spPr/>
+        <p:txBody>
+          <a:bodyPr/>
+          <a:lstStyle/>
+          <a:p>
+            <a:r>
+              <a:rPr lang="en-US" dirty="0" smtClean="0"/>
+              <a:t>Clinicians on FHIR</a:t>
+            </a:r>
+            <a:endParaRPr lang="en-US" dirty="0"/>
+          </a:p>
+        </p:txBody>
+      </p:sp>
+      <p:sp>
+        <p:nvSpPr>
+          <p:cNvPr id="4" name="Content Placeholder 3"/>
+          <p:cNvSpPr>
+            <a:spLocks noGrp="1"/>
+          </p:cNvSpPr>
+          <p:nvPr>
+            <p:ph idx="1"/>
+          </p:nvPr>
+        </p:nvSpPr>
+        <p:spPr/>
+        <p:txBody>
+          <a:bodyPr/>
+          <a:lstStyle/>
+          <a:p>
+            <a:r>
+              <a:rPr lang="en-US" dirty="0" smtClean="0"/>
+              <a:t>Clinicians testing FHIR resources</a:t>
+            </a:r>
+          </a:p>
+          <a:p>
+            <a:pPr lvl="1"/>
+            <a:r>
+              <a:rPr lang="en-US" dirty="0" smtClean="0"/>
+              <a:t>Apply to real scenarios</a:t>
+            </a:r>
+          </a:p>
+          <a:p>
+            <a:pPr lvl="1"/>
+            <a:r>
+              <a:rPr lang="en-US" dirty="0" smtClean="0"/>
+              <a:t>Feedback to spec</a:t>
+            </a:r>
+          </a:p>
+          <a:p>
+            <a:pPr lvl="1"/>
+            <a:r>
+              <a:rPr lang="en-US" dirty="0" err="1" smtClean="0"/>
+              <a:t>clinFHIR</a:t>
+            </a:r>
+            <a:r>
+              <a:rPr lang="en-US" dirty="0" smtClean="0"/>
+              <a:t> as tooling</a:t>
+            </a:r>
+          </a:p>
+          <a:p>
+            <a:r>
+              <a:rPr lang="en-US" dirty="0" smtClean="0"/>
+              <a:t>This Friday</a:t>
+            </a:r>
+            <a:endParaRPr lang="en-US" dirty="0"/>
+          </a:p>
+        </p:txBody>
+      </p:sp>
+    </p:spTree>
+    <p:extLst>
+      <p:ext uri="{BB962C8B-B14F-4D97-AF65-F5344CB8AC3E}">
+        <p14:creationId xmlns:p14="http://schemas.microsoft.com/office/powerpoint/2010/main" val="370559418"/>
+      </p:ext>
+    </p:extLst>
+  </p:cSld>
+  <p:clrMapOvr>
+    <a:masterClrMapping/>
+  </p:clrMapOvr>
+  <p:timing>
+    <p:tnLst>
+      <p:par>
+        <p:cTn id="1" dur="indefinite" restart="never" nodeType="tmRoot"/>
+      </p:par>
+    </p:tnLst>
+  </p:timing>
+</p:sld>
+</file>
+
+<file path=ppt/slides/slide40.xml><?xml version="1.0" encoding="utf-8"?>
 <p:sld xmlns:a="http://schemas.openxmlformats.org/drawingml/2006/main" xmlns:r="http://schemas.openxmlformats.org/officeDocument/2006/relationships" xmlns:p="http://schemas.openxmlformats.org/presentationml/2006/main">
   <p:cSld>
     <p:spTree>
@@ -29854,7 +29418,7 @@
 </p:sld>
 </file>
 
-<file path=ppt/slides/slide43.xml><?xml version="1.0" encoding="utf-8"?>
+<file path=ppt/slides/slide41.xml><?xml version="1.0" encoding="utf-8"?>
 <p:sld xmlns:a="http://schemas.openxmlformats.org/drawingml/2006/main" xmlns:r="http://schemas.openxmlformats.org/officeDocument/2006/relationships" xmlns:p="http://schemas.openxmlformats.org/presentationml/2006/main">
   <p:cSld>
     <p:spTree>
@@ -30136,7 +29700,7 @@
 </p:sld>
 </file>
 
-<file path=ppt/slides/slide44.xml><?xml version="1.0" encoding="utf-8"?>
+<file path=ppt/slides/slide42.xml><?xml version="1.0" encoding="utf-8"?>
 <p:sld xmlns:a="http://schemas.openxmlformats.org/drawingml/2006/main" xmlns:r="http://schemas.openxmlformats.org/officeDocument/2006/relationships" xmlns:p="http://schemas.openxmlformats.org/presentationml/2006/main">
   <p:cSld>
     <p:spTree>
@@ -30440,7 +30004,7 @@
 </p:sld>
 </file>
 
-<file path=ppt/slides/slide45.xml><?xml version="1.0" encoding="utf-8"?>
+<file path=ppt/slides/slide43.xml><?xml version="1.0" encoding="utf-8"?>
 <p:sld xmlns:a="http://schemas.openxmlformats.org/drawingml/2006/main" xmlns:r="http://schemas.openxmlformats.org/officeDocument/2006/relationships" xmlns:p="http://schemas.openxmlformats.org/presentationml/2006/main">
   <p:cSld>
     <p:spTree>
@@ -31042,7 +30606,7 @@
 </p:sld>
 </file>
 
-<file path=ppt/slides/slide46.xml><?xml version="1.0" encoding="utf-8"?>
+<file path=ppt/slides/slide44.xml><?xml version="1.0" encoding="utf-8"?>
 <p:sld xmlns:a="http://schemas.openxmlformats.org/drawingml/2006/main" xmlns:r="http://schemas.openxmlformats.org/officeDocument/2006/relationships" xmlns:p="http://schemas.openxmlformats.org/presentationml/2006/main">
   <p:cSld>
     <p:spTree>
@@ -31260,7 +30824,7 @@
 </p:sld>
 </file>
 
-<file path=ppt/slides/slide47.xml><?xml version="1.0" encoding="utf-8"?>
+<file path=ppt/slides/slide45.xml><?xml version="1.0" encoding="utf-8"?>
 <p:sld xmlns:a="http://schemas.openxmlformats.org/drawingml/2006/main" xmlns:r="http://schemas.openxmlformats.org/officeDocument/2006/relationships" xmlns:p="http://schemas.openxmlformats.org/presentationml/2006/main">
   <p:cSld>
     <p:spTree>
@@ -31342,7 +30906,6 @@
               <a:rPr lang="en-US" dirty="0" smtClean="0"/>
               <a:t> )</a:t>
             </a:r>
-            <a:endParaRPr lang="en-US" dirty="0" smtClean="0"/>
           </a:p>
           <a:p>
             <a:pPr lvl="1"/>
@@ -31358,7 +30921,6 @@
               <a:rPr lang="en-US" dirty="0" smtClean="0"/>
               <a:t>/)</a:t>
             </a:r>
-            <a:endParaRPr lang="en-US" dirty="0" smtClean="0"/>
           </a:p>
           <a:p>
             <a:pPr lvl="1"/>
@@ -31378,7 +30940,6 @@
               <a:rPr lang="en-US" dirty="0" smtClean="0"/>
               <a:t>)</a:t>
             </a:r>
-            <a:endParaRPr lang="en-US" dirty="0" smtClean="0"/>
           </a:p>
           <a:p>
             <a:r>
@@ -31411,7 +30972,7 @@
 </p:sld>
 </file>
 
-<file path=ppt/slides/slide48.xml><?xml version="1.0" encoding="utf-8"?>
+<file path=ppt/slides/slide46.xml><?xml version="1.0" encoding="utf-8"?>
 <p:sld xmlns:a="http://schemas.openxmlformats.org/drawingml/2006/main" xmlns:r="http://schemas.openxmlformats.org/officeDocument/2006/relationships" xmlns:p="http://schemas.openxmlformats.org/presentationml/2006/main">
   <p:cSld>
     <p:spTree>
@@ -31511,7 +31072,7 @@
             <a:fld id="{2CD36790-EF9F-4521-A783-189BE19EEE4B}" type="slidenum">
               <a:rPr lang="en-US" smtClean="0"/>
               <a:pPr/>
-              <a:t>48</a:t>
+              <a:t>46</a:t>
             </a:fld>
             <a:endParaRPr lang="en-US"/>
           </a:p>
@@ -31537,7 +31098,7 @@
 </p:sld>
 </file>
 
-<file path=ppt/slides/slide49.xml><?xml version="1.0" encoding="utf-8"?>
+<file path=ppt/slides/slide47.xml><?xml version="1.0" encoding="utf-8"?>
 <p:sld xmlns:a="http://schemas.openxmlformats.org/drawingml/2006/main" xmlns:r="http://schemas.openxmlformats.org/officeDocument/2006/relationships" xmlns:p="http://schemas.openxmlformats.org/presentationml/2006/main">
   <p:cSld>
     <p:spTree>
@@ -31659,15 +31220,7 @@
                   <a:schemeClr val="accent4"/>
                 </a:solidFill>
               </a:rPr>
-              <a:t>Logical </a:t>
-            </a:r>
-            <a:r>
-              <a:rPr lang="en-US" sz="3200" dirty="0" smtClean="0">
-                <a:solidFill>
-                  <a:schemeClr val="accent4"/>
-                </a:solidFill>
-              </a:rPr>
-              <a:t>Modeler</a:t>
+              <a:t>Logical Modeler</a:t>
             </a:r>
             <a:endParaRPr lang="en-US" sz="3200" dirty="0">
               <a:solidFill>
@@ -31705,301 +31258,7 @@
 </p:sld>
 </file>
 
-<file path=ppt/slides/slide5.xml><?xml version="1.0" encoding="utf-8"?>
-<p:sld xmlns:a="http://schemas.openxmlformats.org/drawingml/2006/main" xmlns:r="http://schemas.openxmlformats.org/officeDocument/2006/relationships" xmlns:p="http://schemas.openxmlformats.org/presentationml/2006/main">
-  <p:cSld>
-    <p:spTree>
-      <p:nvGrpSpPr>
-        <p:cNvPr id="1" name=""/>
-        <p:cNvGrpSpPr/>
-        <p:nvPr/>
-      </p:nvGrpSpPr>
-      <p:grpSpPr>
-        <a:xfrm>
-          <a:off x="0" y="0"/>
-          <a:ext cx="0" cy="0"/>
-          <a:chOff x="0" y="0"/>
-          <a:chExt cx="0" cy="0"/>
-        </a:xfrm>
-      </p:grpSpPr>
-      <p:sp>
-        <p:nvSpPr>
-          <p:cNvPr id="2" name="Title 1"/>
-          <p:cNvSpPr>
-            <a:spLocks noGrp="1"/>
-          </p:cNvSpPr>
-          <p:nvPr>
-            <p:ph type="title"/>
-          </p:nvPr>
-        </p:nvSpPr>
-        <p:spPr/>
-        <p:txBody>
-          <a:bodyPr/>
-          <a:lstStyle/>
-          <a:p>
-            <a:r>
-              <a:rPr lang="en-US" dirty="0" smtClean="0">
-                <a:latin typeface="Arial" charset="0"/>
-                <a:ea typeface="Arial" charset="0"/>
-                <a:cs typeface="Arial" charset="0"/>
-              </a:rPr>
-              <a:t>A bit of history</a:t>
-            </a:r>
-            <a:endParaRPr lang="en-US" dirty="0">
-              <a:solidFill>
-                <a:schemeClr val="accent2"/>
-              </a:solidFill>
-              <a:latin typeface="Arial" charset="0"/>
-              <a:ea typeface="Arial" charset="0"/>
-              <a:cs typeface="Arial" charset="0"/>
-            </a:endParaRPr>
-          </a:p>
-        </p:txBody>
-      </p:sp>
-      <p:sp>
-        <p:nvSpPr>
-          <p:cNvPr id="6" name="TextBox 5"/>
-          <p:cNvSpPr txBox="1"/>
-          <p:nvPr/>
-        </p:nvSpPr>
-        <p:spPr>
-          <a:xfrm>
-            <a:off x="1957516" y="1668393"/>
-            <a:ext cx="7306836" cy="4708981"/>
-          </a:xfrm>
-          <a:prstGeom prst="rect">
-            <a:avLst/>
-          </a:prstGeom>
-          <a:noFill/>
-        </p:spPr>
-        <p:txBody>
-          <a:bodyPr wrap="square" rtlCol="0">
-            <a:spAutoFit/>
-          </a:bodyPr>
-          <a:lstStyle/>
-          <a:p>
-            <a:pPr marL="285750" indent="-285750">
-              <a:lnSpc>
-                <a:spcPct val="150000"/>
-              </a:lnSpc>
-              <a:buClr>
-                <a:schemeClr val="accent2"/>
-              </a:buClr>
-              <a:buFont typeface="LucidaGrande" charset="0"/>
-              <a:buChar char="‣"/>
-            </a:pPr>
-            <a:r>
-              <a:rPr lang="en-US" sz="2000" dirty="0">
-                <a:solidFill>
-                  <a:schemeClr val="accent4"/>
-                </a:solidFill>
-              </a:rPr>
-              <a:t>Started 6 years ago </a:t>
-            </a:r>
-          </a:p>
-          <a:p>
-            <a:pPr marL="742906" lvl="1" indent="-285750">
-              <a:lnSpc>
-                <a:spcPct val="150000"/>
-              </a:lnSpc>
-              <a:buClr>
-                <a:schemeClr val="accent2"/>
-              </a:buClr>
-              <a:buFont typeface="LucidaGrande" charset="0"/>
-              <a:buChar char="‣"/>
-            </a:pPr>
-            <a:r>
-              <a:rPr lang="en-US" sz="2000" dirty="0">
-                <a:solidFill>
-                  <a:schemeClr val="accent4"/>
-                </a:solidFill>
-              </a:rPr>
-              <a:t>The fresh look</a:t>
-            </a:r>
-          </a:p>
-          <a:p>
-            <a:pPr marL="285750" indent="-285750">
-              <a:lnSpc>
-                <a:spcPct val="150000"/>
-              </a:lnSpc>
-              <a:buClr>
-                <a:schemeClr val="accent2"/>
-              </a:buClr>
-              <a:buFont typeface="LucidaGrande" charset="0"/>
-              <a:buChar char="‣"/>
-            </a:pPr>
-            <a:r>
-              <a:rPr lang="en-US" sz="2000" dirty="0">
-                <a:solidFill>
-                  <a:schemeClr val="accent4"/>
-                </a:solidFill>
-              </a:rPr>
-              <a:t>Right time, right place</a:t>
-            </a:r>
-          </a:p>
-          <a:p>
-            <a:pPr marL="742906" lvl="1" indent="-285750">
-              <a:lnSpc>
-                <a:spcPct val="150000"/>
-              </a:lnSpc>
-              <a:buClr>
-                <a:schemeClr val="accent2"/>
-              </a:buClr>
-              <a:buFont typeface="LucidaGrande" charset="0"/>
-              <a:buChar char="‣"/>
-            </a:pPr>
-            <a:r>
-              <a:rPr lang="en-US" sz="2000" dirty="0">
-                <a:solidFill>
-                  <a:schemeClr val="accent4"/>
-                </a:solidFill>
-              </a:rPr>
-              <a:t>JASON report</a:t>
-            </a:r>
-          </a:p>
-          <a:p>
-            <a:pPr marL="285750" indent="-285750">
-              <a:lnSpc>
-                <a:spcPct val="150000"/>
-              </a:lnSpc>
-              <a:buClr>
-                <a:schemeClr val="accent2"/>
-              </a:buClr>
-              <a:buFont typeface="LucidaGrande" charset="0"/>
-              <a:buChar char="‣"/>
-            </a:pPr>
-            <a:r>
-              <a:rPr lang="en-US" sz="2000" dirty="0">
-                <a:solidFill>
-                  <a:schemeClr val="accent4"/>
-                </a:solidFill>
-              </a:rPr>
-              <a:t>Since then..</a:t>
-            </a:r>
-          </a:p>
-          <a:p>
-            <a:pPr marL="742906" lvl="1" indent="-285750">
-              <a:lnSpc>
-                <a:spcPct val="150000"/>
-              </a:lnSpc>
-              <a:buClr>
-                <a:schemeClr val="accent2"/>
-              </a:buClr>
-              <a:buFont typeface="LucidaGrande" charset="0"/>
-              <a:buChar char="‣"/>
-            </a:pPr>
-            <a:r>
-              <a:rPr lang="en-US" sz="2000" dirty="0">
-                <a:solidFill>
-                  <a:schemeClr val="accent4"/>
-                </a:solidFill>
-              </a:rPr>
-              <a:t>Almost universal take up by Vendors</a:t>
-            </a:r>
-          </a:p>
-          <a:p>
-            <a:pPr marL="742906" lvl="1" indent="-285750">
-              <a:lnSpc>
-                <a:spcPct val="150000"/>
-              </a:lnSpc>
-              <a:buClr>
-                <a:schemeClr val="accent2"/>
-              </a:buClr>
-              <a:buFont typeface="LucidaGrande" charset="0"/>
-              <a:buChar char="‣"/>
-            </a:pPr>
-            <a:r>
-              <a:rPr lang="en-US" sz="2000" dirty="0">
-                <a:solidFill>
-                  <a:schemeClr val="accent4"/>
-                </a:solidFill>
-              </a:rPr>
-              <a:t>Massive interest from Providers</a:t>
-            </a:r>
-          </a:p>
-          <a:p>
-            <a:pPr marL="742906" lvl="1" indent="-285750">
-              <a:lnSpc>
-                <a:spcPct val="150000"/>
-              </a:lnSpc>
-              <a:buClr>
-                <a:schemeClr val="accent2"/>
-              </a:buClr>
-              <a:buFont typeface="LucidaGrande" charset="0"/>
-              <a:buChar char="‣"/>
-            </a:pPr>
-            <a:r>
-              <a:rPr lang="en-US" sz="2000" dirty="0">
-                <a:solidFill>
-                  <a:schemeClr val="accent4"/>
-                </a:solidFill>
-              </a:rPr>
-              <a:t>Implementations and projects world wide</a:t>
-            </a:r>
-          </a:p>
-          <a:p>
-            <a:pPr marL="742906" lvl="1" indent="-285750">
-              <a:lnSpc>
-                <a:spcPct val="150000"/>
-              </a:lnSpc>
-              <a:buClr>
-                <a:schemeClr val="accent2"/>
-              </a:buClr>
-              <a:buFont typeface="LucidaGrande" charset="0"/>
-              <a:buChar char="‣"/>
-            </a:pPr>
-            <a:r>
-              <a:rPr lang="en-US" sz="2000" dirty="0">
-                <a:solidFill>
-                  <a:schemeClr val="accent4"/>
-                </a:solidFill>
-              </a:rPr>
-              <a:t>Large, very active International community</a:t>
-            </a:r>
-          </a:p>
-          <a:p>
-            <a:pPr marL="742906" lvl="1" indent="-285750">
-              <a:lnSpc>
-                <a:spcPct val="150000"/>
-              </a:lnSpc>
-              <a:buClr>
-                <a:schemeClr val="accent2"/>
-              </a:buClr>
-              <a:buFont typeface="LucidaGrande" charset="0"/>
-              <a:buChar char="‣"/>
-            </a:pPr>
-            <a:r>
-              <a:rPr lang="en-US" sz="2000" dirty="0">
-                <a:solidFill>
-                  <a:schemeClr val="accent4"/>
-                </a:solidFill>
-              </a:rPr>
-              <a:t>Scope increased from just Interoperability</a:t>
-            </a:r>
-          </a:p>
-        </p:txBody>
-      </p:sp>
-    </p:spTree>
-    <p:extLst>
-      <p:ext uri="{BB962C8B-B14F-4D97-AF65-F5344CB8AC3E}">
-        <p14:creationId xmlns:p14="http://schemas.microsoft.com/office/powerpoint/2010/main" val="2142337520"/>
-      </p:ext>
-    </p:extLst>
-  </p:cSld>
-  <p:clrMapOvr>
-    <a:masterClrMapping/>
-  </p:clrMapOvr>
-  <p:timing>
-    <p:tnLst>
-      <p:par>
-        <p:cTn id="1" dur="indefinite" restart="never" nodeType="tmRoot"/>
-      </p:par>
-    </p:tnLst>
-  </p:timing>
-</p:sld>
-</file>
-
-<file path=ppt/slides/slide50.xml><?xml version="1.0" encoding="utf-8"?>
+<file path=ppt/slides/slide48.xml><?xml version="1.0" encoding="utf-8"?>
 <p:sld xmlns:a="http://schemas.openxmlformats.org/drawingml/2006/main" xmlns:r="http://schemas.openxmlformats.org/officeDocument/2006/relationships" xmlns:p="http://schemas.openxmlformats.org/presentationml/2006/main">
   <p:cSld>
     <p:spTree>
@@ -32436,7 +31695,7 @@
 </p:sld>
 </file>
 
-<file path=ppt/slides/slide51.xml><?xml version="1.0" encoding="utf-8"?>
+<file path=ppt/slides/slide49.xml><?xml version="1.0" encoding="utf-8"?>
 <p:sld xmlns:a="http://schemas.openxmlformats.org/drawingml/2006/main" xmlns:r="http://schemas.openxmlformats.org/officeDocument/2006/relationships" xmlns:p="http://schemas.openxmlformats.org/presentationml/2006/main">
   <p:cSld>
     <p:spTree>
@@ -32461,7 +31720,7 @@
         </p:nvSpPr>
         <p:spPr>
           <a:xfrm>
-            <a:off x="3752604" y="1610545"/>
+            <a:off x="3752604" y="1875305"/>
             <a:ext cx="5399315" cy="3534895"/>
           </a:xfrm>
           <a:prstGeom prst="roundRect">
@@ -32554,7 +31813,7 @@
         </p:nvSpPr>
         <p:spPr>
           <a:xfrm>
-            <a:off x="482591" y="1776268"/>
+            <a:off x="482591" y="2228177"/>
             <a:ext cx="2813384" cy="2801023"/>
           </a:xfrm>
           <a:prstGeom prst="rect">
@@ -32730,93 +31989,6 @@
           </a:p>
         </p:txBody>
       </p:sp>
-      <p:grpSp>
-        <p:nvGrpSpPr>
-          <p:cNvPr id="3" name="Group 2"/>
-          <p:cNvGrpSpPr/>
-          <p:nvPr/>
-        </p:nvGrpSpPr>
-        <p:grpSpPr>
-          <a:xfrm>
-            <a:off x="482590" y="1650124"/>
-            <a:ext cx="2813385" cy="3130656"/>
-            <a:chOff x="361942" y="865633"/>
-            <a:chExt cx="5299910" cy="2347992"/>
-          </a:xfrm>
-        </p:grpSpPr>
-        <p:cxnSp>
-          <p:nvCxnSpPr>
-            <p:cNvPr id="5" name="Straight Connector 4"/>
-            <p:cNvCxnSpPr/>
-            <p:nvPr/>
-          </p:nvCxnSpPr>
-          <p:spPr>
-            <a:xfrm>
-              <a:off x="361942" y="865633"/>
-              <a:ext cx="5299910" cy="0"/>
-            </a:xfrm>
-            <a:prstGeom prst="line">
-              <a:avLst/>
-            </a:prstGeom>
-            <a:ln w="3175">
-              <a:solidFill>
-                <a:schemeClr val="accent2"/>
-              </a:solidFill>
-            </a:ln>
-            <a:effectLst/>
-          </p:spPr>
-          <p:style>
-            <a:lnRef idx="2">
-              <a:schemeClr val="accent1"/>
-            </a:lnRef>
-            <a:fillRef idx="0">
-              <a:schemeClr val="accent1"/>
-            </a:fillRef>
-            <a:effectRef idx="1">
-              <a:schemeClr val="accent1"/>
-            </a:effectRef>
-            <a:fontRef idx="minor">
-              <a:schemeClr val="tx1"/>
-            </a:fontRef>
-          </p:style>
-        </p:cxnSp>
-        <p:cxnSp>
-          <p:nvCxnSpPr>
-            <p:cNvPr id="10" name="Straight Connector 9"/>
-            <p:cNvCxnSpPr/>
-            <p:nvPr/>
-          </p:nvCxnSpPr>
-          <p:spPr>
-            <a:xfrm>
-              <a:off x="361942" y="3213625"/>
-              <a:ext cx="5299910" cy="0"/>
-            </a:xfrm>
-            <a:prstGeom prst="line">
-              <a:avLst/>
-            </a:prstGeom>
-            <a:ln w="3175">
-              <a:solidFill>
-                <a:schemeClr val="accent2"/>
-              </a:solidFill>
-            </a:ln>
-            <a:effectLst/>
-          </p:spPr>
-          <p:style>
-            <a:lnRef idx="2">
-              <a:schemeClr val="accent1"/>
-            </a:lnRef>
-            <a:fillRef idx="0">
-              <a:schemeClr val="accent1"/>
-            </a:fillRef>
-            <a:effectRef idx="1">
-              <a:schemeClr val="accent1"/>
-            </a:effectRef>
-            <a:fontRef idx="minor">
-              <a:schemeClr val="tx1"/>
-            </a:fontRef>
-          </p:style>
-        </p:cxnSp>
-      </p:grpSp>
       <p:sp>
         <p:nvSpPr>
           <p:cNvPr id="12" name="AutoShape 7"/>
@@ -32827,7 +31999,7 @@
         </p:nvSpPr>
         <p:spPr bwMode="auto">
           <a:xfrm>
-            <a:off x="4868852" y="2279224"/>
+            <a:off x="4868852" y="2543984"/>
             <a:ext cx="3456517" cy="610213"/>
           </a:xfrm>
           <a:prstGeom prst="roundRect">
@@ -32895,7 +32067,7 @@
         </p:nvSpPr>
         <p:spPr bwMode="auto">
           <a:xfrm>
-            <a:off x="4868852" y="3192040"/>
+            <a:off x="4868852" y="3456800"/>
             <a:ext cx="3456517" cy="610213"/>
           </a:xfrm>
           <a:prstGeom prst="roundRect">
@@ -32963,7 +32135,7 @@
         </p:nvSpPr>
         <p:spPr bwMode="auto">
           <a:xfrm>
-            <a:off x="4868852" y="4170567"/>
+            <a:off x="4868852" y="4435327"/>
             <a:ext cx="3456517" cy="610213"/>
           </a:xfrm>
           <a:prstGeom prst="roundRect">
@@ -33024,7 +32196,7 @@
         </p:nvCxnSpPr>
         <p:spPr>
           <a:xfrm flipV="1">
-            <a:off x="8325370" y="2584331"/>
+            <a:off x="8325370" y="2849091"/>
             <a:ext cx="16933" cy="912816"/>
           </a:xfrm>
           <a:prstGeom prst="bentConnector3">
@@ -33066,7 +32238,7 @@
         </p:nvCxnSpPr>
         <p:spPr>
           <a:xfrm rot="10800000" flipV="1">
-            <a:off x="4868852" y="3497146"/>
+            <a:off x="4868852" y="3761906"/>
             <a:ext cx="16933" cy="978527"/>
           </a:xfrm>
           <a:prstGeom prst="bentConnector3">
@@ -33108,7 +32280,7 @@
         </p:nvCxnSpPr>
         <p:spPr>
           <a:xfrm flipV="1">
-            <a:off x="8325370" y="2584331"/>
+            <a:off x="8325370" y="2849091"/>
             <a:ext cx="16933" cy="1891343"/>
           </a:xfrm>
           <a:prstGeom prst="bentConnector3">
@@ -33159,7 +32331,7 @@
 </p:sld>
 </file>
 
-<file path=ppt/slides/slide52.xml><?xml version="1.0" encoding="utf-8"?>
+<file path=ppt/slides/slide5.xml><?xml version="1.0" encoding="utf-8"?>
 <p:sld xmlns:a="http://schemas.openxmlformats.org/drawingml/2006/main" xmlns:r="http://schemas.openxmlformats.org/officeDocument/2006/relationships" xmlns:p="http://schemas.openxmlformats.org/presentationml/2006/main">
   <p:cSld>
     <p:spTree>
@@ -33192,6 +32364,171 @@
           <a:lstStyle/>
           <a:p>
             <a:r>
+              <a:rPr lang="en-US" dirty="0" smtClean="0"/>
+              <a:t>Outcomes</a:t>
+            </a:r>
+            <a:r>
+              <a:rPr lang="mr-IN" dirty="0" smtClean="0"/>
+              <a:t>…</a:t>
+            </a:r>
+            <a:endParaRPr lang="en-US" dirty="0"/>
+          </a:p>
+        </p:txBody>
+      </p:sp>
+      <p:sp>
+        <p:nvSpPr>
+          <p:cNvPr id="3" name="Content Placeholder 2"/>
+          <p:cNvSpPr>
+            <a:spLocks noGrp="1"/>
+          </p:cNvSpPr>
+          <p:nvPr>
+            <p:ph idx="1"/>
+          </p:nvPr>
+        </p:nvSpPr>
+        <p:spPr/>
+        <p:txBody>
+          <a:bodyPr/>
+          <a:lstStyle/>
+          <a:p>
+            <a:r>
+              <a:rPr lang="en-US" dirty="0" smtClean="0"/>
+              <a:t>Understand why FHIR happened</a:t>
+            </a:r>
+          </a:p>
+          <a:p>
+            <a:r>
+              <a:rPr lang="en-US" dirty="0" smtClean="0"/>
+              <a:t>Advantages and uses of FHIR</a:t>
+            </a:r>
+          </a:p>
+          <a:p>
+            <a:r>
+              <a:rPr lang="en-US" dirty="0" smtClean="0"/>
+              <a:t>Basics of FHIR</a:t>
+            </a:r>
+          </a:p>
+          <a:p>
+            <a:pPr lvl="1"/>
+            <a:r>
+              <a:rPr lang="en-US" dirty="0" smtClean="0"/>
+              <a:t>Know where to find information, and how to understand it</a:t>
+            </a:r>
+          </a:p>
+          <a:p>
+            <a:pPr lvl="1"/>
+            <a:r>
+              <a:rPr lang="en-US" dirty="0" smtClean="0"/>
+              <a:t>Able to participate knowledgeably in FHIR projects</a:t>
+            </a:r>
+          </a:p>
+          <a:p>
+            <a:r>
+              <a:rPr lang="en-US" dirty="0" smtClean="0"/>
+              <a:t>Understand </a:t>
+            </a:r>
+            <a:r>
+              <a:rPr lang="en-US" dirty="0" err="1" smtClean="0"/>
+              <a:t>clinFHIR</a:t>
+            </a:r>
+            <a:r>
+              <a:rPr lang="en-US" dirty="0" smtClean="0"/>
+              <a:t> as an educational tool</a:t>
+            </a:r>
+          </a:p>
+          <a:p>
+            <a:r>
+              <a:rPr lang="en-US" dirty="0" smtClean="0"/>
+              <a:t>Participate in Clinicians On FHIR (Friday)</a:t>
+            </a:r>
+            <a:endParaRPr lang="en-US" dirty="0"/>
+          </a:p>
+        </p:txBody>
+      </p:sp>
+      <p:sp>
+        <p:nvSpPr>
+          <p:cNvPr id="4" name="Slide Number Placeholder 3"/>
+          <p:cNvSpPr>
+            <a:spLocks noGrp="1"/>
+          </p:cNvSpPr>
+          <p:nvPr>
+            <p:ph type="sldNum" sz="quarter" idx="4294967295"/>
+          </p:nvPr>
+        </p:nvSpPr>
+        <p:spPr>
+          <a:xfrm>
+            <a:off x="1703512" y="6304236"/>
+            <a:ext cx="720080" cy="221109"/>
+          </a:xfrm>
+          <a:prstGeom prst="rect">
+            <a:avLst/>
+          </a:prstGeom>
+        </p:spPr>
+        <p:txBody>
+          <a:bodyPr/>
+          <a:lstStyle/>
+          <a:p>
+            <a:fld id="{5CC3E5C4-3E2B-40F1-9F2B-C46CEB0C88DF}" type="slidenum">
+              <a:rPr lang="en-CA" smtClean="0"/>
+              <a:pPr/>
+              <a:t>5</a:t>
+            </a:fld>
+            <a:endParaRPr lang="en-CA" dirty="0"/>
+          </a:p>
+        </p:txBody>
+      </p:sp>
+    </p:spTree>
+    <p:extLst>
+      <p:ext uri="{BB962C8B-B14F-4D97-AF65-F5344CB8AC3E}">
+        <p14:creationId xmlns:p14="http://schemas.microsoft.com/office/powerpoint/2010/main" val="1924293350"/>
+      </p:ext>
+    </p:extLst>
+  </p:cSld>
+  <p:clrMapOvr>
+    <a:masterClrMapping/>
+  </p:clrMapOvr>
+  <p:timing>
+    <p:tnLst>
+      <p:par>
+        <p:cTn id="1" dur="indefinite" restart="never" nodeType="tmRoot"/>
+      </p:par>
+    </p:tnLst>
+  </p:timing>
+</p:sld>
+</file>
+
+<file path=ppt/slides/slide50.xml><?xml version="1.0" encoding="utf-8"?>
+<p:sld xmlns:a="http://schemas.openxmlformats.org/drawingml/2006/main" xmlns:r="http://schemas.openxmlformats.org/officeDocument/2006/relationships" xmlns:p="http://schemas.openxmlformats.org/presentationml/2006/main">
+  <p:cSld>
+    <p:spTree>
+      <p:nvGrpSpPr>
+        <p:cNvPr id="1" name=""/>
+        <p:cNvGrpSpPr/>
+        <p:nvPr/>
+      </p:nvGrpSpPr>
+      <p:grpSpPr>
+        <a:xfrm>
+          <a:off x="0" y="0"/>
+          <a:ext cx="0" cy="0"/>
+          <a:chOff x="0" y="0"/>
+          <a:chExt cx="0" cy="0"/>
+        </a:xfrm>
+      </p:grpSpPr>
+      <p:sp>
+        <p:nvSpPr>
+          <p:cNvPr id="2" name="Title 1"/>
+          <p:cNvSpPr>
+            <a:spLocks noGrp="1"/>
+          </p:cNvSpPr>
+          <p:nvPr>
+            <p:ph type="title"/>
+          </p:nvPr>
+        </p:nvSpPr>
+        <p:spPr/>
+        <p:txBody>
+          <a:bodyPr/>
+          <a:lstStyle/>
+          <a:p>
+            <a:r>
               <a:rPr lang="en-US" dirty="0">
                 <a:latin typeface="Arial" charset="0"/>
                 <a:ea typeface="Arial" charset="0"/>
@@ -33461,7 +32798,7 @@
 </p:sld>
 </file>
 
-<file path=ppt/slides/slide53.xml><?xml version="1.0" encoding="utf-8"?>
+<file path=ppt/slides/slide51.xml><?xml version="1.0" encoding="utf-8"?>
 <p:sld xmlns:a="http://schemas.openxmlformats.org/drawingml/2006/main" xmlns:r="http://schemas.openxmlformats.org/officeDocument/2006/relationships" xmlns:p="http://schemas.openxmlformats.org/presentationml/2006/main">
   <p:cSld>
     <p:spTree>
@@ -34673,6 +34010,561 @@
 </p:sld>
 </file>
 
+<file path=ppt/slides/slide52.xml><?xml version="1.0" encoding="utf-8"?>
+<p:sld xmlns:a="http://schemas.openxmlformats.org/drawingml/2006/main" xmlns:r="http://schemas.openxmlformats.org/officeDocument/2006/relationships" xmlns:p="http://schemas.openxmlformats.org/presentationml/2006/main">
+  <p:cSld>
+    <p:spTree>
+      <p:nvGrpSpPr>
+        <p:cNvPr id="1" name=""/>
+        <p:cNvGrpSpPr/>
+        <p:nvPr/>
+      </p:nvGrpSpPr>
+      <p:grpSpPr>
+        <a:xfrm>
+          <a:off x="0" y="0"/>
+          <a:ext cx="0" cy="0"/>
+          <a:chOff x="0" y="0"/>
+          <a:chExt cx="0" cy="0"/>
+        </a:xfrm>
+      </p:grpSpPr>
+      <p:sp>
+        <p:nvSpPr>
+          <p:cNvPr id="2" name="Title 1"/>
+          <p:cNvSpPr>
+            <a:spLocks noGrp="1"/>
+          </p:cNvSpPr>
+          <p:nvPr>
+            <p:ph type="title"/>
+          </p:nvPr>
+        </p:nvSpPr>
+        <p:spPr/>
+        <p:txBody>
+          <a:bodyPr/>
+          <a:lstStyle/>
+          <a:p>
+            <a:r>
+              <a:rPr lang="en-US" dirty="0" smtClean="0">
+                <a:latin typeface="Arial" charset="0"/>
+                <a:ea typeface="Arial" charset="0"/>
+                <a:cs typeface="Arial" charset="0"/>
+              </a:rPr>
+              <a:t>Composition resource</a:t>
+            </a:r>
+            <a:endParaRPr lang="en-US" dirty="0">
+              <a:solidFill>
+                <a:schemeClr val="accent2"/>
+              </a:solidFill>
+              <a:latin typeface="Arial" charset="0"/>
+              <a:ea typeface="Arial" charset="0"/>
+              <a:cs typeface="Arial" charset="0"/>
+            </a:endParaRPr>
+          </a:p>
+        </p:txBody>
+      </p:sp>
+      <p:sp>
+        <p:nvSpPr>
+          <p:cNvPr id="3" name="Content Placeholder 2"/>
+          <p:cNvSpPr>
+            <a:spLocks noGrp="1"/>
+          </p:cNvSpPr>
+          <p:nvPr>
+            <p:ph idx="1"/>
+          </p:nvPr>
+        </p:nvSpPr>
+        <p:spPr/>
+        <p:txBody>
+          <a:bodyPr/>
+          <a:lstStyle/>
+          <a:p>
+            <a:endParaRPr lang="en-US"/>
+          </a:p>
+        </p:txBody>
+      </p:sp>
+      <p:sp>
+        <p:nvSpPr>
+          <p:cNvPr id="9" name="TextBox 8"/>
+          <p:cNvSpPr txBox="1"/>
+          <p:nvPr/>
+        </p:nvSpPr>
+        <p:spPr>
+          <a:xfrm>
+            <a:off x="556801" y="1898342"/>
+            <a:ext cx="7066547" cy="4402487"/>
+          </a:xfrm>
+          <a:prstGeom prst="rect">
+            <a:avLst/>
+          </a:prstGeom>
+          <a:noFill/>
+        </p:spPr>
+        <p:txBody>
+          <a:bodyPr wrap="square" rtlCol="0">
+            <a:spAutoFit/>
+          </a:bodyPr>
+          <a:lstStyle/>
+          <a:p>
+            <a:pPr marL="380990" indent="-380990">
+              <a:lnSpc>
+                <a:spcPct val="150000"/>
+              </a:lnSpc>
+              <a:buClr>
+                <a:schemeClr val="accent2"/>
+              </a:buClr>
+              <a:buFont typeface="LucidaGrande" charset="0"/>
+              <a:buChar char="‣"/>
+            </a:pPr>
+            <a:r>
+              <a:rPr lang="en-US" sz="1867" dirty="0">
+                <a:solidFill>
+                  <a:schemeClr val="accent4"/>
+                </a:solidFill>
+                <a:ea typeface="Arial" charset="0"/>
+                <a:cs typeface="Arial" charset="0"/>
+              </a:rPr>
+              <a:t>Document header</a:t>
+            </a:r>
+          </a:p>
+          <a:p>
+            <a:pPr marL="990517" lvl="1" indent="-380990">
+              <a:lnSpc>
+                <a:spcPct val="150000"/>
+              </a:lnSpc>
+              <a:buClr>
+                <a:schemeClr val="accent2"/>
+              </a:buClr>
+              <a:buFont typeface="LucidaGrande" charset="0"/>
+              <a:buChar char="‣"/>
+            </a:pPr>
+            <a:r>
+              <a:rPr lang="en-US" sz="1867" dirty="0">
+                <a:solidFill>
+                  <a:schemeClr val="accent4"/>
+                </a:solidFill>
+                <a:ea typeface="Arial" charset="0"/>
+                <a:cs typeface="Arial" charset="0"/>
+              </a:rPr>
+              <a:t>Document type</a:t>
+            </a:r>
+          </a:p>
+          <a:p>
+            <a:pPr marL="990517" lvl="1" indent="-380990">
+              <a:lnSpc>
+                <a:spcPct val="150000"/>
+              </a:lnSpc>
+              <a:buClr>
+                <a:schemeClr val="accent2"/>
+              </a:buClr>
+              <a:buFont typeface="LucidaGrande" charset="0"/>
+              <a:buChar char="‣"/>
+            </a:pPr>
+            <a:r>
+              <a:rPr lang="en-US" sz="1867" dirty="0">
+                <a:solidFill>
+                  <a:schemeClr val="accent4"/>
+                </a:solidFill>
+                <a:ea typeface="Arial" charset="0"/>
+                <a:cs typeface="Arial" charset="0"/>
+              </a:rPr>
+              <a:t>References to Patient, Author, Custodian </a:t>
+            </a:r>
+            <a:r>
+              <a:rPr lang="mr-IN" sz="1867" dirty="0">
+                <a:solidFill>
+                  <a:schemeClr val="accent4"/>
+                </a:solidFill>
+                <a:ea typeface="Arial" charset="0"/>
+                <a:cs typeface="Arial" charset="0"/>
+              </a:rPr>
+              <a:t>…</a:t>
+            </a:r>
+            <a:endParaRPr lang="en-US" sz="1867" dirty="0">
+              <a:solidFill>
+                <a:schemeClr val="accent4"/>
+              </a:solidFill>
+              <a:ea typeface="Arial" charset="0"/>
+              <a:cs typeface="Arial" charset="0"/>
+            </a:endParaRPr>
+          </a:p>
+          <a:p>
+            <a:pPr marL="990517" lvl="1" indent="-380990">
+              <a:lnSpc>
+                <a:spcPct val="150000"/>
+              </a:lnSpc>
+              <a:buClr>
+                <a:schemeClr val="accent2"/>
+              </a:buClr>
+              <a:buFont typeface="LucidaGrande" charset="0"/>
+              <a:buChar char="‣"/>
+            </a:pPr>
+            <a:r>
+              <a:rPr lang="en-US" sz="1867" dirty="0">
+                <a:solidFill>
+                  <a:schemeClr val="accent4"/>
+                </a:solidFill>
+                <a:ea typeface="Arial" charset="0"/>
+                <a:cs typeface="Arial" charset="0"/>
+              </a:rPr>
+              <a:t>Equivalent to:</a:t>
+            </a:r>
+          </a:p>
+          <a:p>
+            <a:pPr marL="1600043" lvl="2" indent="-380990">
+              <a:lnSpc>
+                <a:spcPct val="150000"/>
+              </a:lnSpc>
+              <a:buClr>
+                <a:schemeClr val="accent2"/>
+              </a:buClr>
+              <a:buFont typeface="LucidaGrande" charset="0"/>
+              <a:buChar char="‣"/>
+            </a:pPr>
+            <a:r>
+              <a:rPr lang="en-US" sz="1867" dirty="0">
+                <a:solidFill>
+                  <a:schemeClr val="accent4"/>
+                </a:solidFill>
+                <a:ea typeface="Arial" charset="0"/>
+                <a:cs typeface="Arial" charset="0"/>
+              </a:rPr>
+              <a:t>CDA header</a:t>
+            </a:r>
+          </a:p>
+          <a:p>
+            <a:pPr marL="1600043" lvl="2" indent="-380990">
+              <a:lnSpc>
+                <a:spcPct val="150000"/>
+              </a:lnSpc>
+              <a:buClr>
+                <a:schemeClr val="accent2"/>
+              </a:buClr>
+              <a:buFont typeface="LucidaGrande" charset="0"/>
+              <a:buChar char="‣"/>
+            </a:pPr>
+            <a:r>
+              <a:rPr lang="en-US" sz="1867" dirty="0">
+                <a:solidFill>
+                  <a:schemeClr val="accent4"/>
+                </a:solidFill>
+                <a:ea typeface="Arial" charset="0"/>
+                <a:cs typeface="Arial" charset="0"/>
+              </a:rPr>
+              <a:t>IHE XDS metadata</a:t>
+            </a:r>
+          </a:p>
+          <a:p>
+            <a:pPr marL="380990" indent="-380990">
+              <a:lnSpc>
+                <a:spcPct val="150000"/>
+              </a:lnSpc>
+              <a:buClr>
+                <a:schemeClr val="accent2"/>
+              </a:buClr>
+              <a:buFont typeface="LucidaGrande" charset="0"/>
+              <a:buChar char="‣"/>
+            </a:pPr>
+            <a:r>
+              <a:rPr lang="en-US" sz="1867" dirty="0">
+                <a:solidFill>
+                  <a:schemeClr val="accent4"/>
+                </a:solidFill>
+                <a:ea typeface="Arial" charset="0"/>
+                <a:cs typeface="Arial" charset="0"/>
+              </a:rPr>
+              <a:t>Sections (headings)</a:t>
+            </a:r>
+          </a:p>
+          <a:p>
+            <a:pPr marL="990517" lvl="1" indent="-380990">
+              <a:lnSpc>
+                <a:spcPct val="150000"/>
+              </a:lnSpc>
+              <a:buClr>
+                <a:schemeClr val="accent2"/>
+              </a:buClr>
+              <a:buFont typeface="LucidaGrande" charset="0"/>
+              <a:buChar char="‣"/>
+            </a:pPr>
+            <a:r>
+              <a:rPr lang="en-US" sz="1867" dirty="0">
+                <a:solidFill>
+                  <a:schemeClr val="accent4"/>
+                </a:solidFill>
+                <a:ea typeface="Arial" charset="0"/>
+                <a:cs typeface="Arial" charset="0"/>
+              </a:rPr>
+              <a:t>Contents are text and structured/coded data</a:t>
+            </a:r>
+          </a:p>
+          <a:p>
+            <a:pPr marL="380990" indent="-380990">
+              <a:lnSpc>
+                <a:spcPct val="150000"/>
+              </a:lnSpc>
+              <a:buClr>
+                <a:schemeClr val="accent2"/>
+              </a:buClr>
+              <a:buFont typeface="LucidaGrande" charset="0"/>
+              <a:buChar char="‣"/>
+            </a:pPr>
+            <a:r>
+              <a:rPr lang="en-US" sz="1867" dirty="0">
+                <a:solidFill>
+                  <a:schemeClr val="accent4"/>
+                </a:solidFill>
+                <a:ea typeface="Arial" charset="0"/>
+                <a:cs typeface="Arial" charset="0"/>
+              </a:rPr>
+              <a:t>Rules for </a:t>
+            </a:r>
+            <a:r>
+              <a:rPr lang="en-US" sz="1867" dirty="0" smtClean="0">
+                <a:solidFill>
+                  <a:schemeClr val="accent4"/>
+                </a:solidFill>
+                <a:ea typeface="Arial" charset="0"/>
+                <a:cs typeface="Arial" charset="0"/>
+              </a:rPr>
+              <a:t>rendering</a:t>
+            </a:r>
+          </a:p>
+          <a:p>
+            <a:pPr marL="380990" indent="-380990">
+              <a:lnSpc>
+                <a:spcPct val="150000"/>
+              </a:lnSpc>
+              <a:buClr>
+                <a:schemeClr val="accent2"/>
+              </a:buClr>
+              <a:buFont typeface="LucidaGrande" charset="0"/>
+              <a:buChar char="‣"/>
+            </a:pPr>
+            <a:r>
+              <a:rPr lang="en-US" sz="1867" dirty="0" smtClean="0">
+                <a:solidFill>
+                  <a:schemeClr val="accent4"/>
+                </a:solidFill>
+                <a:ea typeface="Arial" charset="0"/>
+                <a:cs typeface="Arial" charset="0"/>
+              </a:rPr>
+              <a:t>Can be profiled (</a:t>
+            </a:r>
+            <a:r>
+              <a:rPr lang="en-US" sz="1867" dirty="0" err="1" smtClean="0">
+                <a:solidFill>
+                  <a:schemeClr val="accent4"/>
+                </a:solidFill>
+                <a:ea typeface="Arial" charset="0"/>
+                <a:cs typeface="Arial" charset="0"/>
+              </a:rPr>
+              <a:t>ie</a:t>
+            </a:r>
+            <a:r>
+              <a:rPr lang="en-US" sz="1867" dirty="0" smtClean="0">
+                <a:solidFill>
+                  <a:schemeClr val="accent4"/>
+                </a:solidFill>
+                <a:ea typeface="Arial" charset="0"/>
+                <a:cs typeface="Arial" charset="0"/>
+              </a:rPr>
+              <a:t> specific document types)</a:t>
+            </a:r>
+            <a:endParaRPr lang="en-US" sz="1867" dirty="0">
+              <a:solidFill>
+                <a:schemeClr val="accent4"/>
+              </a:solidFill>
+              <a:ea typeface="Arial" charset="0"/>
+              <a:cs typeface="Arial" charset="0"/>
+            </a:endParaRPr>
+          </a:p>
+        </p:txBody>
+      </p:sp>
+    </p:spTree>
+    <p:extLst>
+      <p:ext uri="{BB962C8B-B14F-4D97-AF65-F5344CB8AC3E}">
+        <p14:creationId xmlns:p14="http://schemas.microsoft.com/office/powerpoint/2010/main" val="1704775506"/>
+      </p:ext>
+    </p:extLst>
+  </p:cSld>
+  <p:clrMapOvr>
+    <a:masterClrMapping/>
+  </p:clrMapOvr>
+  <p:timing>
+    <p:tnLst>
+      <p:par>
+        <p:cTn id="1" dur="indefinite" restart="never" nodeType="tmRoot"/>
+      </p:par>
+    </p:tnLst>
+  </p:timing>
+</p:sld>
+</file>
+
+<file path=ppt/slides/slide53.xml><?xml version="1.0" encoding="utf-8"?>
+<p:sld xmlns:a="http://schemas.openxmlformats.org/drawingml/2006/main" xmlns:r="http://schemas.openxmlformats.org/officeDocument/2006/relationships" xmlns:p="http://schemas.openxmlformats.org/presentationml/2006/main">
+  <p:cSld>
+    <p:spTree>
+      <p:nvGrpSpPr>
+        <p:cNvPr id="1" name=""/>
+        <p:cNvGrpSpPr/>
+        <p:nvPr/>
+      </p:nvGrpSpPr>
+      <p:grpSpPr>
+        <a:xfrm>
+          <a:off x="0" y="0"/>
+          <a:ext cx="0" cy="0"/>
+          <a:chOff x="0" y="0"/>
+          <a:chExt cx="0" cy="0"/>
+        </a:xfrm>
+      </p:grpSpPr>
+      <p:pic>
+        <p:nvPicPr>
+          <p:cNvPr id="4" name="Picture 3"/>
+          <p:cNvPicPr>
+            <a:picLocks noChangeAspect="1"/>
+          </p:cNvPicPr>
+          <p:nvPr/>
+        </p:nvPicPr>
+        <p:blipFill>
+          <a:blip r:embed="rId3" cstate="print">
+            <a:extLst>
+              <a:ext uri="{28A0092B-C50C-407E-A947-70E740481C1C}">
+                <a14:useLocalDpi xmlns:a14="http://schemas.microsoft.com/office/drawing/2010/main"/>
+              </a:ext>
+            </a:extLst>
+          </a:blip>
+          <a:stretch>
+            <a:fillRect/>
+          </a:stretch>
+        </p:blipFill>
+        <p:spPr>
+          <a:xfrm>
+            <a:off x="600923" y="1756999"/>
+            <a:ext cx="1770424" cy="1770424"/>
+          </a:xfrm>
+          <a:prstGeom prst="rect">
+            <a:avLst/>
+          </a:prstGeom>
+        </p:spPr>
+      </p:pic>
+      <p:sp>
+        <p:nvSpPr>
+          <p:cNvPr id="2" name="Title 1"/>
+          <p:cNvSpPr>
+            <a:spLocks noGrp="1"/>
+          </p:cNvSpPr>
+          <p:nvPr>
+            <p:ph type="title"/>
+          </p:nvPr>
+        </p:nvSpPr>
+        <p:spPr>
+          <a:xfrm>
+            <a:off x="533400" y="651688"/>
+            <a:ext cx="1905470" cy="475562"/>
+          </a:xfrm>
+        </p:spPr>
+        <p:txBody>
+          <a:bodyPr/>
+          <a:lstStyle/>
+          <a:p>
+            <a:r>
+              <a:rPr lang="en-US" dirty="0">
+                <a:latin typeface="Arial" charset="0"/>
+                <a:ea typeface="Arial" charset="0"/>
+                <a:cs typeface="Arial" charset="0"/>
+              </a:rPr>
+              <a:t>Demo</a:t>
+            </a:r>
+            <a:endParaRPr lang="en-US" dirty="0">
+              <a:solidFill>
+                <a:schemeClr val="accent2"/>
+              </a:solidFill>
+              <a:latin typeface="Arial" charset="0"/>
+              <a:ea typeface="Arial" charset="0"/>
+              <a:cs typeface="Arial" charset="0"/>
+            </a:endParaRPr>
+          </a:p>
+        </p:txBody>
+      </p:sp>
+      <p:sp>
+        <p:nvSpPr>
+          <p:cNvPr id="6" name="TextBox 5"/>
+          <p:cNvSpPr txBox="1"/>
+          <p:nvPr/>
+        </p:nvSpPr>
+        <p:spPr>
+          <a:xfrm>
+            <a:off x="3581400" y="2988814"/>
+            <a:ext cx="4607481" cy="1077218"/>
+          </a:xfrm>
+          <a:prstGeom prst="rect">
+            <a:avLst/>
+          </a:prstGeom>
+          <a:noFill/>
+        </p:spPr>
+        <p:txBody>
+          <a:bodyPr wrap="square" rtlCol="0">
+            <a:spAutoFit/>
+          </a:bodyPr>
+          <a:lstStyle/>
+          <a:p>
+            <a:pPr>
+              <a:spcBef>
+                <a:spcPts val="450"/>
+              </a:spcBef>
+              <a:buClr>
+                <a:schemeClr val="accent2"/>
+              </a:buClr>
+            </a:pPr>
+            <a:r>
+              <a:rPr lang="en-US" sz="3200" dirty="0" smtClean="0">
+                <a:solidFill>
+                  <a:schemeClr val="accent4"/>
+                </a:solidFill>
+              </a:rPr>
+              <a:t>Convert the record into </a:t>
+            </a:r>
+            <a:r>
+              <a:rPr lang="en-US" sz="3200" smtClean="0">
+                <a:solidFill>
+                  <a:schemeClr val="accent4"/>
+                </a:solidFill>
+              </a:rPr>
+              <a:t>a Progress Note</a:t>
+            </a:r>
+            <a:endParaRPr lang="en-US" sz="3200" dirty="0">
+              <a:solidFill>
+                <a:schemeClr val="accent4"/>
+              </a:solidFill>
+            </a:endParaRPr>
+          </a:p>
+        </p:txBody>
+      </p:sp>
+    </p:spTree>
+    <p:extLst>
+      <p:ext uri="{BB962C8B-B14F-4D97-AF65-F5344CB8AC3E}">
+        <p14:creationId xmlns:p14="http://schemas.microsoft.com/office/powerpoint/2010/main" val="478338599"/>
+      </p:ext>
+    </p:extLst>
+  </p:cSld>
+  <p:clrMapOvr>
+    <a:masterClrMapping/>
+  </p:clrMapOvr>
+  <mc:AlternateContent xmlns:mc="http://schemas.openxmlformats.org/markup-compatibility/2006" xmlns:p14="http://schemas.microsoft.com/office/powerpoint/2010/main">
+    <mc:Choice Requires="p14">
+      <p:transition spd="slow" p14:dur="2000"/>
+    </mc:Choice>
+    <mc:Fallback xmlns="">
+      <p:transition spd="slow"/>
+    </mc:Fallback>
+  </mc:AlternateContent>
+  <p:timing>
+    <p:tnLst>
+      <p:par>
+        <p:cTn id="1" dur="indefinite" restart="never" nodeType="tmRoot"/>
+      </p:par>
+    </p:tnLst>
+  </p:timing>
+</p:sld>
+</file>
+
 <file path=ppt/slides/slide54.xml><?xml version="1.0" encoding="utf-8"?>
 <p:sld xmlns:a="http://schemas.openxmlformats.org/drawingml/2006/main" xmlns:r="http://schemas.openxmlformats.org/officeDocument/2006/relationships" xmlns:p="http://schemas.openxmlformats.org/presentationml/2006/main">
   <p:cSld>
@@ -34711,7 +34603,7 @@
                 <a:ea typeface="Arial" charset="0"/>
                 <a:cs typeface="Arial" charset="0"/>
               </a:rPr>
-              <a:t>Composition resource</a:t>
+              <a:t>Implementation Guide</a:t>
             </a:r>
             <a:endParaRPr lang="en-US" dirty="0">
               <a:solidFill>
@@ -34732,8 +34624,8 @@
         </p:nvSpPr>
         <p:spPr>
           <a:xfrm>
-            <a:off x="556801" y="1898342"/>
-            <a:ext cx="7066547" cy="4402487"/>
+            <a:off x="990600" y="1927092"/>
+            <a:ext cx="8858402" cy="3540456"/>
           </a:xfrm>
           <a:prstGeom prst="rect">
             <a:avLst/>
@@ -34764,8 +34656,25 @@
                 <a:ea typeface="Arial" charset="0"/>
                 <a:cs typeface="Arial" charset="0"/>
               </a:rPr>
-              <a:t>Document header</a:t>
-            </a:r>
+              <a:t>Brings all the artifacts </a:t>
+            </a:r>
+            <a:r>
+              <a:rPr lang="en-US" sz="1867" dirty="0" smtClean="0">
+                <a:solidFill>
+                  <a:schemeClr val="accent4"/>
+                </a:solidFill>
+                <a:ea typeface="Arial" charset="0"/>
+                <a:cs typeface="Arial" charset="0"/>
+              </a:rPr>
+              <a:t>together for a specific reason</a:t>
+            </a:r>
+            <a:endParaRPr lang="en-US" sz="1867" dirty="0">
+              <a:solidFill>
+                <a:schemeClr val="accent4"/>
+              </a:solidFill>
+              <a:ea typeface="Arial" charset="0"/>
+              <a:cs typeface="Arial" charset="0"/>
+            </a:endParaRPr>
           </a:p>
           <a:p>
             <a:pPr marL="990517" lvl="1" indent="-380990">
@@ -34779,14 +34688,24 @@
               <a:buChar char="‣"/>
             </a:pPr>
             <a:r>
-              <a:rPr lang="en-US" sz="1867" dirty="0">
+              <a:rPr lang="en-US" sz="1867" dirty="0" err="1" smtClean="0">
                 <a:solidFill>
                   <a:schemeClr val="accent4"/>
                 </a:solidFill>
                 <a:ea typeface="Arial" charset="0"/>
                 <a:cs typeface="Arial" charset="0"/>
               </a:rPr>
-              <a:t>Document type</a:t>
+              <a:t>Eg</a:t>
+            </a:r>
+            <a:r>
+              <a:rPr lang="en-US" sz="1867" dirty="0" smtClean="0">
+                <a:solidFill>
+                  <a:schemeClr val="accent4"/>
+                </a:solidFill>
+                <a:ea typeface="Arial" charset="0"/>
+                <a:cs typeface="Arial" charset="0"/>
+              </a:rPr>
+              <a:t> US Core, UK CareConnect, CCDA on FHIR</a:t>
             </a:r>
           </a:p>
           <a:p>
@@ -34801,32 +34720,77 @@
               <a:buChar char="‣"/>
             </a:pPr>
             <a:r>
-              <a:rPr lang="en-US" sz="1867" dirty="0">
+              <a:rPr lang="en-US" sz="1867" dirty="0" smtClean="0">
                 <a:solidFill>
                   <a:schemeClr val="accent4"/>
                 </a:solidFill>
                 <a:ea typeface="Arial" charset="0"/>
                 <a:cs typeface="Arial" charset="0"/>
               </a:rPr>
-              <a:t>References to Patient, Author, Custodian </a:t>
-            </a:r>
-            <a:r>
-              <a:rPr lang="mr-IN" sz="1867" dirty="0">
+              <a:t>Registry at </a:t>
+            </a:r>
+            <a:r>
+              <a:rPr lang="en-US" sz="1867" dirty="0" err="1" smtClean="0">
                 <a:solidFill>
                   <a:schemeClr val="accent4"/>
                 </a:solidFill>
                 <a:ea typeface="Arial" charset="0"/>
                 <a:cs typeface="Arial" charset="0"/>
               </a:rPr>
-              <a:t>…</a:t>
-            </a:r>
-            <a:endParaRPr lang="en-US" sz="1867" dirty="0">
-              <a:solidFill>
-                <a:schemeClr val="accent4"/>
-              </a:solidFill>
-              <a:ea typeface="Arial" charset="0"/>
-              <a:cs typeface="Arial" charset="0"/>
-            </a:endParaRPr>
+              <a:t>FHIR.org</a:t>
+            </a:r>
+            <a:r>
+              <a:rPr lang="en-US" sz="1867" dirty="0">
+                <a:solidFill>
+                  <a:schemeClr val="accent4"/>
+                </a:solidFill>
+                <a:ea typeface="Arial" charset="0"/>
+                <a:cs typeface="Arial" charset="0"/>
+              </a:rPr>
+              <a:t> (http://</a:t>
+            </a:r>
+            <a:r>
+              <a:rPr lang="en-US" sz="1867" dirty="0" err="1" smtClean="0">
+                <a:solidFill>
+                  <a:schemeClr val="accent4"/>
+                </a:solidFill>
+                <a:ea typeface="Arial" charset="0"/>
+                <a:cs typeface="Arial" charset="0"/>
+              </a:rPr>
+              <a:t>www.fhir.org</a:t>
+            </a:r>
+            <a:r>
+              <a:rPr lang="en-US" sz="1867" dirty="0" smtClean="0">
+                <a:solidFill>
+                  <a:schemeClr val="accent4"/>
+                </a:solidFill>
+                <a:ea typeface="Arial" charset="0"/>
+                <a:cs typeface="Arial" charset="0"/>
+              </a:rPr>
+              <a:t>/guides/registry)</a:t>
+            </a:r>
+          </a:p>
+          <a:p>
+            <a:pPr marL="533317" indent="-380990">
+              <a:lnSpc>
+                <a:spcPct val="150000"/>
+              </a:lnSpc>
+              <a:buClr>
+                <a:schemeClr val="accent2"/>
+              </a:buClr>
+              <a:buFont typeface="LucidaGrande" charset="0"/>
+              <a:buChar char="‣"/>
+            </a:pPr>
+            <a:r>
+              <a:rPr lang="en-US" sz="1867" dirty="0" smtClean="0">
+                <a:solidFill>
+                  <a:schemeClr val="accent4"/>
+                </a:solidFill>
+                <a:ea typeface="Arial" charset="0"/>
+                <a:cs typeface="Arial" charset="0"/>
+              </a:rPr>
+              <a:t>Includes</a:t>
+            </a:r>
           </a:p>
           <a:p>
             <a:pPr marL="990517" lvl="1" indent="-380990">
@@ -34840,80 +34804,24 @@
               <a:buChar char="‣"/>
             </a:pPr>
             <a:r>
-              <a:rPr lang="en-US" sz="1867" dirty="0">
+              <a:rPr lang="en-US" sz="1867" dirty="0" err="1" smtClean="0">
                 <a:solidFill>
                   <a:schemeClr val="accent4"/>
                 </a:solidFill>
                 <a:ea typeface="Arial" charset="0"/>
                 <a:cs typeface="Arial" charset="0"/>
               </a:rPr>
-              <a:t>Equivalent to:</a:t>
-            </a:r>
-          </a:p>
-          <a:p>
-            <a:pPr marL="1600043" lvl="2" indent="-380990">
-              <a:lnSpc>
-                <a:spcPct val="150000"/>
-              </a:lnSpc>
-              <a:buClr>
-                <a:schemeClr val="accent2"/>
-              </a:buClr>
-              <a:buFont typeface="LucidaGrande" charset="0"/>
-              <a:buChar char="‣"/>
-            </a:pPr>
-            <a:r>
-              <a:rPr lang="en-US" sz="1867" dirty="0">
+              <a:t>StructureDefinition</a:t>
+            </a:r>
+            <a:r>
+              <a:rPr lang="en-US" sz="1867" dirty="0" smtClean="0">
                 <a:solidFill>
                   <a:schemeClr val="accent4"/>
                 </a:solidFill>
                 <a:ea typeface="Arial" charset="0"/>
                 <a:cs typeface="Arial" charset="0"/>
               </a:rPr>
-              <a:t>CDA header</a:t>
-            </a:r>
-          </a:p>
-          <a:p>
-            <a:pPr marL="1600043" lvl="2" indent="-380990">
-              <a:lnSpc>
-                <a:spcPct val="150000"/>
-              </a:lnSpc>
-              <a:buClr>
-                <a:schemeClr val="accent2"/>
-              </a:buClr>
-              <a:buFont typeface="LucidaGrande" charset="0"/>
-              <a:buChar char="‣"/>
-            </a:pPr>
-            <a:r>
-              <a:rPr lang="en-US" sz="1867" dirty="0">
-                <a:solidFill>
-                  <a:schemeClr val="accent4"/>
-                </a:solidFill>
-                <a:ea typeface="Arial" charset="0"/>
-                <a:cs typeface="Arial" charset="0"/>
-              </a:rPr>
-              <a:t>IHE XDS metadata</a:t>
-            </a:r>
-          </a:p>
-          <a:p>
-            <a:pPr marL="380990" indent="-380990">
-              <a:lnSpc>
-                <a:spcPct val="150000"/>
-              </a:lnSpc>
-              <a:buClr>
-                <a:schemeClr val="accent2"/>
-              </a:buClr>
-              <a:buFont typeface="LucidaGrande" charset="0"/>
-              <a:buChar char="‣"/>
-            </a:pPr>
-            <a:r>
-              <a:rPr lang="en-US" sz="1867" dirty="0">
-                <a:solidFill>
-                  <a:schemeClr val="accent4"/>
-                </a:solidFill>
-                <a:ea typeface="Arial" charset="0"/>
-                <a:cs typeface="Arial" charset="0"/>
-              </a:rPr>
-              <a:t>Sections (headings)</a:t>
+              <a:t> (Profiles and Extension Definitions)</a:t>
             </a:r>
           </a:p>
           <a:p>
@@ -34928,18 +34836,28 @@
               <a:buChar char="‣"/>
             </a:pPr>
             <a:r>
-              <a:rPr lang="en-US" sz="1867" dirty="0">
+              <a:rPr lang="en-US" sz="1867" dirty="0" err="1" smtClean="0">
                 <a:solidFill>
                   <a:schemeClr val="accent4"/>
                 </a:solidFill>
                 <a:ea typeface="Arial" charset="0"/>
                 <a:cs typeface="Arial" charset="0"/>
               </a:rPr>
-              <a:t>Contents are text and structured/coded data</a:t>
-            </a:r>
-          </a:p>
-          <a:p>
-            <a:pPr marL="380990" indent="-380990">
+              <a:t>ValueSets</a:t>
+            </a:r>
+            <a:r>
+              <a:rPr lang="en-US" sz="1867" dirty="0" smtClean="0">
+                <a:solidFill>
+                  <a:schemeClr val="accent4"/>
+                </a:solidFill>
+                <a:ea typeface="Arial" charset="0"/>
+                <a:cs typeface="Arial" charset="0"/>
+              </a:rPr>
+              <a:t> &amp; other Terminology related</a:t>
+            </a:r>
+          </a:p>
+          <a:p>
+            <a:pPr marL="990517" lvl="1" indent="-380990">
               <a:lnSpc>
                 <a:spcPct val="150000"/>
               </a:lnSpc>
@@ -34950,28 +34868,18 @@
               <a:buChar char="‣"/>
             </a:pPr>
             <a:r>
-              <a:rPr lang="en-US" sz="1867" dirty="0">
+              <a:rPr lang="en-US" sz="1867" dirty="0" smtClean="0">
                 <a:solidFill>
                   <a:schemeClr val="accent4"/>
                 </a:solidFill>
                 <a:ea typeface="Arial" charset="0"/>
                 <a:cs typeface="Arial" charset="0"/>
               </a:rPr>
-              <a:t>Rules for </a:t>
-            </a:r>
-            <a:r>
-              <a:rPr lang="en-US" sz="1867" dirty="0" smtClean="0">
-                <a:solidFill>
-                  <a:schemeClr val="accent4"/>
-                </a:solidFill>
-                <a:ea typeface="Arial" charset="0"/>
-                <a:cs typeface="Arial" charset="0"/>
-              </a:rPr>
-              <a:t>rendering</a:t>
-            </a:r>
-          </a:p>
-          <a:p>
-            <a:pPr marL="380990" indent="-380990">
+              <a:t>Examples</a:t>
+            </a:r>
+          </a:p>
+          <a:p>
+            <a:pPr marL="990517" lvl="1" indent="-380990">
               <a:lnSpc>
                 <a:spcPct val="150000"/>
               </a:lnSpc>
@@ -34989,42 +34897,15 @@
                 <a:ea typeface="Arial" charset="0"/>
                 <a:cs typeface="Arial" charset="0"/>
               </a:rPr>
-              <a:t>Can be profiled (</a:t>
-            </a:r>
-            <a:r>
-              <a:rPr lang="en-US" sz="1867" dirty="0" err="1" smtClean="0">
-                <a:solidFill>
-                  <a:schemeClr val="accent4"/>
-                </a:solidFill>
-                <a:ea typeface="Arial" charset="0"/>
-                <a:cs typeface="Arial" charset="0"/>
-              </a:rPr>
-              <a:t>ie</a:t>
-            </a:r>
-            <a:r>
-              <a:rPr lang="en-US" sz="1867" dirty="0" smtClean="0">
-                <a:solidFill>
-                  <a:schemeClr val="accent4"/>
-                </a:solidFill>
-                <a:ea typeface="Arial" charset="0"/>
-                <a:cs typeface="Arial" charset="0"/>
-              </a:rPr>
-              <a:t> specific document types)</a:t>
-            </a:r>
-            <a:endParaRPr lang="en-US" sz="1867" dirty="0">
-              <a:solidFill>
-                <a:schemeClr val="accent4"/>
-              </a:solidFill>
-              <a:ea typeface="Arial" charset="0"/>
-              <a:cs typeface="Arial" charset="0"/>
-            </a:endParaRPr>
+              <a:t>Documentation</a:t>
+            </a:r>
           </a:p>
         </p:txBody>
       </p:sp>
     </p:spTree>
     <p:extLst>
       <p:ext uri="{BB962C8B-B14F-4D97-AF65-F5344CB8AC3E}">
-        <p14:creationId xmlns:p14="http://schemas.microsoft.com/office/powerpoint/2010/main" val="1704775506"/>
+        <p14:creationId xmlns:p14="http://schemas.microsoft.com/office/powerpoint/2010/main" val="1248533004"/>
       </p:ext>
     </p:extLst>
   </p:cSld>
@@ -35136,7 +35017,7 @@
         <p:spPr>
           <a:xfrm>
             <a:off x="3581400" y="2988814"/>
-            <a:ext cx="4607481" cy="1077218"/>
+            <a:ext cx="6248400" cy="1077218"/>
           </a:xfrm>
           <a:prstGeom prst="rect">
             <a:avLst/>
@@ -35163,15 +35044,37 @@
                   <a:schemeClr val="accent4"/>
                 </a:solidFill>
               </a:rPr>
-              <a:t>Convert the record into </a:t>
-            </a:r>
-            <a:r>
-              <a:rPr lang="en-US" sz="3200" smtClean="0">
-                <a:solidFill>
-                  <a:schemeClr val="accent4"/>
-                </a:solidFill>
-              </a:rPr>
-              <a:t>a Progress Note</a:t>
+              <a:t>View Implementation Guide at </a:t>
+            </a:r>
+            <a:r>
+              <a:rPr lang="en-US" sz="3200" dirty="0">
+                <a:solidFill>
+                  <a:schemeClr val="accent4"/>
+                </a:solidFill>
+                <a:ea typeface="Arial" charset="0"/>
+                <a:cs typeface="Arial" charset="0"/>
+              </a:rPr>
+              <a:t>http://</a:t>
+            </a:r>
+            <a:r>
+              <a:rPr lang="en-US" sz="3200" dirty="0" err="1">
+                <a:solidFill>
+                  <a:schemeClr val="accent4"/>
+                </a:solidFill>
+                <a:ea typeface="Arial" charset="0"/>
+                <a:cs typeface="Arial" charset="0"/>
+              </a:rPr>
+              <a:t>www.fhir.org</a:t>
+            </a:r>
+            <a:r>
+              <a:rPr lang="en-US" sz="3200" dirty="0">
+                <a:solidFill>
+                  <a:schemeClr val="accent4"/>
+                </a:solidFill>
+                <a:ea typeface="Arial" charset="0"/>
+                <a:cs typeface="Arial" charset="0"/>
+              </a:rPr>
+              <a:t>/guides/registry</a:t>
             </a:r>
             <a:endParaRPr lang="en-US" sz="3200" dirty="0">
               <a:solidFill>
@@ -35184,7 +35087,7 @@
     </p:spTree>
     <p:extLst>
       <p:ext uri="{BB962C8B-B14F-4D97-AF65-F5344CB8AC3E}">
-        <p14:creationId xmlns:p14="http://schemas.microsoft.com/office/powerpoint/2010/main" val="478338599"/>
+        <p14:creationId xmlns:p14="http://schemas.microsoft.com/office/powerpoint/2010/main" val="1898511794"/>
       </p:ext>
     </p:extLst>
   </p:cSld>
@@ -35228,7 +35131,7 @@
       </p:grpSpPr>
       <p:sp>
         <p:nvSpPr>
-          <p:cNvPr id="2" name="Title 1"/>
+          <p:cNvPr id="4" name="Title 3"/>
           <p:cNvSpPr>
             <a:spLocks noGrp="1"/>
           </p:cNvSpPr>
@@ -35242,314 +35145,48 @@
           <a:lstStyle/>
           <a:p>
             <a:r>
-              <a:rPr lang="en-US" dirty="0" smtClean="0">
-                <a:latin typeface="Arial" charset="0"/>
-                <a:ea typeface="Arial" charset="0"/>
-                <a:cs typeface="Arial" charset="0"/>
-              </a:rPr>
-              <a:t>Implementation Guide</a:t>
-            </a:r>
-            <a:endParaRPr lang="en-US" dirty="0">
-              <a:solidFill>
-                <a:schemeClr val="accent2"/>
-              </a:solidFill>
-              <a:latin typeface="Arial" charset="0"/>
-              <a:ea typeface="Arial" charset="0"/>
-              <a:cs typeface="Arial" charset="0"/>
-            </a:endParaRPr>
+              <a:rPr lang="en-US" dirty="0" smtClean="0"/>
+              <a:t>Associated Standards</a:t>
+            </a:r>
+            <a:endParaRPr lang="en-US" dirty="0"/>
           </a:p>
         </p:txBody>
       </p:sp>
       <p:sp>
         <p:nvSpPr>
-          <p:cNvPr id="9" name="TextBox 8"/>
-          <p:cNvSpPr txBox="1"/>
-          <p:nvPr/>
+          <p:cNvPr id="5" name="Content Placeholder 4"/>
+          <p:cNvSpPr>
+            <a:spLocks noGrp="1"/>
+          </p:cNvSpPr>
+          <p:nvPr>
+            <p:ph idx="1"/>
+          </p:nvPr>
         </p:nvSpPr>
-        <p:spPr>
-          <a:xfrm>
-            <a:off x="990600" y="1927092"/>
-            <a:ext cx="8858402" cy="3540456"/>
-          </a:xfrm>
-          <a:prstGeom prst="rect">
-            <a:avLst/>
-          </a:prstGeom>
-          <a:noFill/>
-        </p:spPr>
+        <p:spPr/>
         <p:txBody>
-          <a:bodyPr wrap="square" rtlCol="0">
-            <a:spAutoFit/>
-          </a:bodyPr>
+          <a:bodyPr/>
           <a:lstStyle/>
           <a:p>
-            <a:pPr marL="380990" indent="-380990">
-              <a:lnSpc>
-                <a:spcPct val="150000"/>
-              </a:lnSpc>
-              <a:buClr>
-                <a:schemeClr val="accent2"/>
-              </a:buClr>
-              <a:buFont typeface="LucidaGrande" charset="0"/>
-              <a:buChar char="‣"/>
-            </a:pPr>
-            <a:r>
-              <a:rPr lang="en-US" sz="1867" dirty="0">
-                <a:solidFill>
-                  <a:schemeClr val="accent4"/>
-                </a:solidFill>
-                <a:ea typeface="Arial" charset="0"/>
-                <a:cs typeface="Arial" charset="0"/>
-              </a:rPr>
-              <a:t>Brings all the artifacts </a:t>
-            </a:r>
-            <a:r>
-              <a:rPr lang="en-US" sz="1867" dirty="0" smtClean="0">
-                <a:solidFill>
-                  <a:schemeClr val="accent4"/>
-                </a:solidFill>
-                <a:ea typeface="Arial" charset="0"/>
-                <a:cs typeface="Arial" charset="0"/>
-              </a:rPr>
-              <a:t>together for a specific reason</a:t>
-            </a:r>
-            <a:endParaRPr lang="en-US" sz="1867" dirty="0">
-              <a:solidFill>
-                <a:schemeClr val="accent4"/>
-              </a:solidFill>
-              <a:ea typeface="Arial" charset="0"/>
-              <a:cs typeface="Arial" charset="0"/>
-            </a:endParaRPr>
-          </a:p>
-          <a:p>
-            <a:pPr marL="990517" lvl="1" indent="-380990">
-              <a:lnSpc>
-                <a:spcPct val="150000"/>
-              </a:lnSpc>
-              <a:buClr>
-                <a:schemeClr val="accent2"/>
-              </a:buClr>
-              <a:buFont typeface="LucidaGrande" charset="0"/>
-              <a:buChar char="‣"/>
-            </a:pPr>
-            <a:r>
-              <a:rPr lang="en-US" sz="1867" dirty="0" err="1" smtClean="0">
-                <a:solidFill>
-                  <a:schemeClr val="accent4"/>
-                </a:solidFill>
-                <a:ea typeface="Arial" charset="0"/>
-                <a:cs typeface="Arial" charset="0"/>
-              </a:rPr>
-              <a:t>Eg</a:t>
-            </a:r>
-            <a:r>
-              <a:rPr lang="en-US" sz="1867" dirty="0" smtClean="0">
-                <a:solidFill>
-                  <a:schemeClr val="accent4"/>
-                </a:solidFill>
-                <a:ea typeface="Arial" charset="0"/>
-                <a:cs typeface="Arial" charset="0"/>
-              </a:rPr>
-              <a:t> US Core, UK CareConnect, CCDA on FHIR</a:t>
-            </a:r>
-          </a:p>
-          <a:p>
-            <a:pPr marL="990517" lvl="1" indent="-380990">
-              <a:lnSpc>
-                <a:spcPct val="150000"/>
-              </a:lnSpc>
-              <a:buClr>
-                <a:schemeClr val="accent2"/>
-              </a:buClr>
-              <a:buFont typeface="LucidaGrande" charset="0"/>
-              <a:buChar char="‣"/>
-            </a:pPr>
-            <a:r>
-              <a:rPr lang="en-US" sz="1867" dirty="0" smtClean="0">
-                <a:solidFill>
-                  <a:schemeClr val="accent4"/>
-                </a:solidFill>
-                <a:ea typeface="Arial" charset="0"/>
-                <a:cs typeface="Arial" charset="0"/>
-              </a:rPr>
-              <a:t>Registry at </a:t>
-            </a:r>
-            <a:r>
-              <a:rPr lang="en-US" sz="1867" dirty="0" err="1" smtClean="0">
-                <a:solidFill>
-                  <a:schemeClr val="accent4"/>
-                </a:solidFill>
-                <a:ea typeface="Arial" charset="0"/>
-                <a:cs typeface="Arial" charset="0"/>
-              </a:rPr>
-              <a:t>FHIR.org</a:t>
-            </a:r>
-            <a:r>
-              <a:rPr lang="en-US" sz="1867" dirty="0">
-                <a:solidFill>
-                  <a:schemeClr val="accent4"/>
-                </a:solidFill>
-                <a:ea typeface="Arial" charset="0"/>
-                <a:cs typeface="Arial" charset="0"/>
-              </a:rPr>
-              <a:t> (http://</a:t>
-            </a:r>
-            <a:r>
-              <a:rPr lang="en-US" sz="1867" dirty="0" err="1" smtClean="0">
-                <a:solidFill>
-                  <a:schemeClr val="accent4"/>
-                </a:solidFill>
-                <a:ea typeface="Arial" charset="0"/>
-                <a:cs typeface="Arial" charset="0"/>
-              </a:rPr>
-              <a:t>www.fhir.org</a:t>
-            </a:r>
-            <a:r>
-              <a:rPr lang="en-US" sz="1867" dirty="0" smtClean="0">
-                <a:solidFill>
-                  <a:schemeClr val="accent4"/>
-                </a:solidFill>
-                <a:ea typeface="Arial" charset="0"/>
-                <a:cs typeface="Arial" charset="0"/>
-              </a:rPr>
-              <a:t>/guides/registry)</a:t>
-            </a:r>
-          </a:p>
-          <a:p>
-            <a:pPr marL="533317" indent="-380990">
-              <a:lnSpc>
-                <a:spcPct val="150000"/>
-              </a:lnSpc>
-              <a:buClr>
-                <a:schemeClr val="accent2"/>
-              </a:buClr>
-              <a:buFont typeface="LucidaGrande" charset="0"/>
-              <a:buChar char="‣"/>
-            </a:pPr>
-            <a:r>
-              <a:rPr lang="en-US" sz="1867" dirty="0" smtClean="0">
-                <a:solidFill>
-                  <a:schemeClr val="accent4"/>
-                </a:solidFill>
-                <a:ea typeface="Arial" charset="0"/>
-                <a:cs typeface="Arial" charset="0"/>
-              </a:rPr>
-              <a:t>Includes</a:t>
-            </a:r>
-          </a:p>
-          <a:p>
-            <a:pPr marL="990517" lvl="1" indent="-380990">
-              <a:lnSpc>
-                <a:spcPct val="150000"/>
-              </a:lnSpc>
-              <a:buClr>
-                <a:schemeClr val="accent2"/>
-              </a:buClr>
-              <a:buFont typeface="LucidaGrande" charset="0"/>
-              <a:buChar char="‣"/>
-            </a:pPr>
-            <a:r>
-              <a:rPr lang="en-US" sz="1867" dirty="0" err="1" smtClean="0">
-                <a:solidFill>
-                  <a:schemeClr val="accent4"/>
-                </a:solidFill>
-                <a:ea typeface="Arial" charset="0"/>
-                <a:cs typeface="Arial" charset="0"/>
-              </a:rPr>
-              <a:t>StructureDefinition</a:t>
-            </a:r>
-            <a:r>
-              <a:rPr lang="en-US" sz="1867" dirty="0" smtClean="0">
-                <a:solidFill>
-                  <a:schemeClr val="accent4"/>
-                </a:solidFill>
-                <a:ea typeface="Arial" charset="0"/>
-                <a:cs typeface="Arial" charset="0"/>
-              </a:rPr>
-              <a:t> (Profiles and Extension Definitions)</a:t>
-            </a:r>
-          </a:p>
-          <a:p>
-            <a:pPr marL="990517" lvl="1" indent="-380990">
-              <a:lnSpc>
-                <a:spcPct val="150000"/>
-              </a:lnSpc>
-              <a:buClr>
-                <a:schemeClr val="accent2"/>
-              </a:buClr>
-              <a:buFont typeface="LucidaGrande" charset="0"/>
-              <a:buChar char="‣"/>
-            </a:pPr>
-            <a:r>
-              <a:rPr lang="en-US" sz="1867" dirty="0" err="1" smtClean="0">
-                <a:solidFill>
-                  <a:schemeClr val="accent4"/>
-                </a:solidFill>
-                <a:ea typeface="Arial" charset="0"/>
-                <a:cs typeface="Arial" charset="0"/>
-              </a:rPr>
-              <a:t>ValueSets</a:t>
-            </a:r>
-            <a:r>
-              <a:rPr lang="en-US" sz="1867" dirty="0" smtClean="0">
-                <a:solidFill>
-                  <a:schemeClr val="accent4"/>
-                </a:solidFill>
-                <a:ea typeface="Arial" charset="0"/>
-                <a:cs typeface="Arial" charset="0"/>
-              </a:rPr>
-              <a:t> &amp; other Terminology related</a:t>
-            </a:r>
-          </a:p>
-          <a:p>
-            <a:pPr marL="990517" lvl="1" indent="-380990">
-              <a:lnSpc>
-                <a:spcPct val="150000"/>
-              </a:lnSpc>
-              <a:buClr>
-                <a:schemeClr val="accent2"/>
-              </a:buClr>
-              <a:buFont typeface="LucidaGrande" charset="0"/>
-              <a:buChar char="‣"/>
-            </a:pPr>
-            <a:r>
-              <a:rPr lang="en-US" sz="1867" dirty="0" smtClean="0">
-                <a:solidFill>
-                  <a:schemeClr val="accent4"/>
-                </a:solidFill>
-                <a:ea typeface="Arial" charset="0"/>
-                <a:cs typeface="Arial" charset="0"/>
-              </a:rPr>
-              <a:t>Examples</a:t>
-            </a:r>
-          </a:p>
-          <a:p>
-            <a:pPr marL="990517" lvl="1" indent="-380990">
-              <a:lnSpc>
-                <a:spcPct val="150000"/>
-              </a:lnSpc>
-              <a:buClr>
-                <a:schemeClr val="accent2"/>
-              </a:buClr>
-              <a:buFont typeface="LucidaGrande" charset="0"/>
-              <a:buChar char="‣"/>
-            </a:pPr>
-            <a:r>
-              <a:rPr lang="en-US" sz="1867" dirty="0" smtClean="0">
-                <a:solidFill>
-                  <a:schemeClr val="accent4"/>
-                </a:solidFill>
-                <a:ea typeface="Arial" charset="0"/>
-                <a:cs typeface="Arial" charset="0"/>
-              </a:rPr>
-              <a:t>Documentation</a:t>
-            </a:r>
+            <a:r>
+              <a:rPr lang="en-US" dirty="0" smtClean="0"/>
+              <a:t>SMART</a:t>
+            </a:r>
+          </a:p>
+          <a:p>
+            <a:r>
+              <a:rPr lang="en-US" dirty="0" smtClean="0"/>
+              <a:t>CDS-Hooks</a:t>
+            </a:r>
+          </a:p>
+          <a:p>
+            <a:endParaRPr lang="en-US" dirty="0"/>
           </a:p>
         </p:txBody>
       </p:sp>
     </p:spTree>
     <p:extLst>
       <p:ext uri="{BB962C8B-B14F-4D97-AF65-F5344CB8AC3E}">
-        <p14:creationId xmlns:p14="http://schemas.microsoft.com/office/powerpoint/2010/main" val="1248533004"/>
+        <p14:creationId xmlns:p14="http://schemas.microsoft.com/office/powerpoint/2010/main" val="362915839"/>
       </p:ext>
     </p:extLst>
   </p:cSld>
@@ -35583,36 +35220,78 @@
           <a:chExt cx="0" cy="0"/>
         </a:xfrm>
       </p:grpSpPr>
-      <p:pic>
-        <p:nvPicPr>
-          <p:cNvPr id="4" name="Picture 3"/>
-          <p:cNvPicPr>
-            <a:picLocks noChangeAspect="1"/>
-          </p:cNvPicPr>
+      <p:cxnSp>
+        <p:nvCxnSpPr>
+          <p:cNvPr id="16" name="Straight Connector 15"/>
+          <p:cNvCxnSpPr/>
           <p:nvPr/>
-        </p:nvPicPr>
-        <p:blipFill>
-          <a:blip r:embed="rId3" cstate="print">
-            <a:extLst>
-              <a:ext uri="{28A0092B-C50C-407E-A947-70E740481C1C}">
-                <a14:useLocalDpi xmlns:a14="http://schemas.microsoft.com/office/drawing/2010/main"/>
-              </a:ext>
-            </a:extLst>
-          </a:blip>
-          <a:stretch>
-            <a:fillRect/>
-          </a:stretch>
-        </p:blipFill>
+        </p:nvCxnSpPr>
         <p:spPr>
           <a:xfrm>
-            <a:off x="600923" y="1756999"/>
-            <a:ext cx="1770424" cy="1770424"/>
+            <a:off x="6577641" y="3599565"/>
+            <a:ext cx="710721" cy="0"/>
           </a:xfrm>
-          <a:prstGeom prst="rect">
+          <a:prstGeom prst="line">
             <a:avLst/>
           </a:prstGeom>
+          <a:ln w="12700">
+            <a:solidFill>
+              <a:schemeClr val="accent2"/>
+            </a:solidFill>
+          </a:ln>
+          <a:effectLst/>
         </p:spPr>
-      </p:pic>
+        <p:style>
+          <a:lnRef idx="2">
+            <a:schemeClr val="accent1"/>
+          </a:lnRef>
+          <a:fillRef idx="0">
+            <a:schemeClr val="accent1"/>
+          </a:fillRef>
+          <a:effectRef idx="1">
+            <a:schemeClr val="accent1"/>
+          </a:effectRef>
+          <a:fontRef idx="minor">
+            <a:schemeClr val="tx1"/>
+          </a:fontRef>
+        </p:style>
+      </p:cxnSp>
+      <p:cxnSp>
+        <p:nvCxnSpPr>
+          <p:cNvPr id="17" name="Straight Connector 16"/>
+          <p:cNvCxnSpPr/>
+          <p:nvPr/>
+        </p:nvCxnSpPr>
+        <p:spPr>
+          <a:xfrm>
+            <a:off x="6577640" y="4495207"/>
+            <a:ext cx="710721" cy="0"/>
+          </a:xfrm>
+          <a:prstGeom prst="line">
+            <a:avLst/>
+          </a:prstGeom>
+          <a:ln w="12700">
+            <a:solidFill>
+              <a:schemeClr val="accent2"/>
+            </a:solidFill>
+          </a:ln>
+          <a:effectLst/>
+        </p:spPr>
+        <p:style>
+          <a:lnRef idx="2">
+            <a:schemeClr val="accent1"/>
+          </a:lnRef>
+          <a:fillRef idx="0">
+            <a:schemeClr val="accent1"/>
+          </a:fillRef>
+          <a:effectRef idx="1">
+            <a:schemeClr val="accent1"/>
+          </a:effectRef>
+          <a:fontRef idx="minor">
+            <a:schemeClr val="tx1"/>
+          </a:fontRef>
+        </p:style>
+      </p:cxnSp>
       <p:sp>
         <p:nvSpPr>
           <p:cNvPr id="2" name="Title 1"/>
@@ -35623,126 +35302,1048 @@
             <p:ph type="title"/>
           </p:nvPr>
         </p:nvSpPr>
-        <p:spPr>
-          <a:xfrm>
-            <a:off x="533400" y="651688"/>
-            <a:ext cx="1905470" cy="475562"/>
-          </a:xfrm>
-        </p:spPr>
+        <p:spPr/>
         <p:txBody>
           <a:bodyPr/>
           <a:lstStyle/>
           <a:p>
             <a:r>
-              <a:rPr lang="en-US" dirty="0">
-                <a:latin typeface="Arial" charset="0"/>
-                <a:ea typeface="Arial" charset="0"/>
-                <a:cs typeface="Arial" charset="0"/>
-              </a:rPr>
-              <a:t>Demo</a:t>
+              <a:rPr lang="en-US" dirty="0" smtClean="0">
+                <a:latin typeface="+mj-lt"/>
+              </a:rPr>
+              <a:t>Security</a:t>
             </a:r>
             <a:endParaRPr lang="en-US" dirty="0">
-              <a:solidFill>
-                <a:schemeClr val="accent2"/>
-              </a:solidFill>
-              <a:latin typeface="Arial" charset="0"/>
-              <a:ea typeface="Arial" charset="0"/>
-              <a:cs typeface="Arial" charset="0"/>
+              <a:latin typeface="+mj-lt"/>
             </a:endParaRPr>
           </a:p>
         </p:txBody>
       </p:sp>
       <p:sp>
         <p:nvSpPr>
-          <p:cNvPr id="6" name="TextBox 5"/>
-          <p:cNvSpPr txBox="1"/>
+          <p:cNvPr id="3" name="Content Placeholder 2"/>
+          <p:cNvSpPr>
+            <a:spLocks noGrp="1"/>
+          </p:cNvSpPr>
+          <p:nvPr>
+            <p:ph idx="1"/>
+          </p:nvPr>
+        </p:nvSpPr>
+        <p:spPr/>
+        <p:txBody>
+          <a:bodyPr/>
+          <a:lstStyle/>
+          <a:p>
+            <a:r>
+              <a:rPr lang="en-US" sz="1867" dirty="0">
+                <a:latin typeface="+mj-lt"/>
+              </a:rPr>
+              <a:t>FHIR is not a security standard</a:t>
+            </a:r>
+          </a:p>
+          <a:p>
+            <a:pPr lvl="1"/>
+            <a:r>
+              <a:rPr lang="en-US" sz="1867" dirty="0">
+                <a:latin typeface="+mj-lt"/>
+              </a:rPr>
+              <a:t>Leverages existing standards – </a:t>
+            </a:r>
+            <a:br>
+              <a:rPr lang="en-US" sz="1867" dirty="0">
+                <a:latin typeface="+mj-lt"/>
+              </a:rPr>
+            </a:br>
+            <a:r>
+              <a:rPr lang="en-US" sz="1867" dirty="0">
+                <a:latin typeface="+mj-lt"/>
+              </a:rPr>
+              <a:t>for example</a:t>
+            </a:r>
+          </a:p>
+          <a:p>
+            <a:pPr lvl="2"/>
+            <a:r>
+              <a:rPr lang="en-US" sz="1867" dirty="0" smtClean="0">
+                <a:latin typeface="+mj-lt"/>
+              </a:rPr>
+              <a:t>HTTPS</a:t>
+            </a:r>
+            <a:endParaRPr lang="en-US" sz="1867" dirty="0">
+              <a:latin typeface="+mj-lt"/>
+            </a:endParaRPr>
+          </a:p>
+          <a:p>
+            <a:pPr lvl="2"/>
+            <a:r>
+              <a:rPr lang="en-US" sz="1867" dirty="0">
+                <a:latin typeface="+mj-lt"/>
+              </a:rPr>
+              <a:t>OAuth2</a:t>
+            </a:r>
+          </a:p>
+          <a:p>
+            <a:r>
+              <a:rPr lang="en-US" sz="1867" dirty="0">
+                <a:latin typeface="+mj-lt"/>
+              </a:rPr>
+              <a:t>SMART</a:t>
+            </a:r>
+          </a:p>
+          <a:p>
+            <a:r>
+              <a:rPr lang="en-US" sz="1867" dirty="0">
+                <a:latin typeface="+mj-lt"/>
+              </a:rPr>
+              <a:t>Support </a:t>
+            </a:r>
+            <a:r>
+              <a:rPr lang="en-US" sz="1867" dirty="0">
+                <a:latin typeface="+mj-lt"/>
+              </a:rPr>
+              <a:t>in the specification</a:t>
+            </a:r>
+          </a:p>
+          <a:p>
+            <a:pPr lvl="1"/>
+            <a:r>
+              <a:rPr lang="en-US" sz="1867" dirty="0">
+                <a:latin typeface="+mj-lt"/>
+              </a:rPr>
+              <a:t>Security tags (metadata)</a:t>
+            </a:r>
+          </a:p>
+          <a:p>
+            <a:pPr lvl="1"/>
+            <a:r>
+              <a:rPr lang="en-US" sz="1867" dirty="0">
+                <a:latin typeface="+mj-lt"/>
+              </a:rPr>
+              <a:t>Specialized resources</a:t>
+            </a:r>
+          </a:p>
+          <a:p>
+            <a:pPr lvl="2"/>
+            <a:r>
+              <a:rPr lang="en-US" sz="1867" dirty="0">
+                <a:latin typeface="+mj-lt"/>
+              </a:rPr>
+              <a:t>Provenance</a:t>
+            </a:r>
+          </a:p>
+          <a:p>
+            <a:pPr lvl="2"/>
+            <a:r>
+              <a:rPr lang="en-US" sz="1867" dirty="0" err="1">
+                <a:latin typeface="+mj-lt"/>
+              </a:rPr>
+              <a:t>AuditEvent</a:t>
+            </a:r>
+            <a:endParaRPr lang="en-US" sz="1867" dirty="0">
+              <a:latin typeface="+mj-lt"/>
+            </a:endParaRPr>
+          </a:p>
+          <a:p>
+            <a:r>
+              <a:rPr lang="en-US" sz="1867" dirty="0">
+                <a:latin typeface="+mj-lt"/>
+              </a:rPr>
+              <a:t>More detail</a:t>
+            </a:r>
+          </a:p>
+          <a:p>
+            <a:pPr lvl="1"/>
+            <a:r>
+              <a:rPr lang="en-US" sz="1867" dirty="0">
+                <a:latin typeface="+mj-lt"/>
+              </a:rPr>
+              <a:t>http://hl7.org/</a:t>
+            </a:r>
+            <a:r>
+              <a:rPr lang="en-US" sz="1867" dirty="0" err="1">
+                <a:latin typeface="+mj-lt"/>
+              </a:rPr>
+              <a:t>fhir</a:t>
+            </a:r>
+            <a:r>
+              <a:rPr lang="en-US" sz="1867" dirty="0">
+                <a:latin typeface="+mj-lt"/>
+              </a:rPr>
+              <a:t>/</a:t>
+            </a:r>
+            <a:r>
+              <a:rPr lang="en-US" sz="1867" dirty="0" err="1">
+                <a:latin typeface="+mj-lt"/>
+              </a:rPr>
+              <a:t>security.html</a:t>
+            </a:r>
+            <a:endParaRPr lang="en-US" sz="1867" dirty="0">
+              <a:latin typeface="+mj-lt"/>
+            </a:endParaRPr>
+          </a:p>
+          <a:p>
+            <a:pPr lvl="1"/>
+            <a:endParaRPr lang="en-US" sz="1600" dirty="0"/>
+          </a:p>
+          <a:p>
+            <a:endParaRPr lang="en-US" sz="1600" dirty="0"/>
+          </a:p>
+        </p:txBody>
+      </p:sp>
+      <p:pic>
+        <p:nvPicPr>
+          <p:cNvPr id="5" name="Picture 4"/>
+          <p:cNvPicPr>
+            <a:picLocks noChangeAspect="1"/>
+          </p:cNvPicPr>
           <p:nvPr/>
-        </p:nvSpPr>
+        </p:nvPicPr>
+        <p:blipFill>
+          <a:blip r:embed="rId2">
+            <a:extLst>
+              <a:ext uri="{28A0092B-C50C-407E-A947-70E740481C1C}">
+                <a14:useLocalDpi xmlns:a14="http://schemas.microsoft.com/office/drawing/2010/main" val="0"/>
+              </a:ext>
+            </a:extLst>
+          </a:blip>
+          <a:stretch>
+            <a:fillRect/>
+          </a:stretch>
+        </p:blipFill>
         <p:spPr>
           <a:xfrm>
-            <a:off x="3581400" y="2988814"/>
-            <a:ext cx="6248400" cy="1077218"/>
+            <a:off x="6654019" y="2039097"/>
+            <a:ext cx="557963" cy="557963"/>
           </a:xfrm>
           <a:prstGeom prst="rect">
             <a:avLst/>
           </a:prstGeom>
-          <a:noFill/>
         </p:spPr>
-        <p:txBody>
-          <a:bodyPr wrap="square" rtlCol="0">
-            <a:spAutoFit/>
-          </a:bodyPr>
-          <a:lstStyle/>
-          <a:p>
-            <a:pPr>
-              <a:spcBef>
-                <a:spcPts val="450"/>
-              </a:spcBef>
-              <a:buClr>
-                <a:schemeClr val="accent2"/>
-              </a:buClr>
-            </a:pPr>
-            <a:r>
-              <a:rPr lang="en-US" sz="3200" dirty="0" smtClean="0">
-                <a:solidFill>
-                  <a:schemeClr val="accent4"/>
-                </a:solidFill>
-              </a:rPr>
-              <a:t>View Implementation Guide at </a:t>
-            </a:r>
-            <a:r>
-              <a:rPr lang="en-US" sz="3200" dirty="0">
-                <a:solidFill>
-                  <a:schemeClr val="accent4"/>
-                </a:solidFill>
-                <a:ea typeface="Arial" charset="0"/>
-                <a:cs typeface="Arial" charset="0"/>
-              </a:rPr>
-              <a:t>http://</a:t>
-            </a:r>
-            <a:r>
-              <a:rPr lang="en-US" sz="3200" dirty="0" err="1">
-                <a:solidFill>
-                  <a:schemeClr val="accent4"/>
-                </a:solidFill>
-                <a:ea typeface="Arial" charset="0"/>
-                <a:cs typeface="Arial" charset="0"/>
-              </a:rPr>
-              <a:t>www.fhir.org</a:t>
-            </a:r>
-            <a:r>
-              <a:rPr lang="en-US" sz="3200" dirty="0">
-                <a:solidFill>
-                  <a:schemeClr val="accent4"/>
-                </a:solidFill>
-                <a:ea typeface="Arial" charset="0"/>
-                <a:cs typeface="Arial" charset="0"/>
-              </a:rPr>
-              <a:t>/guides/registry</a:t>
-            </a:r>
-            <a:endParaRPr lang="en-US" sz="3200" dirty="0">
-              <a:solidFill>
-                <a:schemeClr val="accent4"/>
-              </a:solidFill>
-            </a:endParaRPr>
-          </a:p>
-        </p:txBody>
-      </p:sp>
+      </p:pic>
+      <p:pic>
+        <p:nvPicPr>
+          <p:cNvPr id="6" name="Picture 5"/>
+          <p:cNvPicPr>
+            <a:picLocks noChangeAspect="1"/>
+          </p:cNvPicPr>
+          <p:nvPr/>
+        </p:nvPicPr>
+        <p:blipFill>
+          <a:blip r:embed="rId3">
+            <a:extLst>
+              <a:ext uri="{28A0092B-C50C-407E-A947-70E740481C1C}">
+                <a14:useLocalDpi xmlns:a14="http://schemas.microsoft.com/office/drawing/2010/main" val="0"/>
+              </a:ext>
+            </a:extLst>
+          </a:blip>
+          <a:stretch>
+            <a:fillRect/>
+          </a:stretch>
+        </p:blipFill>
+        <p:spPr>
+          <a:xfrm>
+            <a:off x="6646718" y="2889350"/>
+            <a:ext cx="572565" cy="572565"/>
+          </a:xfrm>
+          <a:prstGeom prst="rect">
+            <a:avLst/>
+          </a:prstGeom>
+        </p:spPr>
+      </p:pic>
+      <p:pic>
+        <p:nvPicPr>
+          <p:cNvPr id="7" name="Picture 6"/>
+          <p:cNvPicPr>
+            <a:picLocks noChangeAspect="1"/>
+          </p:cNvPicPr>
+          <p:nvPr/>
+        </p:nvPicPr>
+        <p:blipFill>
+          <a:blip r:embed="rId4">
+            <a:extLst>
+              <a:ext uri="{28A0092B-C50C-407E-A947-70E740481C1C}">
+                <a14:useLocalDpi xmlns:a14="http://schemas.microsoft.com/office/drawing/2010/main" val="0"/>
+              </a:ext>
+            </a:extLst>
+          </a:blip>
+          <a:stretch>
+            <a:fillRect/>
+          </a:stretch>
+        </p:blipFill>
+        <p:spPr>
+          <a:xfrm>
+            <a:off x="6577641" y="3721704"/>
+            <a:ext cx="710721" cy="710721"/>
+          </a:xfrm>
+          <a:prstGeom prst="rect">
+            <a:avLst/>
+          </a:prstGeom>
+        </p:spPr>
+      </p:pic>
+      <p:pic>
+        <p:nvPicPr>
+          <p:cNvPr id="8" name="Picture 7"/>
+          <p:cNvPicPr>
+            <a:picLocks noChangeAspect="1"/>
+          </p:cNvPicPr>
+          <p:nvPr/>
+        </p:nvPicPr>
+        <p:blipFill>
+          <a:blip r:embed="rId5">
+            <a:extLst>
+              <a:ext uri="{28A0092B-C50C-407E-A947-70E740481C1C}">
+                <a14:useLocalDpi xmlns:a14="http://schemas.microsoft.com/office/drawing/2010/main" val="0"/>
+              </a:ext>
+            </a:extLst>
+          </a:blip>
+          <a:stretch>
+            <a:fillRect/>
+          </a:stretch>
+        </p:blipFill>
+        <p:spPr>
+          <a:xfrm>
+            <a:off x="6667667" y="4699421"/>
+            <a:ext cx="530663" cy="530663"/>
+          </a:xfrm>
+          <a:prstGeom prst="rect">
+            <a:avLst/>
+          </a:prstGeom>
+        </p:spPr>
+      </p:pic>
+      <p:cxnSp>
+        <p:nvCxnSpPr>
+          <p:cNvPr id="12" name="Straight Arrow Connector 11"/>
+          <p:cNvCxnSpPr/>
+          <p:nvPr/>
+        </p:nvCxnSpPr>
+        <p:spPr>
+          <a:xfrm>
+            <a:off x="6932999" y="2587915"/>
+            <a:ext cx="0" cy="363312"/>
+          </a:xfrm>
+          <a:prstGeom prst="straightConnector1">
+            <a:avLst/>
+          </a:prstGeom>
+          <a:ln w="9525">
+            <a:solidFill>
+              <a:schemeClr val="accent4"/>
+            </a:solidFill>
+            <a:tailEnd type="triangle"/>
+          </a:ln>
+          <a:effectLst/>
+        </p:spPr>
+        <p:style>
+          <a:lnRef idx="2">
+            <a:schemeClr val="accent1"/>
+          </a:lnRef>
+          <a:fillRef idx="0">
+            <a:schemeClr val="accent1"/>
+          </a:fillRef>
+          <a:effectRef idx="1">
+            <a:schemeClr val="accent1"/>
+          </a:effectRef>
+          <a:fontRef idx="minor">
+            <a:schemeClr val="tx1"/>
+          </a:fontRef>
+        </p:style>
+      </p:cxnSp>
+      <p:cxnSp>
+        <p:nvCxnSpPr>
+          <p:cNvPr id="13" name="Straight Arrow Connector 12"/>
+          <p:cNvCxnSpPr/>
+          <p:nvPr/>
+        </p:nvCxnSpPr>
+        <p:spPr>
+          <a:xfrm>
+            <a:off x="6932999" y="3417909"/>
+            <a:ext cx="0" cy="363312"/>
+          </a:xfrm>
+          <a:prstGeom prst="straightConnector1">
+            <a:avLst/>
+          </a:prstGeom>
+          <a:ln w="9525">
+            <a:solidFill>
+              <a:schemeClr val="accent4"/>
+            </a:solidFill>
+            <a:tailEnd type="triangle"/>
+          </a:ln>
+          <a:effectLst/>
+        </p:spPr>
+        <p:style>
+          <a:lnRef idx="2">
+            <a:schemeClr val="accent1"/>
+          </a:lnRef>
+          <a:fillRef idx="0">
+            <a:schemeClr val="accent1"/>
+          </a:fillRef>
+          <a:effectRef idx="1">
+            <a:schemeClr val="accent1"/>
+          </a:effectRef>
+          <a:fontRef idx="minor">
+            <a:schemeClr val="tx1"/>
+          </a:fontRef>
+        </p:style>
+      </p:cxnSp>
+      <p:cxnSp>
+        <p:nvCxnSpPr>
+          <p:cNvPr id="14" name="Straight Arrow Connector 13"/>
+          <p:cNvCxnSpPr/>
+          <p:nvPr/>
+        </p:nvCxnSpPr>
+        <p:spPr>
+          <a:xfrm>
+            <a:off x="6932999" y="4350127"/>
+            <a:ext cx="0" cy="363312"/>
+          </a:xfrm>
+          <a:prstGeom prst="straightConnector1">
+            <a:avLst/>
+          </a:prstGeom>
+          <a:ln w="9525">
+            <a:solidFill>
+              <a:schemeClr val="accent4"/>
+            </a:solidFill>
+            <a:tailEnd type="triangle"/>
+          </a:ln>
+          <a:effectLst/>
+        </p:spPr>
+        <p:style>
+          <a:lnRef idx="2">
+            <a:schemeClr val="accent1"/>
+          </a:lnRef>
+          <a:fillRef idx="0">
+            <a:schemeClr val="accent1"/>
+          </a:fillRef>
+          <a:effectRef idx="1">
+            <a:schemeClr val="accent1"/>
+          </a:effectRef>
+          <a:fontRef idx="minor">
+            <a:schemeClr val="tx1"/>
+          </a:fontRef>
+        </p:style>
+      </p:cxnSp>
+      <p:cxnSp>
+        <p:nvCxnSpPr>
+          <p:cNvPr id="18" name="Straight Connector 17"/>
+          <p:cNvCxnSpPr/>
+          <p:nvPr/>
+        </p:nvCxnSpPr>
+        <p:spPr>
+          <a:xfrm>
+            <a:off x="7380380" y="3599565"/>
+            <a:ext cx="710721" cy="0"/>
+          </a:xfrm>
+          <a:prstGeom prst="line">
+            <a:avLst/>
+          </a:prstGeom>
+          <a:ln w="12700">
+            <a:solidFill>
+              <a:schemeClr val="accent2"/>
+            </a:solidFill>
+          </a:ln>
+          <a:effectLst/>
+        </p:spPr>
+        <p:style>
+          <a:lnRef idx="2">
+            <a:schemeClr val="accent1"/>
+          </a:lnRef>
+          <a:fillRef idx="0">
+            <a:schemeClr val="accent1"/>
+          </a:fillRef>
+          <a:effectRef idx="1">
+            <a:schemeClr val="accent1"/>
+          </a:effectRef>
+          <a:fontRef idx="minor">
+            <a:schemeClr val="tx1"/>
+          </a:fontRef>
+        </p:style>
+      </p:cxnSp>
+      <p:pic>
+        <p:nvPicPr>
+          <p:cNvPr id="20" name="Picture 19"/>
+          <p:cNvPicPr>
+            <a:picLocks noChangeAspect="1"/>
+          </p:cNvPicPr>
+          <p:nvPr/>
+        </p:nvPicPr>
+        <p:blipFill>
+          <a:blip r:embed="rId2">
+            <a:extLst>
+              <a:ext uri="{28A0092B-C50C-407E-A947-70E740481C1C}">
+                <a14:useLocalDpi xmlns:a14="http://schemas.microsoft.com/office/drawing/2010/main" val="0"/>
+              </a:ext>
+            </a:extLst>
+          </a:blip>
+          <a:stretch>
+            <a:fillRect/>
+          </a:stretch>
+        </p:blipFill>
+        <p:spPr>
+          <a:xfrm>
+            <a:off x="7456757" y="2039097"/>
+            <a:ext cx="557963" cy="557963"/>
+          </a:xfrm>
+          <a:prstGeom prst="rect">
+            <a:avLst/>
+          </a:prstGeom>
+        </p:spPr>
+      </p:pic>
+      <p:pic>
+        <p:nvPicPr>
+          <p:cNvPr id="21" name="Picture 20"/>
+          <p:cNvPicPr>
+            <a:picLocks noChangeAspect="1"/>
+          </p:cNvPicPr>
+          <p:nvPr/>
+        </p:nvPicPr>
+        <p:blipFill>
+          <a:blip r:embed="rId3">
+            <a:extLst>
+              <a:ext uri="{28A0092B-C50C-407E-A947-70E740481C1C}">
+                <a14:useLocalDpi xmlns:a14="http://schemas.microsoft.com/office/drawing/2010/main" val="0"/>
+              </a:ext>
+            </a:extLst>
+          </a:blip>
+          <a:stretch>
+            <a:fillRect/>
+          </a:stretch>
+        </p:blipFill>
+        <p:spPr>
+          <a:xfrm>
+            <a:off x="7449456" y="2889350"/>
+            <a:ext cx="572565" cy="572565"/>
+          </a:xfrm>
+          <a:prstGeom prst="rect">
+            <a:avLst/>
+          </a:prstGeom>
+        </p:spPr>
+      </p:pic>
+      <p:pic>
+        <p:nvPicPr>
+          <p:cNvPr id="22" name="Picture 21"/>
+          <p:cNvPicPr>
+            <a:picLocks noChangeAspect="1"/>
+          </p:cNvPicPr>
+          <p:nvPr/>
+        </p:nvPicPr>
+        <p:blipFill>
+          <a:blip r:embed="rId4">
+            <a:extLst>
+              <a:ext uri="{28A0092B-C50C-407E-A947-70E740481C1C}">
+                <a14:useLocalDpi xmlns:a14="http://schemas.microsoft.com/office/drawing/2010/main" val="0"/>
+              </a:ext>
+            </a:extLst>
+          </a:blip>
+          <a:stretch>
+            <a:fillRect/>
+          </a:stretch>
+        </p:blipFill>
+        <p:spPr>
+          <a:xfrm>
+            <a:off x="8202391" y="2847446"/>
+            <a:ext cx="614468" cy="614468"/>
+          </a:xfrm>
+          <a:prstGeom prst="rect">
+            <a:avLst/>
+          </a:prstGeom>
+        </p:spPr>
+      </p:pic>
+      <p:pic>
+        <p:nvPicPr>
+          <p:cNvPr id="23" name="Picture 22"/>
+          <p:cNvPicPr>
+            <a:picLocks noChangeAspect="1"/>
+          </p:cNvPicPr>
+          <p:nvPr/>
+        </p:nvPicPr>
+        <p:blipFill>
+          <a:blip r:embed="rId5">
+            <a:extLst>
+              <a:ext uri="{28A0092B-C50C-407E-A947-70E740481C1C}">
+                <a14:useLocalDpi xmlns:a14="http://schemas.microsoft.com/office/drawing/2010/main" val="0"/>
+              </a:ext>
+            </a:extLst>
+          </a:blip>
+          <a:stretch>
+            <a:fillRect/>
+          </a:stretch>
+        </p:blipFill>
+        <p:spPr>
+          <a:xfrm>
+            <a:off x="7470406" y="3790098"/>
+            <a:ext cx="530663" cy="530663"/>
+          </a:xfrm>
+          <a:prstGeom prst="rect">
+            <a:avLst/>
+          </a:prstGeom>
+        </p:spPr>
+      </p:pic>
+      <p:cxnSp>
+        <p:nvCxnSpPr>
+          <p:cNvPr id="24" name="Straight Arrow Connector 23"/>
+          <p:cNvCxnSpPr/>
+          <p:nvPr/>
+        </p:nvCxnSpPr>
+        <p:spPr>
+          <a:xfrm>
+            <a:off x="7735737" y="2587915"/>
+            <a:ext cx="0" cy="363312"/>
+          </a:xfrm>
+          <a:prstGeom prst="straightConnector1">
+            <a:avLst/>
+          </a:prstGeom>
+          <a:ln w="9525">
+            <a:solidFill>
+              <a:schemeClr val="accent4"/>
+            </a:solidFill>
+            <a:tailEnd type="triangle"/>
+          </a:ln>
+          <a:effectLst/>
+        </p:spPr>
+        <p:style>
+          <a:lnRef idx="2">
+            <a:schemeClr val="accent1"/>
+          </a:lnRef>
+          <a:fillRef idx="0">
+            <a:schemeClr val="accent1"/>
+          </a:fillRef>
+          <a:effectRef idx="1">
+            <a:schemeClr val="accent1"/>
+          </a:effectRef>
+          <a:fontRef idx="minor">
+            <a:schemeClr val="tx1"/>
+          </a:fontRef>
+        </p:style>
+      </p:cxnSp>
+      <p:cxnSp>
+        <p:nvCxnSpPr>
+          <p:cNvPr id="25" name="Straight Arrow Connector 24"/>
+          <p:cNvCxnSpPr/>
+          <p:nvPr/>
+        </p:nvCxnSpPr>
+        <p:spPr>
+          <a:xfrm>
+            <a:off x="7991926" y="3175631"/>
+            <a:ext cx="282181" cy="0"/>
+          </a:xfrm>
+          <a:prstGeom prst="straightConnector1">
+            <a:avLst/>
+          </a:prstGeom>
+          <a:ln w="9525">
+            <a:solidFill>
+              <a:schemeClr val="accent4"/>
+            </a:solidFill>
+            <a:tailEnd type="triangle"/>
+          </a:ln>
+          <a:effectLst/>
+        </p:spPr>
+        <p:style>
+          <a:lnRef idx="2">
+            <a:schemeClr val="accent1"/>
+          </a:lnRef>
+          <a:fillRef idx="0">
+            <a:schemeClr val="accent1"/>
+          </a:fillRef>
+          <a:effectRef idx="1">
+            <a:schemeClr val="accent1"/>
+          </a:effectRef>
+          <a:fontRef idx="minor">
+            <a:schemeClr val="tx1"/>
+          </a:fontRef>
+        </p:style>
+      </p:cxnSp>
+      <p:cxnSp>
+        <p:nvCxnSpPr>
+          <p:cNvPr id="26" name="Straight Arrow Connector 25"/>
+          <p:cNvCxnSpPr/>
+          <p:nvPr/>
+        </p:nvCxnSpPr>
+        <p:spPr>
+          <a:xfrm>
+            <a:off x="7735737" y="3440804"/>
+            <a:ext cx="0" cy="363312"/>
+          </a:xfrm>
+          <a:prstGeom prst="straightConnector1">
+            <a:avLst/>
+          </a:prstGeom>
+          <a:ln w="9525">
+            <a:solidFill>
+              <a:schemeClr val="accent4"/>
+            </a:solidFill>
+            <a:tailEnd type="triangle"/>
+          </a:ln>
+          <a:effectLst/>
+        </p:spPr>
+        <p:style>
+          <a:lnRef idx="2">
+            <a:schemeClr val="accent1"/>
+          </a:lnRef>
+          <a:fillRef idx="0">
+            <a:schemeClr val="accent1"/>
+          </a:fillRef>
+          <a:effectRef idx="1">
+            <a:schemeClr val="accent1"/>
+          </a:effectRef>
+          <a:fontRef idx="minor">
+            <a:schemeClr val="tx1"/>
+          </a:fontRef>
+        </p:style>
+      </p:cxnSp>
+      <p:cxnSp>
+        <p:nvCxnSpPr>
+          <p:cNvPr id="29" name="Straight Connector 28"/>
+          <p:cNvCxnSpPr/>
+          <p:nvPr/>
+        </p:nvCxnSpPr>
+        <p:spPr>
+          <a:xfrm>
+            <a:off x="8856102" y="3599565"/>
+            <a:ext cx="710721" cy="0"/>
+          </a:xfrm>
+          <a:prstGeom prst="line">
+            <a:avLst/>
+          </a:prstGeom>
+          <a:ln w="12700">
+            <a:solidFill>
+              <a:schemeClr val="accent2"/>
+            </a:solidFill>
+          </a:ln>
+          <a:effectLst/>
+        </p:spPr>
+        <p:style>
+          <a:lnRef idx="2">
+            <a:schemeClr val="accent1"/>
+          </a:lnRef>
+          <a:fillRef idx="0">
+            <a:schemeClr val="accent1"/>
+          </a:fillRef>
+          <a:effectRef idx="1">
+            <a:schemeClr val="accent1"/>
+          </a:effectRef>
+          <a:fontRef idx="minor">
+            <a:schemeClr val="tx1"/>
+          </a:fontRef>
+        </p:style>
+      </p:cxnSp>
+      <p:pic>
+        <p:nvPicPr>
+          <p:cNvPr id="30" name="Picture 29"/>
+          <p:cNvPicPr>
+            <a:picLocks noChangeAspect="1"/>
+          </p:cNvPicPr>
+          <p:nvPr/>
+        </p:nvPicPr>
+        <p:blipFill>
+          <a:blip r:embed="rId2">
+            <a:extLst>
+              <a:ext uri="{28A0092B-C50C-407E-A947-70E740481C1C}">
+                <a14:useLocalDpi xmlns:a14="http://schemas.microsoft.com/office/drawing/2010/main" val="0"/>
+              </a:ext>
+            </a:extLst>
+          </a:blip>
+          <a:stretch>
+            <a:fillRect/>
+          </a:stretch>
+        </p:blipFill>
+        <p:spPr>
+          <a:xfrm>
+            <a:off x="8932481" y="2039097"/>
+            <a:ext cx="557963" cy="557963"/>
+          </a:xfrm>
+          <a:prstGeom prst="rect">
+            <a:avLst/>
+          </a:prstGeom>
+        </p:spPr>
+      </p:pic>
+      <p:pic>
+        <p:nvPicPr>
+          <p:cNvPr id="31" name="Picture 30"/>
+          <p:cNvPicPr>
+            <a:picLocks noChangeAspect="1"/>
+          </p:cNvPicPr>
+          <p:nvPr/>
+        </p:nvPicPr>
+        <p:blipFill>
+          <a:blip r:embed="rId3">
+            <a:extLst>
+              <a:ext uri="{28A0092B-C50C-407E-A947-70E740481C1C}">
+                <a14:useLocalDpi xmlns:a14="http://schemas.microsoft.com/office/drawing/2010/main" val="0"/>
+              </a:ext>
+            </a:extLst>
+          </a:blip>
+          <a:stretch>
+            <a:fillRect/>
+          </a:stretch>
+        </p:blipFill>
+        <p:spPr>
+          <a:xfrm>
+            <a:off x="8925180" y="2889350"/>
+            <a:ext cx="572565" cy="572565"/>
+          </a:xfrm>
+          <a:prstGeom prst="rect">
+            <a:avLst/>
+          </a:prstGeom>
+        </p:spPr>
+      </p:pic>
+      <p:pic>
+        <p:nvPicPr>
+          <p:cNvPr id="32" name="Picture 31"/>
+          <p:cNvPicPr>
+            <a:picLocks noChangeAspect="1"/>
+          </p:cNvPicPr>
+          <p:nvPr/>
+        </p:nvPicPr>
+        <p:blipFill>
+          <a:blip r:embed="rId4">
+            <a:extLst>
+              <a:ext uri="{28A0092B-C50C-407E-A947-70E740481C1C}">
+                <a14:useLocalDpi xmlns:a14="http://schemas.microsoft.com/office/drawing/2010/main" val="0"/>
+              </a:ext>
+            </a:extLst>
+          </a:blip>
+          <a:stretch>
+            <a:fillRect/>
+          </a:stretch>
+        </p:blipFill>
+        <p:spPr>
+          <a:xfrm>
+            <a:off x="9668971" y="3721702"/>
+            <a:ext cx="614468" cy="614468"/>
+          </a:xfrm>
+          <a:prstGeom prst="rect">
+            <a:avLst/>
+          </a:prstGeom>
+        </p:spPr>
+      </p:pic>
+      <p:pic>
+        <p:nvPicPr>
+          <p:cNvPr id="33" name="Picture 32"/>
+          <p:cNvPicPr>
+            <a:picLocks noChangeAspect="1"/>
+          </p:cNvPicPr>
+          <p:nvPr/>
+        </p:nvPicPr>
+        <p:blipFill>
+          <a:blip r:embed="rId5">
+            <a:extLst>
+              <a:ext uri="{28A0092B-C50C-407E-A947-70E740481C1C}">
+                <a14:useLocalDpi xmlns:a14="http://schemas.microsoft.com/office/drawing/2010/main" val="0"/>
+              </a:ext>
+            </a:extLst>
+          </a:blip>
+          <a:stretch>
+            <a:fillRect/>
+          </a:stretch>
+        </p:blipFill>
+        <p:spPr>
+          <a:xfrm>
+            <a:off x="8946130" y="3790098"/>
+            <a:ext cx="530663" cy="530663"/>
+          </a:xfrm>
+          <a:prstGeom prst="rect">
+            <a:avLst/>
+          </a:prstGeom>
+        </p:spPr>
+      </p:pic>
+      <p:cxnSp>
+        <p:nvCxnSpPr>
+          <p:cNvPr id="34" name="Straight Arrow Connector 33"/>
+          <p:cNvCxnSpPr/>
+          <p:nvPr/>
+        </p:nvCxnSpPr>
+        <p:spPr>
+          <a:xfrm>
+            <a:off x="9211460" y="2587915"/>
+            <a:ext cx="0" cy="363312"/>
+          </a:xfrm>
+          <a:prstGeom prst="straightConnector1">
+            <a:avLst/>
+          </a:prstGeom>
+          <a:ln w="9525">
+            <a:solidFill>
+              <a:schemeClr val="accent4"/>
+            </a:solidFill>
+            <a:tailEnd type="triangle"/>
+          </a:ln>
+          <a:effectLst/>
+        </p:spPr>
+        <p:style>
+          <a:lnRef idx="2">
+            <a:schemeClr val="accent1"/>
+          </a:lnRef>
+          <a:fillRef idx="0">
+            <a:schemeClr val="accent1"/>
+          </a:fillRef>
+          <a:effectRef idx="1">
+            <a:schemeClr val="accent1"/>
+          </a:effectRef>
+          <a:fontRef idx="minor">
+            <a:schemeClr val="tx1"/>
+          </a:fontRef>
+        </p:style>
+      </p:cxnSp>
+      <p:cxnSp>
+        <p:nvCxnSpPr>
+          <p:cNvPr id="35" name="Straight Arrow Connector 34"/>
+          <p:cNvCxnSpPr/>
+          <p:nvPr/>
+        </p:nvCxnSpPr>
+        <p:spPr>
+          <a:xfrm>
+            <a:off x="9440216" y="4049887"/>
+            <a:ext cx="282181" cy="0"/>
+          </a:xfrm>
+          <a:prstGeom prst="straightConnector1">
+            <a:avLst/>
+          </a:prstGeom>
+          <a:ln w="9525">
+            <a:solidFill>
+              <a:schemeClr val="accent4"/>
+            </a:solidFill>
+            <a:tailEnd type="triangle"/>
+          </a:ln>
+          <a:effectLst/>
+        </p:spPr>
+        <p:style>
+          <a:lnRef idx="2">
+            <a:schemeClr val="accent1"/>
+          </a:lnRef>
+          <a:fillRef idx="0">
+            <a:schemeClr val="accent1"/>
+          </a:fillRef>
+          <a:effectRef idx="1">
+            <a:schemeClr val="accent1"/>
+          </a:effectRef>
+          <a:fontRef idx="minor">
+            <a:schemeClr val="tx1"/>
+          </a:fontRef>
+        </p:style>
+      </p:cxnSp>
+      <p:cxnSp>
+        <p:nvCxnSpPr>
+          <p:cNvPr id="36" name="Straight Arrow Connector 35"/>
+          <p:cNvCxnSpPr/>
+          <p:nvPr/>
+        </p:nvCxnSpPr>
+        <p:spPr>
+          <a:xfrm>
+            <a:off x="9211460" y="3440804"/>
+            <a:ext cx="0" cy="363312"/>
+          </a:xfrm>
+          <a:prstGeom prst="straightConnector1">
+            <a:avLst/>
+          </a:prstGeom>
+          <a:ln w="9525">
+            <a:solidFill>
+              <a:schemeClr val="accent4"/>
+            </a:solidFill>
+            <a:tailEnd type="triangle"/>
+          </a:ln>
+          <a:effectLst/>
+        </p:spPr>
+        <p:style>
+          <a:lnRef idx="2">
+            <a:schemeClr val="accent1"/>
+          </a:lnRef>
+          <a:fillRef idx="0">
+            <a:schemeClr val="accent1"/>
+          </a:fillRef>
+          <a:effectRef idx="1">
+            <a:schemeClr val="accent1"/>
+          </a:effectRef>
+          <a:fontRef idx="minor">
+            <a:schemeClr val="tx1"/>
+          </a:fontRef>
+        </p:style>
+      </p:cxnSp>
+      <p:cxnSp>
+        <p:nvCxnSpPr>
+          <p:cNvPr id="38" name="Straight Connector 37"/>
+          <p:cNvCxnSpPr/>
+          <p:nvPr/>
+        </p:nvCxnSpPr>
+        <p:spPr>
+          <a:xfrm>
+            <a:off x="7336463" y="1972819"/>
+            <a:ext cx="0" cy="3328416"/>
+          </a:xfrm>
+          <a:prstGeom prst="line">
+            <a:avLst/>
+          </a:prstGeom>
+          <a:ln w="9525">
+            <a:solidFill>
+              <a:schemeClr val="accent4"/>
+            </a:solidFill>
+            <a:prstDash val="sysDot"/>
+          </a:ln>
+          <a:effectLst/>
+        </p:spPr>
+        <p:style>
+          <a:lnRef idx="2">
+            <a:schemeClr val="accent1"/>
+          </a:lnRef>
+          <a:fillRef idx="0">
+            <a:schemeClr val="accent1"/>
+          </a:fillRef>
+          <a:effectRef idx="1">
+            <a:schemeClr val="accent1"/>
+          </a:effectRef>
+          <a:fontRef idx="minor">
+            <a:schemeClr val="tx1"/>
+          </a:fontRef>
+        </p:style>
+      </p:cxnSp>
+      <p:cxnSp>
+        <p:nvCxnSpPr>
+          <p:cNvPr id="39" name="Straight Connector 38"/>
+          <p:cNvCxnSpPr/>
+          <p:nvPr/>
+        </p:nvCxnSpPr>
+        <p:spPr>
+          <a:xfrm>
+            <a:off x="8809831" y="1972819"/>
+            <a:ext cx="0" cy="3328416"/>
+          </a:xfrm>
+          <a:prstGeom prst="line">
+            <a:avLst/>
+          </a:prstGeom>
+          <a:ln w="9525">
+            <a:solidFill>
+              <a:schemeClr val="accent4"/>
+            </a:solidFill>
+            <a:prstDash val="sysDot"/>
+          </a:ln>
+          <a:effectLst/>
+        </p:spPr>
+        <p:style>
+          <a:lnRef idx="2">
+            <a:schemeClr val="accent1"/>
+          </a:lnRef>
+          <a:fillRef idx="0">
+            <a:schemeClr val="accent1"/>
+          </a:fillRef>
+          <a:effectRef idx="1">
+            <a:schemeClr val="accent1"/>
+          </a:effectRef>
+          <a:fontRef idx="minor">
+            <a:schemeClr val="tx1"/>
+          </a:fontRef>
+        </p:style>
+      </p:cxnSp>
     </p:spTree>
     <p:extLst>
       <p:ext uri="{BB962C8B-B14F-4D97-AF65-F5344CB8AC3E}">
-        <p14:creationId xmlns:p14="http://schemas.microsoft.com/office/powerpoint/2010/main" val="1898511794"/>
+        <p14:creationId xmlns:p14="http://schemas.microsoft.com/office/powerpoint/2010/main" val="1502315769"/>
       </p:ext>
     </p:extLst>
   </p:cSld>
   <p:clrMapOvr>
     <a:masterClrMapping/>
   </p:clrMapOvr>
-  <mc:AlternateContent xmlns:mc="http://schemas.openxmlformats.org/markup-compatibility/2006" xmlns:p14="http://schemas.microsoft.com/office/powerpoint/2010/main">
-    <mc:Choice Requires="p14">
+  <mc:AlternateContent xmlns:mc="http://schemas.openxmlformats.org/markup-compatibility/2006">
+    <mc:Choice xmlns:p14="http://schemas.microsoft.com/office/powerpoint/2010/main" Requires="p14">
       <p:transition spd="slow" p14:dur="2000"/>
     </mc:Choice>
-    <mc:Fallback xmlns="">
+    <mc:Fallback>
       <p:transition spd="slow"/>
     </mc:Fallback>
   </mc:AlternateContent>
@@ -35794,7 +36395,15 @@
                 <a:ea typeface="Arial" charset="0"/>
                 <a:cs typeface="Arial" charset="0"/>
               </a:rPr>
-              <a:t>Doing this for real</a:t>
+              <a:t>Wrapping up: Doing </a:t>
+            </a:r>
+            <a:r>
+              <a:rPr lang="en-US" dirty="0" smtClean="0">
+                <a:latin typeface="Arial" charset="0"/>
+                <a:ea typeface="Arial" charset="0"/>
+                <a:cs typeface="Arial" charset="0"/>
+              </a:rPr>
+              <a:t>this for real</a:t>
             </a:r>
             <a:endParaRPr lang="en-US" dirty="0">
               <a:solidFill>
@@ -35816,7 +36425,7 @@
         <p:spPr>
           <a:xfrm>
             <a:off x="556801" y="1927093"/>
-            <a:ext cx="6869236" cy="1385379"/>
+            <a:ext cx="6869236" cy="3540456"/>
           </a:xfrm>
           <a:prstGeom prst="rect">
             <a:avLst/>
@@ -35840,15 +36449,156 @@
               <a:buChar char="‣"/>
             </a:pPr>
             <a:r>
-              <a:rPr lang="en-US" sz="1867" dirty="0">
+              <a:rPr lang="en-US" sz="1867" dirty="0" smtClean="0">
                 <a:solidFill>
                   <a:schemeClr val="accent4"/>
                 </a:solidFill>
                 <a:ea typeface="Arial" charset="0"/>
                 <a:cs typeface="Arial" charset="0"/>
               </a:rPr>
+              <a:t>FHIR is a game changer</a:t>
+            </a:r>
+            <a:r>
+              <a:rPr lang="mr-IN" sz="1867" dirty="0" smtClean="0">
+                <a:solidFill>
+                  <a:schemeClr val="accent4"/>
+                </a:solidFill>
+                <a:ea typeface="Arial" charset="0"/>
+                <a:cs typeface="Arial" charset="0"/>
+              </a:rPr>
+              <a:t>…</a:t>
+            </a:r>
+            <a:endParaRPr lang="en-US" sz="1867" dirty="0" smtClean="0">
+              <a:solidFill>
+                <a:schemeClr val="accent4"/>
+              </a:solidFill>
+              <a:ea typeface="Arial" charset="0"/>
+              <a:cs typeface="Arial" charset="0"/>
+            </a:endParaRPr>
+          </a:p>
+          <a:p>
+            <a:pPr marL="838190" lvl="1" indent="-380990">
+              <a:lnSpc>
+                <a:spcPct val="150000"/>
+              </a:lnSpc>
+              <a:buClr>
+                <a:schemeClr val="accent2"/>
+              </a:buClr>
+              <a:buFont typeface="LucidaGrande" charset="0"/>
+              <a:buChar char="‣"/>
+            </a:pPr>
+            <a:r>
+              <a:rPr lang="en-US" sz="1867" dirty="0" smtClean="0">
+                <a:solidFill>
+                  <a:schemeClr val="accent4"/>
+                </a:solidFill>
+                <a:ea typeface="Arial" charset="0"/>
+                <a:cs typeface="Arial" charset="0"/>
+              </a:rPr>
+              <a:t>But not a silver bullet.</a:t>
+            </a:r>
+            <a:endParaRPr lang="en-US" sz="1867" dirty="0" smtClean="0">
+              <a:solidFill>
+                <a:schemeClr val="accent4"/>
+              </a:solidFill>
+              <a:ea typeface="Arial" charset="0"/>
+              <a:cs typeface="Arial" charset="0"/>
+            </a:endParaRPr>
+          </a:p>
+          <a:p>
+            <a:pPr marL="380990" indent="-380990">
+              <a:lnSpc>
+                <a:spcPct val="150000"/>
+              </a:lnSpc>
+              <a:buClr>
+                <a:schemeClr val="accent2"/>
+              </a:buClr>
+              <a:buFont typeface="LucidaGrande" charset="0"/>
+              <a:buChar char="‣"/>
+            </a:pPr>
+            <a:r>
+              <a:rPr lang="en-US" sz="1867" dirty="0" smtClean="0">
+                <a:solidFill>
+                  <a:schemeClr val="accent4"/>
+                </a:solidFill>
+                <a:ea typeface="Arial" charset="0"/>
+                <a:cs typeface="Arial" charset="0"/>
+              </a:rPr>
+              <a:t>Beware the Gartner hype cycle!</a:t>
+            </a:r>
+          </a:p>
+          <a:p>
+            <a:pPr marL="380990" indent="-380990">
+              <a:lnSpc>
+                <a:spcPct val="150000"/>
+              </a:lnSpc>
+              <a:buClr>
+                <a:schemeClr val="accent2"/>
+              </a:buClr>
+              <a:buFont typeface="LucidaGrande" charset="0"/>
+              <a:buChar char="‣"/>
+            </a:pPr>
+            <a:r>
+              <a:rPr lang="en-US" sz="1867" dirty="0" smtClean="0">
+                <a:solidFill>
+                  <a:schemeClr val="accent4"/>
+                </a:solidFill>
+                <a:ea typeface="Arial" charset="0"/>
+                <a:cs typeface="Arial" charset="0"/>
+              </a:rPr>
               <a:t>Managing Expectations</a:t>
             </a:r>
+          </a:p>
+          <a:p>
+            <a:pPr marL="838190" lvl="1" indent="-380990">
+              <a:lnSpc>
+                <a:spcPct val="150000"/>
+              </a:lnSpc>
+              <a:buClr>
+                <a:schemeClr val="accent2"/>
+              </a:buClr>
+              <a:buFont typeface="LucidaGrande" charset="0"/>
+              <a:buChar char="‣"/>
+            </a:pPr>
+            <a:r>
+              <a:rPr lang="en-US" sz="1867" dirty="0" smtClean="0">
+                <a:solidFill>
+                  <a:schemeClr val="accent4"/>
+                </a:solidFill>
+                <a:ea typeface="Arial" charset="0"/>
+                <a:cs typeface="Arial" charset="0"/>
+              </a:rPr>
+              <a:t>Sensitivity of data</a:t>
+            </a:r>
+          </a:p>
+          <a:p>
+            <a:pPr marL="838190" lvl="1" indent="-380990">
+              <a:lnSpc>
+                <a:spcPct val="150000"/>
+              </a:lnSpc>
+              <a:buClr>
+                <a:schemeClr val="accent2"/>
+              </a:buClr>
+              <a:buFont typeface="LucidaGrande" charset="0"/>
+              <a:buChar char="‣"/>
+            </a:pPr>
+            <a:r>
+              <a:rPr lang="en-US" sz="1867" dirty="0" smtClean="0">
+                <a:solidFill>
+                  <a:schemeClr val="accent4"/>
+                </a:solidFill>
+                <a:ea typeface="Arial" charset="0"/>
+                <a:cs typeface="Arial" charset="0"/>
+              </a:rPr>
+              <a:t>Complexity of environment</a:t>
+            </a:r>
+            <a:endParaRPr lang="en-US" sz="1867" dirty="0">
+              <a:solidFill>
+                <a:schemeClr val="accent4"/>
+              </a:solidFill>
+              <a:ea typeface="Arial" charset="0"/>
+              <a:cs typeface="Arial" charset="0"/>
+            </a:endParaRPr>
           </a:p>
           <a:p>
             <a:pPr marL="380990" indent="-380990">
@@ -36024,13 +36774,6 @@
               </a:rPr>
               <a:t>From HL7 </a:t>
             </a:r>
-            <a:endParaRPr lang="en-US" sz="1867" dirty="0">
-              <a:solidFill>
-                <a:schemeClr val="accent4"/>
-              </a:solidFill>
-              <a:ea typeface="Arial" charset="0"/>
-              <a:cs typeface="Arial" charset="0"/>
-            </a:endParaRPr>
           </a:p>
           <a:p>
             <a:pPr marL="380990" indent="-380990">
@@ -36048,27 +36791,7 @@
                 <a:ea typeface="Arial" charset="0"/>
                 <a:cs typeface="Arial" charset="0"/>
               </a:rPr>
-              <a:t>http</a:t>
-            </a:r>
-            <a:r>
-              <a:rPr lang="en-US" sz="1600" dirty="0">
-                <a:solidFill>
-                  <a:schemeClr val="accent4"/>
-                </a:solidFill>
-                <a:ea typeface="Arial" charset="0"/>
-                <a:cs typeface="Arial" charset="0"/>
-              </a:rPr>
-              <a:t>://</a:t>
-            </a:r>
-            <a:r>
-              <a:rPr lang="en-US" sz="1600" dirty="0">
-                <a:solidFill>
-                  <a:schemeClr val="accent4"/>
-                </a:solidFill>
-                <a:ea typeface="Arial" charset="0"/>
-                <a:cs typeface="Arial" charset="0"/>
-              </a:rPr>
-              <a:t>hl7.org/</a:t>
+              <a:t>http://hl7.org/</a:t>
             </a:r>
             <a:r>
               <a:rPr lang="en-US" sz="1600" dirty="0" err="1">
@@ -36166,13 +36889,6 @@
               </a:rPr>
               <a:t>Community</a:t>
             </a:r>
-            <a:endParaRPr lang="en-US" sz="1867" dirty="0">
-              <a:solidFill>
-                <a:schemeClr val="accent4"/>
-              </a:solidFill>
-              <a:ea typeface="Arial" charset="0"/>
-              <a:cs typeface="Arial" charset="0"/>
-            </a:endParaRPr>
           </a:p>
           <a:p>
             <a:pPr marL="380990" indent="-380990">
@@ -36191,18 +36907,7 @@
                 <a:cs typeface="Arial" charset="0"/>
                 <a:hlinkClick r:id="rId3"/>
               </a:rPr>
-              <a:t>http://www.fhir.org</a:t>
-            </a:r>
-            <a:r>
-              <a:rPr lang="en-US" sz="1600" dirty="0">
-                <a:solidFill>
-                  <a:schemeClr val="accent4"/>
-                </a:solidFill>
-                <a:ea typeface="Arial" charset="0"/>
-                <a:cs typeface="Arial" charset="0"/>
-                <a:hlinkClick r:id="rId3"/>
-              </a:rPr>
-              <a:t>/</a:t>
+              <a:t>http://www.fhir.org/</a:t>
             </a:r>
             <a:endParaRPr lang="en-US" sz="1600" dirty="0">
               <a:solidFill>
@@ -36228,17 +36933,7 @@
                 <a:ea typeface="Arial" charset="0"/>
                 <a:cs typeface="Arial" charset="0"/>
               </a:rPr>
-              <a:t>https</a:t>
-            </a:r>
-            <a:r>
-              <a:rPr lang="en-US" sz="1600" dirty="0">
-                <a:solidFill>
-                  <a:schemeClr val="accent4"/>
-                </a:solidFill>
-                <a:ea typeface="Arial" charset="0"/>
-                <a:cs typeface="Arial" charset="0"/>
-              </a:rPr>
-              <a:t>://</a:t>
+              <a:t>https://</a:t>
             </a:r>
             <a:r>
               <a:rPr lang="en-US" sz="1600" dirty="0" err="1">
@@ -36648,13 +37343,6 @@
               </a:rPr>
               <a:t>Libraries </a:t>
             </a:r>
-            <a:endParaRPr lang="en-US" sz="1867" dirty="0">
-              <a:solidFill>
-                <a:schemeClr val="accent4"/>
-              </a:solidFill>
-              <a:ea typeface="Arial" charset="0"/>
-              <a:cs typeface="Arial" charset="0"/>
-            </a:endParaRPr>
           </a:p>
           <a:p>
             <a:pPr marL="414856" indent="-414856">
@@ -36675,17 +37363,7 @@
                 <a:ea typeface="Arial" charset="0"/>
                 <a:cs typeface="Arial" charset="0"/>
               </a:rPr>
-              <a:t>Java </a:t>
-            </a:r>
-            <a:r>
-              <a:rPr lang="en-US" sz="1600" dirty="0">
-                <a:solidFill>
-                  <a:schemeClr val="accent4"/>
-                </a:solidFill>
-                <a:ea typeface="Arial" charset="0"/>
-                <a:cs typeface="Arial" charset="0"/>
-              </a:rPr>
-              <a:t>(http://</a:t>
+              <a:t>Java (http://</a:t>
             </a:r>
             <a:r>
               <a:rPr lang="en-US" sz="1600" dirty="0" err="1">
@@ -36763,17 +37441,7 @@
                 <a:ea typeface="Arial" charset="0"/>
                 <a:cs typeface="Arial" charset="0"/>
               </a:rPr>
-              <a:t>Forge </a:t>
-            </a:r>
-            <a:r>
-              <a:rPr lang="en-US" sz="1600" dirty="0">
-                <a:solidFill>
-                  <a:schemeClr val="accent4"/>
-                </a:solidFill>
-                <a:ea typeface="Arial" charset="0"/>
-                <a:cs typeface="Arial" charset="0"/>
-              </a:rPr>
-              <a:t>(http://</a:t>
+              <a:t>Forge (http://</a:t>
             </a:r>
             <a:r>
               <a:rPr lang="en-US" sz="1600" dirty="0" err="1">
@@ -36815,13 +37483,6 @@
               </a:rPr>
               <a:t>Tooling</a:t>
             </a:r>
-            <a:endParaRPr lang="en-US" sz="1867" dirty="0">
-              <a:solidFill>
-                <a:schemeClr val="accent4"/>
-              </a:solidFill>
-              <a:ea typeface="Arial" charset="0"/>
-              <a:cs typeface="Arial" charset="0"/>
-            </a:endParaRPr>
           </a:p>
           <a:p>
             <a:pPr marL="380990" indent="-380990">
@@ -37087,9 +37748,7 @@
         </p:nvSpPr>
         <p:spPr/>
         <p:txBody>
-          <a:bodyPr>
-            <a:normAutofit/>
-          </a:bodyPr>
+          <a:bodyPr/>
           <a:lstStyle/>
           <a:p>
             <a:r>
@@ -37098,14 +37757,14 @@
                 <a:ea typeface="Arial" charset="0"/>
                 <a:cs typeface="Arial" charset="0"/>
               </a:rPr>
-              <a:t>Benefits of FHIR </a:t>
+              <a:t>A bit of history</a:t>
             </a:r>
             <a:endParaRPr lang="en-US" dirty="0">
               <a:solidFill>
                 <a:schemeClr val="accent2"/>
               </a:solidFill>
-              <a:latin typeface="+mj-ea"/>
-              <a:ea typeface="+mj-ea"/>
+              <a:latin typeface="Arial" charset="0"/>
+              <a:ea typeface="Arial" charset="0"/>
               <a:cs typeface="Arial" charset="0"/>
             </a:endParaRPr>
           </a:p>
@@ -37113,14 +37772,14 @@
       </p:sp>
       <p:sp>
         <p:nvSpPr>
-          <p:cNvPr id="9" name="TextBox 8"/>
+          <p:cNvPr id="6" name="TextBox 5"/>
           <p:cNvSpPr txBox="1"/>
           <p:nvPr/>
         </p:nvSpPr>
         <p:spPr>
           <a:xfrm>
-            <a:off x="1941602" y="1883260"/>
-            <a:ext cx="8044475" cy="4247317"/>
+            <a:off x="1957516" y="1668393"/>
+            <a:ext cx="7306836" cy="4708981"/>
           </a:xfrm>
           <a:prstGeom prst="rect">
             <a:avLst/>
@@ -37144,22 +37803,13 @@
               <a:buChar char="‣"/>
             </a:pPr>
             <a:r>
-              <a:rPr lang="en-US" dirty="0" smtClean="0">
-                <a:solidFill>
-                  <a:schemeClr val="accent4"/>
-                </a:solidFill>
-                <a:ea typeface="Arial" charset="0"/>
-                <a:cs typeface="Arial" charset="0"/>
-              </a:rPr>
-              <a:t>Clinician</a:t>
-            </a:r>
-            <a:endParaRPr lang="en-US" dirty="0">
-              <a:solidFill>
-                <a:schemeClr val="accent4"/>
-              </a:solidFill>
-              <a:latin typeface="+mn-ea"/>
-              <a:cs typeface="Arial" charset="0"/>
-            </a:endParaRPr>
+              <a:rPr lang="en-US" sz="2000" dirty="0">
+                <a:solidFill>
+                  <a:schemeClr val="accent4"/>
+                </a:solidFill>
+              </a:rPr>
+              <a:t>Started 6 years ago </a:t>
+            </a:r>
           </a:p>
           <a:p>
             <a:pPr marL="742906" lvl="1" indent="-285750">
@@ -37173,32 +37823,33 @@
               <a:buChar char="‣"/>
             </a:pPr>
             <a:r>
-              <a:rPr lang="en-US" dirty="0">
-                <a:solidFill>
-                  <a:schemeClr val="accent4"/>
-                </a:solidFill>
-                <a:ea typeface="Arial" charset="0"/>
-                <a:cs typeface="Arial" charset="0"/>
-              </a:rPr>
-              <a:t>Able to get more involved in system </a:t>
-            </a:r>
-            <a:r>
-              <a:rPr lang="en-US" dirty="0" smtClean="0">
-                <a:solidFill>
-                  <a:schemeClr val="accent4"/>
-                </a:solidFill>
-                <a:ea typeface="Arial" charset="0"/>
-                <a:cs typeface="Arial" charset="0"/>
-              </a:rPr>
-              <a:t>design</a:t>
-            </a:r>
-            <a:endParaRPr lang="en-US" dirty="0">
-              <a:solidFill>
-                <a:schemeClr val="accent4"/>
-              </a:solidFill>
-              <a:latin typeface="+mn-ea"/>
-              <a:cs typeface="Arial" charset="0"/>
-            </a:endParaRPr>
+              <a:rPr lang="en-US" sz="2000" dirty="0">
+                <a:solidFill>
+                  <a:schemeClr val="accent4"/>
+                </a:solidFill>
+              </a:rPr>
+              <a:t>The fresh look</a:t>
+            </a:r>
+          </a:p>
+          <a:p>
+            <a:pPr marL="285750" indent="-285750">
+              <a:lnSpc>
+                <a:spcPct val="150000"/>
+              </a:lnSpc>
+              <a:buClr>
+                <a:schemeClr val="accent2"/>
+              </a:buClr>
+              <a:buFont typeface="LucidaGrande" charset="0"/>
+              <a:buChar char="‣"/>
+            </a:pPr>
+            <a:r>
+              <a:rPr lang="en-US" sz="2000" dirty="0">
+                <a:solidFill>
+                  <a:schemeClr val="accent4"/>
+                </a:solidFill>
+              </a:rPr>
+              <a:t>Right time, right place</a:t>
+            </a:r>
           </a:p>
           <a:p>
             <a:pPr marL="742906" lvl="1" indent="-285750">
@@ -37212,22 +37863,13 @@
               <a:buChar char="‣"/>
             </a:pPr>
             <a:r>
-              <a:rPr lang="en-US" dirty="0">
-                <a:solidFill>
-                  <a:schemeClr val="accent4"/>
-                </a:solidFill>
-                <a:ea typeface="Arial" charset="0"/>
-                <a:cs typeface="Arial" charset="0"/>
-              </a:rPr>
-              <a:t>Faster, more timely access to more high quality data </a:t>
-            </a:r>
-            <a:endParaRPr lang="en-US" dirty="0">
-              <a:solidFill>
-                <a:schemeClr val="accent4"/>
-              </a:solidFill>
-              <a:latin typeface="+mn-ea"/>
-              <a:cs typeface="Arial" charset="0"/>
-            </a:endParaRPr>
+              <a:rPr lang="en-US" sz="2000" dirty="0">
+                <a:solidFill>
+                  <a:schemeClr val="accent4"/>
+                </a:solidFill>
+              </a:rPr>
+              <a:t>JASON report</a:t>
+            </a:r>
           </a:p>
           <a:p>
             <a:pPr marL="285750" indent="-285750">
@@ -37241,22 +37883,13 @@
               <a:buChar char="‣"/>
             </a:pPr>
             <a:r>
-              <a:rPr lang="en-US" dirty="0">
-                <a:solidFill>
-                  <a:schemeClr val="accent4"/>
-                </a:solidFill>
-                <a:ea typeface="Arial" charset="0"/>
-                <a:cs typeface="Arial" charset="0"/>
-              </a:rPr>
-              <a:t>Consumer </a:t>
-            </a:r>
-            <a:endParaRPr lang="en-US" dirty="0">
-              <a:solidFill>
-                <a:schemeClr val="accent4"/>
-              </a:solidFill>
-              <a:latin typeface="+mn-ea"/>
-              <a:cs typeface="Arial" charset="0"/>
-            </a:endParaRPr>
+              <a:rPr lang="en-US" sz="2000" dirty="0">
+                <a:solidFill>
+                  <a:schemeClr val="accent4"/>
+                </a:solidFill>
+              </a:rPr>
+              <a:t>Since then..</a:t>
+            </a:r>
           </a:p>
           <a:p>
             <a:pPr marL="742906" lvl="1" indent="-285750">
@@ -37270,71 +37903,13 @@
               <a:buChar char="‣"/>
             </a:pPr>
             <a:r>
-              <a:rPr lang="en-US" dirty="0">
-                <a:solidFill>
-                  <a:schemeClr val="accent4"/>
-                </a:solidFill>
-                <a:ea typeface="Arial" charset="0"/>
-                <a:cs typeface="Arial" charset="0"/>
-              </a:rPr>
-              <a:t>Better involvement with health </a:t>
-            </a:r>
-            <a:r>
-              <a:rPr lang="en-US" dirty="0" smtClean="0">
-                <a:solidFill>
-                  <a:schemeClr val="accent4"/>
-                </a:solidFill>
-                <a:ea typeface="Arial" charset="0"/>
-                <a:cs typeface="Arial" charset="0"/>
-              </a:rPr>
-              <a:t>care</a:t>
-            </a:r>
-            <a:endParaRPr lang="en-US" dirty="0">
-              <a:solidFill>
-                <a:schemeClr val="accent4"/>
-              </a:solidFill>
-              <a:latin typeface="+mn-ea"/>
-              <a:cs typeface="Arial" charset="0"/>
-            </a:endParaRPr>
-          </a:p>
-          <a:p>
-            <a:pPr marL="285750" indent="-285750">
-              <a:lnSpc>
-                <a:spcPct val="150000"/>
-              </a:lnSpc>
-              <a:buClr>
-                <a:schemeClr val="accent2"/>
-              </a:buClr>
-              <a:buFont typeface="LucidaGrande" charset="0"/>
-              <a:buChar char="‣"/>
-            </a:pPr>
-            <a:r>
-              <a:rPr lang="en-US" dirty="0">
-                <a:solidFill>
-                  <a:schemeClr val="accent4"/>
-                </a:solidFill>
-                <a:ea typeface="Arial" charset="0"/>
-                <a:cs typeface="Arial" charset="0"/>
-              </a:rPr>
-              <a:t>Health Care </a:t>
-            </a:r>
-            <a:r>
-              <a:rPr lang="en-US" dirty="0" smtClean="0">
-                <a:solidFill>
-                  <a:schemeClr val="accent4"/>
-                </a:solidFill>
-                <a:ea typeface="Arial" charset="0"/>
-                <a:cs typeface="Arial" charset="0"/>
-              </a:rPr>
-              <a:t>Organization</a:t>
-            </a:r>
-            <a:endParaRPr lang="en-US" dirty="0">
-              <a:solidFill>
-                <a:schemeClr val="accent4"/>
-              </a:solidFill>
-              <a:latin typeface="+mn-ea"/>
-              <a:cs typeface="Arial" charset="0"/>
-            </a:endParaRPr>
+              <a:rPr lang="en-US" sz="2000" dirty="0">
+                <a:solidFill>
+                  <a:schemeClr val="accent4"/>
+                </a:solidFill>
+              </a:rPr>
+              <a:t>Almost universal take up by Vendors</a:t>
+            </a:r>
           </a:p>
           <a:p>
             <a:pPr marL="742906" lvl="1" indent="-285750">
@@ -37348,61 +37923,13 @@
               <a:buChar char="‣"/>
             </a:pPr>
             <a:r>
-              <a:rPr lang="en-US" dirty="0">
-                <a:solidFill>
-                  <a:schemeClr val="accent4"/>
-                </a:solidFill>
-                <a:ea typeface="Arial" charset="0"/>
-                <a:cs typeface="Arial" charset="0"/>
-              </a:rPr>
-              <a:t>Ability to </a:t>
-            </a:r>
-            <a:r>
-              <a:rPr lang="en-US" dirty="0" smtClean="0">
-                <a:solidFill>
-                  <a:schemeClr val="accent4"/>
-                </a:solidFill>
-                <a:ea typeface="Arial" charset="0"/>
-                <a:cs typeface="Arial" charset="0"/>
-              </a:rPr>
-              <a:t>innovate</a:t>
-            </a:r>
-            <a:endParaRPr lang="en-US" dirty="0">
-              <a:solidFill>
-                <a:schemeClr val="accent4"/>
-              </a:solidFill>
-              <a:latin typeface="+mn-ea"/>
-              <a:cs typeface="Arial" charset="0"/>
-            </a:endParaRPr>
-          </a:p>
-          <a:p>
-            <a:pPr marL="285750" indent="-285750">
-              <a:lnSpc>
-                <a:spcPct val="150000"/>
-              </a:lnSpc>
-              <a:buClr>
-                <a:schemeClr val="accent2"/>
-              </a:buClr>
-              <a:buFont typeface="LucidaGrande" charset="0"/>
-              <a:buChar char="‣"/>
-            </a:pPr>
-            <a:r>
-              <a:rPr lang="en-US" dirty="0" smtClean="0">
-                <a:solidFill>
-                  <a:schemeClr val="accent4"/>
-                </a:solidFill>
-                <a:ea typeface="Arial" charset="0"/>
-                <a:cs typeface="Arial" charset="0"/>
-              </a:rPr>
-              <a:t>Vendor</a:t>
-            </a:r>
-            <a:endParaRPr lang="en-US" dirty="0">
-              <a:solidFill>
-                <a:schemeClr val="accent4"/>
-              </a:solidFill>
-              <a:latin typeface="+mn-ea"/>
-              <a:cs typeface="Arial" charset="0"/>
-            </a:endParaRPr>
+              <a:rPr lang="en-US" sz="2000" dirty="0">
+                <a:solidFill>
+                  <a:schemeClr val="accent4"/>
+                </a:solidFill>
+              </a:rPr>
+              <a:t>Massive interest from Providers</a:t>
+            </a:r>
           </a:p>
           <a:p>
             <a:pPr marL="742906" lvl="1" indent="-285750">
@@ -37416,32 +37943,13 @@
               <a:buChar char="‣"/>
             </a:pPr>
             <a:r>
-              <a:rPr lang="en-US" dirty="0">
-                <a:solidFill>
-                  <a:schemeClr val="accent4"/>
-                </a:solidFill>
-                <a:ea typeface="Arial" charset="0"/>
-                <a:cs typeface="Arial" charset="0"/>
-              </a:rPr>
-              <a:t>Familiar development </a:t>
-            </a:r>
-            <a:r>
-              <a:rPr lang="en-US" dirty="0" smtClean="0">
-                <a:solidFill>
-                  <a:schemeClr val="accent4"/>
-                </a:solidFill>
-                <a:ea typeface="Arial" charset="0"/>
-                <a:cs typeface="Arial" charset="0"/>
-              </a:rPr>
-              <a:t>environment</a:t>
-            </a:r>
-            <a:endParaRPr lang="en-US" dirty="0">
-              <a:solidFill>
-                <a:schemeClr val="accent4"/>
-              </a:solidFill>
-              <a:latin typeface="+mn-ea"/>
-              <a:cs typeface="Arial" charset="0"/>
-            </a:endParaRPr>
+              <a:rPr lang="en-US" sz="2000" dirty="0">
+                <a:solidFill>
+                  <a:schemeClr val="accent4"/>
+                </a:solidFill>
+              </a:rPr>
+              <a:t>Implementations and projects world wide</a:t>
+            </a:r>
           </a:p>
           <a:p>
             <a:pPr marL="742906" lvl="1" indent="-285750">
@@ -37455,39 +37963,40 @@
               <a:buChar char="‣"/>
             </a:pPr>
             <a:r>
-              <a:rPr lang="en-US" dirty="0">
-                <a:solidFill>
-                  <a:schemeClr val="accent4"/>
-                </a:solidFill>
-                <a:ea typeface="Arial" charset="0"/>
-                <a:cs typeface="Arial" charset="0"/>
-              </a:rPr>
-              <a:t>App </a:t>
-            </a:r>
-            <a:r>
-              <a:rPr lang="en-US" dirty="0" smtClean="0">
-                <a:solidFill>
-                  <a:schemeClr val="accent4"/>
-                </a:solidFill>
-                <a:ea typeface="Arial" charset="0"/>
-                <a:cs typeface="Arial" charset="0"/>
-              </a:rPr>
-              <a:t>marketplace</a:t>
-            </a:r>
-            <a:endParaRPr lang="en-US" dirty="0">
-              <a:solidFill>
-                <a:schemeClr val="accent4"/>
-              </a:solidFill>
-              <a:latin typeface="+mn-ea"/>
-              <a:cs typeface="Arial" charset="0"/>
-            </a:endParaRPr>
+              <a:rPr lang="en-US" sz="2000" dirty="0">
+                <a:solidFill>
+                  <a:schemeClr val="accent4"/>
+                </a:solidFill>
+              </a:rPr>
+              <a:t>Large, very active International community</a:t>
+            </a:r>
+          </a:p>
+          <a:p>
+            <a:pPr marL="742906" lvl="1" indent="-285750">
+              <a:lnSpc>
+                <a:spcPct val="150000"/>
+              </a:lnSpc>
+              <a:buClr>
+                <a:schemeClr val="accent2"/>
+              </a:buClr>
+              <a:buFont typeface="LucidaGrande" charset="0"/>
+              <a:buChar char="‣"/>
+            </a:pPr>
+            <a:r>
+              <a:rPr lang="en-US" sz="2000" dirty="0">
+                <a:solidFill>
+                  <a:schemeClr val="accent4"/>
+                </a:solidFill>
+              </a:rPr>
+              <a:t>Scope increased from just Interoperability</a:t>
+            </a:r>
           </a:p>
         </p:txBody>
       </p:sp>
     </p:spTree>
     <p:extLst>
       <p:ext uri="{BB962C8B-B14F-4D97-AF65-F5344CB8AC3E}">
-        <p14:creationId xmlns:p14="http://schemas.microsoft.com/office/powerpoint/2010/main" val="1797263794"/>
+        <p14:creationId xmlns:p14="http://schemas.microsoft.com/office/powerpoint/2010/main" val="2142337520"/>
       </p:ext>
     </p:extLst>
   </p:cSld>
@@ -37533,79 +38042,407 @@
         </p:nvSpPr>
         <p:spPr/>
         <p:txBody>
-          <a:bodyPr/>
+          <a:bodyPr>
+            <a:normAutofit/>
+          </a:bodyPr>
           <a:lstStyle/>
           <a:p>
             <a:r>
-              <a:rPr lang="en-US" dirty="0" smtClean="0"/>
-              <a:t>Clinicians on FHIR</a:t>
-            </a:r>
-            <a:endParaRPr lang="en-US" dirty="0"/>
+              <a:rPr lang="en-US" dirty="0" smtClean="0">
+                <a:latin typeface="Arial" charset="0"/>
+                <a:ea typeface="Arial" charset="0"/>
+                <a:cs typeface="Arial" charset="0"/>
+              </a:rPr>
+              <a:t>Benefits of FHIR </a:t>
+            </a:r>
+            <a:endParaRPr lang="en-US" dirty="0">
+              <a:solidFill>
+                <a:schemeClr val="accent2"/>
+              </a:solidFill>
+              <a:latin typeface="+mj-ea"/>
+              <a:ea typeface="+mj-ea"/>
+              <a:cs typeface="Arial" charset="0"/>
+            </a:endParaRPr>
           </a:p>
         </p:txBody>
       </p:sp>
       <p:sp>
         <p:nvSpPr>
-          <p:cNvPr id="4" name="Content Placeholder 3"/>
-          <p:cNvSpPr>
-            <a:spLocks noGrp="1"/>
-          </p:cNvSpPr>
-          <p:nvPr>
-            <p:ph idx="1"/>
-          </p:nvPr>
+          <p:cNvPr id="9" name="TextBox 8"/>
+          <p:cNvSpPr txBox="1"/>
+          <p:nvPr/>
         </p:nvSpPr>
-        <p:spPr/>
+        <p:spPr>
+          <a:xfrm>
+            <a:off x="1941602" y="1883260"/>
+            <a:ext cx="8044475" cy="4247317"/>
+          </a:xfrm>
+          <a:prstGeom prst="rect">
+            <a:avLst/>
+          </a:prstGeom>
+          <a:noFill/>
+        </p:spPr>
         <p:txBody>
-          <a:bodyPr/>
+          <a:bodyPr wrap="square" rtlCol="0">
+            <a:spAutoFit/>
+          </a:bodyPr>
           <a:lstStyle/>
           <a:p>
-            <a:r>
-              <a:rPr lang="en-US" dirty="0" smtClean="0"/>
-              <a:t>Clinicians testing FHIR resources</a:t>
-            </a:r>
-          </a:p>
-          <a:p>
-            <a:pPr lvl="1"/>
-            <a:r>
-              <a:rPr lang="en-US" dirty="0" smtClean="0"/>
-              <a:t>Apply to real scenarios</a:t>
-            </a:r>
-          </a:p>
-          <a:p>
-            <a:pPr lvl="1"/>
-            <a:r>
-              <a:rPr lang="en-US" dirty="0" smtClean="0"/>
-              <a:t>Feedback to spec</a:t>
-            </a:r>
-          </a:p>
-          <a:p>
-            <a:pPr lvl="1"/>
-            <a:r>
-              <a:rPr lang="en-US" dirty="0" err="1" smtClean="0"/>
-              <a:t>clinFHIR</a:t>
-            </a:r>
-            <a:r>
-              <a:rPr lang="en-US" dirty="0" smtClean="0"/>
-              <a:t> as </a:t>
-            </a:r>
-            <a:r>
-              <a:rPr lang="en-US" dirty="0" smtClean="0"/>
-              <a:t>tooling</a:t>
-            </a:r>
-          </a:p>
-          <a:p>
-            <a:r>
-              <a:rPr lang="en-US" dirty="0" smtClean="0"/>
-              <a:t>This Friday</a:t>
-            </a:r>
-            <a:endParaRPr lang="en-US" dirty="0"/>
+            <a:pPr marL="285750" indent="-285750">
+              <a:lnSpc>
+                <a:spcPct val="150000"/>
+              </a:lnSpc>
+              <a:buClr>
+                <a:schemeClr val="accent2"/>
+              </a:buClr>
+              <a:buFont typeface="LucidaGrande" charset="0"/>
+              <a:buChar char="‣"/>
+            </a:pPr>
+            <a:r>
+              <a:rPr lang="en-US" dirty="0" smtClean="0">
+                <a:solidFill>
+                  <a:schemeClr val="accent4"/>
+                </a:solidFill>
+                <a:ea typeface="Arial" charset="0"/>
+                <a:cs typeface="Arial" charset="0"/>
+              </a:rPr>
+              <a:t>Clinician</a:t>
+            </a:r>
+            <a:endParaRPr lang="en-US" dirty="0">
+              <a:solidFill>
+                <a:schemeClr val="accent4"/>
+              </a:solidFill>
+              <a:latin typeface="+mn-ea"/>
+              <a:cs typeface="Arial" charset="0"/>
+            </a:endParaRPr>
+          </a:p>
+          <a:p>
+            <a:pPr marL="742906" lvl="1" indent="-285750">
+              <a:lnSpc>
+                <a:spcPct val="150000"/>
+              </a:lnSpc>
+              <a:buClr>
+                <a:schemeClr val="accent2"/>
+              </a:buClr>
+              <a:buFont typeface="LucidaGrande" charset="0"/>
+              <a:buChar char="‣"/>
+            </a:pPr>
+            <a:r>
+              <a:rPr lang="en-US" dirty="0">
+                <a:solidFill>
+                  <a:schemeClr val="accent4"/>
+                </a:solidFill>
+                <a:ea typeface="Arial" charset="0"/>
+                <a:cs typeface="Arial" charset="0"/>
+              </a:rPr>
+              <a:t>Able to get more involved in system </a:t>
+            </a:r>
+            <a:r>
+              <a:rPr lang="en-US" dirty="0" smtClean="0">
+                <a:solidFill>
+                  <a:schemeClr val="accent4"/>
+                </a:solidFill>
+                <a:ea typeface="Arial" charset="0"/>
+                <a:cs typeface="Arial" charset="0"/>
+              </a:rPr>
+              <a:t>design</a:t>
+            </a:r>
+            <a:endParaRPr lang="en-US" dirty="0">
+              <a:solidFill>
+                <a:schemeClr val="accent4"/>
+              </a:solidFill>
+              <a:latin typeface="+mn-ea"/>
+              <a:cs typeface="Arial" charset="0"/>
+            </a:endParaRPr>
+          </a:p>
+          <a:p>
+            <a:pPr marL="742906" lvl="1" indent="-285750">
+              <a:lnSpc>
+                <a:spcPct val="150000"/>
+              </a:lnSpc>
+              <a:buClr>
+                <a:schemeClr val="accent2"/>
+              </a:buClr>
+              <a:buFont typeface="LucidaGrande" charset="0"/>
+              <a:buChar char="‣"/>
+            </a:pPr>
+            <a:r>
+              <a:rPr lang="en-US" dirty="0">
+                <a:solidFill>
+                  <a:schemeClr val="accent4"/>
+                </a:solidFill>
+                <a:ea typeface="Arial" charset="0"/>
+                <a:cs typeface="Arial" charset="0"/>
+              </a:rPr>
+              <a:t>Faster, more timely access to more high quality data </a:t>
+            </a:r>
+            <a:endParaRPr lang="en-US" dirty="0">
+              <a:solidFill>
+                <a:schemeClr val="accent4"/>
+              </a:solidFill>
+              <a:latin typeface="+mn-ea"/>
+              <a:cs typeface="Arial" charset="0"/>
+            </a:endParaRPr>
+          </a:p>
+          <a:p>
+            <a:pPr marL="285750" indent="-285750">
+              <a:lnSpc>
+                <a:spcPct val="150000"/>
+              </a:lnSpc>
+              <a:buClr>
+                <a:schemeClr val="accent2"/>
+              </a:buClr>
+              <a:buFont typeface="LucidaGrande" charset="0"/>
+              <a:buChar char="‣"/>
+            </a:pPr>
+            <a:r>
+              <a:rPr lang="en-US" dirty="0">
+                <a:solidFill>
+                  <a:schemeClr val="accent4"/>
+                </a:solidFill>
+                <a:ea typeface="Arial" charset="0"/>
+                <a:cs typeface="Arial" charset="0"/>
+              </a:rPr>
+              <a:t>Consumer </a:t>
+            </a:r>
+            <a:endParaRPr lang="en-US" dirty="0">
+              <a:solidFill>
+                <a:schemeClr val="accent4"/>
+              </a:solidFill>
+              <a:latin typeface="+mn-ea"/>
+              <a:cs typeface="Arial" charset="0"/>
+            </a:endParaRPr>
+          </a:p>
+          <a:p>
+            <a:pPr marL="742906" lvl="1" indent="-285750">
+              <a:lnSpc>
+                <a:spcPct val="150000"/>
+              </a:lnSpc>
+              <a:buClr>
+                <a:schemeClr val="accent2"/>
+              </a:buClr>
+              <a:buFont typeface="LucidaGrande" charset="0"/>
+              <a:buChar char="‣"/>
+            </a:pPr>
+            <a:r>
+              <a:rPr lang="en-US" dirty="0">
+                <a:solidFill>
+                  <a:schemeClr val="accent4"/>
+                </a:solidFill>
+                <a:ea typeface="Arial" charset="0"/>
+                <a:cs typeface="Arial" charset="0"/>
+              </a:rPr>
+              <a:t>Better involvement with health </a:t>
+            </a:r>
+            <a:r>
+              <a:rPr lang="en-US" dirty="0" smtClean="0">
+                <a:solidFill>
+                  <a:schemeClr val="accent4"/>
+                </a:solidFill>
+                <a:ea typeface="Arial" charset="0"/>
+                <a:cs typeface="Arial" charset="0"/>
+              </a:rPr>
+              <a:t>care</a:t>
+            </a:r>
+            <a:endParaRPr lang="en-US" dirty="0">
+              <a:solidFill>
+                <a:schemeClr val="accent4"/>
+              </a:solidFill>
+              <a:latin typeface="+mn-ea"/>
+              <a:cs typeface="Arial" charset="0"/>
+            </a:endParaRPr>
+          </a:p>
+          <a:p>
+            <a:pPr marL="285750" indent="-285750">
+              <a:lnSpc>
+                <a:spcPct val="150000"/>
+              </a:lnSpc>
+              <a:buClr>
+                <a:schemeClr val="accent2"/>
+              </a:buClr>
+              <a:buFont typeface="LucidaGrande" charset="0"/>
+              <a:buChar char="‣"/>
+            </a:pPr>
+            <a:r>
+              <a:rPr lang="en-US" dirty="0">
+                <a:solidFill>
+                  <a:schemeClr val="accent4"/>
+                </a:solidFill>
+                <a:ea typeface="Arial" charset="0"/>
+                <a:cs typeface="Arial" charset="0"/>
+              </a:rPr>
+              <a:t>Health Care </a:t>
+            </a:r>
+            <a:r>
+              <a:rPr lang="en-US" dirty="0" smtClean="0">
+                <a:solidFill>
+                  <a:schemeClr val="accent4"/>
+                </a:solidFill>
+                <a:ea typeface="Arial" charset="0"/>
+                <a:cs typeface="Arial" charset="0"/>
+              </a:rPr>
+              <a:t>Organization</a:t>
+            </a:r>
+            <a:endParaRPr lang="en-US" dirty="0">
+              <a:solidFill>
+                <a:schemeClr val="accent4"/>
+              </a:solidFill>
+              <a:latin typeface="+mn-ea"/>
+              <a:cs typeface="Arial" charset="0"/>
+            </a:endParaRPr>
+          </a:p>
+          <a:p>
+            <a:pPr marL="742906" lvl="1" indent="-285750">
+              <a:lnSpc>
+                <a:spcPct val="150000"/>
+              </a:lnSpc>
+              <a:buClr>
+                <a:schemeClr val="accent2"/>
+              </a:buClr>
+              <a:buFont typeface="LucidaGrande" charset="0"/>
+              <a:buChar char="‣"/>
+            </a:pPr>
+            <a:r>
+              <a:rPr lang="en-US" dirty="0">
+                <a:solidFill>
+                  <a:schemeClr val="accent4"/>
+                </a:solidFill>
+                <a:ea typeface="Arial" charset="0"/>
+                <a:cs typeface="Arial" charset="0"/>
+              </a:rPr>
+              <a:t>Ability to </a:t>
+            </a:r>
+            <a:r>
+              <a:rPr lang="en-US" dirty="0" smtClean="0">
+                <a:solidFill>
+                  <a:schemeClr val="accent4"/>
+                </a:solidFill>
+                <a:ea typeface="Arial" charset="0"/>
+                <a:cs typeface="Arial" charset="0"/>
+              </a:rPr>
+              <a:t>innovate</a:t>
+            </a:r>
+            <a:endParaRPr lang="en-US" dirty="0">
+              <a:solidFill>
+                <a:schemeClr val="accent4"/>
+              </a:solidFill>
+              <a:latin typeface="+mn-ea"/>
+              <a:cs typeface="Arial" charset="0"/>
+            </a:endParaRPr>
+          </a:p>
+          <a:p>
+            <a:pPr marL="285750" indent="-285750">
+              <a:lnSpc>
+                <a:spcPct val="150000"/>
+              </a:lnSpc>
+              <a:buClr>
+                <a:schemeClr val="accent2"/>
+              </a:buClr>
+              <a:buFont typeface="LucidaGrande" charset="0"/>
+              <a:buChar char="‣"/>
+            </a:pPr>
+            <a:r>
+              <a:rPr lang="en-US" dirty="0" smtClean="0">
+                <a:solidFill>
+                  <a:schemeClr val="accent4"/>
+                </a:solidFill>
+                <a:ea typeface="Arial" charset="0"/>
+                <a:cs typeface="Arial" charset="0"/>
+              </a:rPr>
+              <a:t>Vendor</a:t>
+            </a:r>
+            <a:endParaRPr lang="en-US" dirty="0">
+              <a:solidFill>
+                <a:schemeClr val="accent4"/>
+              </a:solidFill>
+              <a:latin typeface="+mn-ea"/>
+              <a:cs typeface="Arial" charset="0"/>
+            </a:endParaRPr>
+          </a:p>
+          <a:p>
+            <a:pPr marL="742906" lvl="1" indent="-285750">
+              <a:lnSpc>
+                <a:spcPct val="150000"/>
+              </a:lnSpc>
+              <a:buClr>
+                <a:schemeClr val="accent2"/>
+              </a:buClr>
+              <a:buFont typeface="LucidaGrande" charset="0"/>
+              <a:buChar char="‣"/>
+            </a:pPr>
+            <a:r>
+              <a:rPr lang="en-US" dirty="0">
+                <a:solidFill>
+                  <a:schemeClr val="accent4"/>
+                </a:solidFill>
+                <a:ea typeface="Arial" charset="0"/>
+                <a:cs typeface="Arial" charset="0"/>
+              </a:rPr>
+              <a:t>Familiar development </a:t>
+            </a:r>
+            <a:r>
+              <a:rPr lang="en-US" dirty="0" smtClean="0">
+                <a:solidFill>
+                  <a:schemeClr val="accent4"/>
+                </a:solidFill>
+                <a:ea typeface="Arial" charset="0"/>
+                <a:cs typeface="Arial" charset="0"/>
+              </a:rPr>
+              <a:t>environment</a:t>
+            </a:r>
+            <a:endParaRPr lang="en-US" dirty="0">
+              <a:solidFill>
+                <a:schemeClr val="accent4"/>
+              </a:solidFill>
+              <a:latin typeface="+mn-ea"/>
+              <a:cs typeface="Arial" charset="0"/>
+            </a:endParaRPr>
+          </a:p>
+          <a:p>
+            <a:pPr marL="742906" lvl="1" indent="-285750">
+              <a:lnSpc>
+                <a:spcPct val="150000"/>
+              </a:lnSpc>
+              <a:buClr>
+                <a:schemeClr val="accent2"/>
+              </a:buClr>
+              <a:buFont typeface="LucidaGrande" charset="0"/>
+              <a:buChar char="‣"/>
+            </a:pPr>
+            <a:r>
+              <a:rPr lang="en-US" dirty="0">
+                <a:solidFill>
+                  <a:schemeClr val="accent4"/>
+                </a:solidFill>
+                <a:ea typeface="Arial" charset="0"/>
+                <a:cs typeface="Arial" charset="0"/>
+              </a:rPr>
+              <a:t>App </a:t>
+            </a:r>
+            <a:r>
+              <a:rPr lang="en-US" dirty="0" smtClean="0">
+                <a:solidFill>
+                  <a:schemeClr val="accent4"/>
+                </a:solidFill>
+                <a:ea typeface="Arial" charset="0"/>
+                <a:cs typeface="Arial" charset="0"/>
+              </a:rPr>
+              <a:t>marketplace</a:t>
+            </a:r>
+            <a:endParaRPr lang="en-US" dirty="0">
+              <a:solidFill>
+                <a:schemeClr val="accent4"/>
+              </a:solidFill>
+              <a:latin typeface="+mn-ea"/>
+              <a:cs typeface="Arial" charset="0"/>
+            </a:endParaRPr>
           </a:p>
         </p:txBody>
       </p:sp>
     </p:spTree>
     <p:extLst>
       <p:ext uri="{BB962C8B-B14F-4D97-AF65-F5344CB8AC3E}">
-        <p14:creationId xmlns:p14="http://schemas.microsoft.com/office/powerpoint/2010/main" val="370559418"/>
+        <p14:creationId xmlns:p14="http://schemas.microsoft.com/office/powerpoint/2010/main" val="1797263794"/>
       </p:ext>
     </p:extLst>
   </p:cSld>
